--- a/Evolution_Architecture.pptx
+++ b/Evolution_Architecture.pptx
@@ -104,6 +104,11 @@
       </a:defRPr>
     </a:lvl9pPr>
   </p:defaultTextStyle>
+  <p:extLst>
+    <p:ext uri="{EFAFB233-063F-42B5-8137-9DF3F51BA10A}">
+      <p15:sldGuideLst xmlns:p15="http://schemas.microsoft.com/office/powerpoint/2012/main"/>
+    </p:ext>
+  </p:extLst>
 </p:presentation>
 </file>
 
@@ -238,9 +243,9 @@
           <a:p>
             <a:fld id="{E9C158C0-7942-4C90-83FA-4FE017085481}" type="datetimeFigureOut">
               <a:rPr lang="de-DE" smtClean="0"/>
-              <a:t>14.07.2018</a:t>
+              <a:t>16.07.2018</a:t>
             </a:fld>
-            <a:endParaRPr lang="de-DE" dirty="0"/>
+            <a:endParaRPr lang="de-DE"/>
           </a:p>
         </p:txBody>
       </p:sp>
@@ -259,7 +264,7 @@
           <a:bodyPr/>
           <a:lstStyle/>
           <a:p>
-            <a:endParaRPr lang="de-DE" dirty="0"/>
+            <a:endParaRPr lang="de-DE"/>
           </a:p>
         </p:txBody>
       </p:sp>
@@ -282,7 +287,7 @@
               <a:rPr lang="de-DE" smtClean="0"/>
               <a:t>‹Nr.›</a:t>
             </a:fld>
-            <a:endParaRPr lang="de-DE" dirty="0"/>
+            <a:endParaRPr lang="de-DE"/>
           </a:p>
         </p:txBody>
       </p:sp>
@@ -408,9 +413,9 @@
           <a:p>
             <a:fld id="{E9C158C0-7942-4C90-83FA-4FE017085481}" type="datetimeFigureOut">
               <a:rPr lang="de-DE" smtClean="0"/>
-              <a:t>14.07.2018</a:t>
+              <a:t>16.07.2018</a:t>
             </a:fld>
-            <a:endParaRPr lang="de-DE" dirty="0"/>
+            <a:endParaRPr lang="de-DE"/>
           </a:p>
         </p:txBody>
       </p:sp>
@@ -429,7 +434,7 @@
           <a:bodyPr/>
           <a:lstStyle/>
           <a:p>
-            <a:endParaRPr lang="de-DE" dirty="0"/>
+            <a:endParaRPr lang="de-DE"/>
           </a:p>
         </p:txBody>
       </p:sp>
@@ -452,7 +457,7 @@
               <a:rPr lang="de-DE" smtClean="0"/>
               <a:t>‹Nr.›</a:t>
             </a:fld>
-            <a:endParaRPr lang="de-DE" dirty="0"/>
+            <a:endParaRPr lang="de-DE"/>
           </a:p>
         </p:txBody>
       </p:sp>
@@ -588,9 +593,9 @@
           <a:p>
             <a:fld id="{E9C158C0-7942-4C90-83FA-4FE017085481}" type="datetimeFigureOut">
               <a:rPr lang="de-DE" smtClean="0"/>
-              <a:t>14.07.2018</a:t>
+              <a:t>16.07.2018</a:t>
             </a:fld>
-            <a:endParaRPr lang="de-DE" dirty="0"/>
+            <a:endParaRPr lang="de-DE"/>
           </a:p>
         </p:txBody>
       </p:sp>
@@ -609,7 +614,7 @@
           <a:bodyPr/>
           <a:lstStyle/>
           <a:p>
-            <a:endParaRPr lang="de-DE" dirty="0"/>
+            <a:endParaRPr lang="de-DE"/>
           </a:p>
         </p:txBody>
       </p:sp>
@@ -632,7 +637,7 @@
               <a:rPr lang="de-DE" smtClean="0"/>
               <a:t>‹Nr.›</a:t>
             </a:fld>
-            <a:endParaRPr lang="de-DE" dirty="0"/>
+            <a:endParaRPr lang="de-DE"/>
           </a:p>
         </p:txBody>
       </p:sp>
@@ -758,9 +763,9 @@
           <a:p>
             <a:fld id="{E9C158C0-7942-4C90-83FA-4FE017085481}" type="datetimeFigureOut">
               <a:rPr lang="de-DE" smtClean="0"/>
-              <a:t>14.07.2018</a:t>
+              <a:t>16.07.2018</a:t>
             </a:fld>
-            <a:endParaRPr lang="de-DE" dirty="0"/>
+            <a:endParaRPr lang="de-DE"/>
           </a:p>
         </p:txBody>
       </p:sp>
@@ -779,7 +784,7 @@
           <a:bodyPr/>
           <a:lstStyle/>
           <a:p>
-            <a:endParaRPr lang="de-DE" dirty="0"/>
+            <a:endParaRPr lang="de-DE"/>
           </a:p>
         </p:txBody>
       </p:sp>
@@ -802,7 +807,7 @@
               <a:rPr lang="de-DE" smtClean="0"/>
               <a:t>‹Nr.›</a:t>
             </a:fld>
-            <a:endParaRPr lang="de-DE" dirty="0"/>
+            <a:endParaRPr lang="de-DE"/>
           </a:p>
         </p:txBody>
       </p:sp>
@@ -1002,9 +1007,9 @@
           <a:p>
             <a:fld id="{E9C158C0-7942-4C90-83FA-4FE017085481}" type="datetimeFigureOut">
               <a:rPr lang="de-DE" smtClean="0"/>
-              <a:t>14.07.2018</a:t>
+              <a:t>16.07.2018</a:t>
             </a:fld>
-            <a:endParaRPr lang="de-DE" dirty="0"/>
+            <a:endParaRPr lang="de-DE"/>
           </a:p>
         </p:txBody>
       </p:sp>
@@ -1023,7 +1028,7 @@
           <a:bodyPr/>
           <a:lstStyle/>
           <a:p>
-            <a:endParaRPr lang="de-DE" dirty="0"/>
+            <a:endParaRPr lang="de-DE"/>
           </a:p>
         </p:txBody>
       </p:sp>
@@ -1046,7 +1051,7 @@
               <a:rPr lang="de-DE" smtClean="0"/>
               <a:t>‹Nr.›</a:t>
             </a:fld>
-            <a:endParaRPr lang="de-DE" dirty="0"/>
+            <a:endParaRPr lang="de-DE"/>
           </a:p>
         </p:txBody>
       </p:sp>
@@ -1234,9 +1239,9 @@
           <a:p>
             <a:fld id="{E9C158C0-7942-4C90-83FA-4FE017085481}" type="datetimeFigureOut">
               <a:rPr lang="de-DE" smtClean="0"/>
-              <a:t>14.07.2018</a:t>
+              <a:t>16.07.2018</a:t>
             </a:fld>
-            <a:endParaRPr lang="de-DE" dirty="0"/>
+            <a:endParaRPr lang="de-DE"/>
           </a:p>
         </p:txBody>
       </p:sp>
@@ -1255,7 +1260,7 @@
           <a:bodyPr/>
           <a:lstStyle/>
           <a:p>
-            <a:endParaRPr lang="de-DE" dirty="0"/>
+            <a:endParaRPr lang="de-DE"/>
           </a:p>
         </p:txBody>
       </p:sp>
@@ -1278,7 +1283,7 @@
               <a:rPr lang="de-DE" smtClean="0"/>
               <a:t>‹Nr.›</a:t>
             </a:fld>
-            <a:endParaRPr lang="de-DE" dirty="0"/>
+            <a:endParaRPr lang="de-DE"/>
           </a:p>
         </p:txBody>
       </p:sp>
@@ -1601,9 +1606,9 @@
           <a:p>
             <a:fld id="{E9C158C0-7942-4C90-83FA-4FE017085481}" type="datetimeFigureOut">
               <a:rPr lang="de-DE" smtClean="0"/>
-              <a:t>14.07.2018</a:t>
+              <a:t>16.07.2018</a:t>
             </a:fld>
-            <a:endParaRPr lang="de-DE" dirty="0"/>
+            <a:endParaRPr lang="de-DE"/>
           </a:p>
         </p:txBody>
       </p:sp>
@@ -1622,7 +1627,7 @@
           <a:bodyPr/>
           <a:lstStyle/>
           <a:p>
-            <a:endParaRPr lang="de-DE" dirty="0"/>
+            <a:endParaRPr lang="de-DE"/>
           </a:p>
         </p:txBody>
       </p:sp>
@@ -1645,7 +1650,7 @@
               <a:rPr lang="de-DE" smtClean="0"/>
               <a:t>‹Nr.›</a:t>
             </a:fld>
-            <a:endParaRPr lang="de-DE" dirty="0"/>
+            <a:endParaRPr lang="de-DE"/>
           </a:p>
         </p:txBody>
       </p:sp>
@@ -1719,9 +1724,9 @@
           <a:p>
             <a:fld id="{E9C158C0-7942-4C90-83FA-4FE017085481}" type="datetimeFigureOut">
               <a:rPr lang="de-DE" smtClean="0"/>
-              <a:t>14.07.2018</a:t>
+              <a:t>16.07.2018</a:t>
             </a:fld>
-            <a:endParaRPr lang="de-DE" dirty="0"/>
+            <a:endParaRPr lang="de-DE"/>
           </a:p>
         </p:txBody>
       </p:sp>
@@ -1740,7 +1745,7 @@
           <a:bodyPr/>
           <a:lstStyle/>
           <a:p>
-            <a:endParaRPr lang="de-DE" dirty="0"/>
+            <a:endParaRPr lang="de-DE"/>
           </a:p>
         </p:txBody>
       </p:sp>
@@ -1763,7 +1768,7 @@
               <a:rPr lang="de-DE" smtClean="0"/>
               <a:t>‹Nr.›</a:t>
             </a:fld>
-            <a:endParaRPr lang="de-DE" dirty="0"/>
+            <a:endParaRPr lang="de-DE"/>
           </a:p>
         </p:txBody>
       </p:sp>
@@ -1814,9 +1819,9 @@
           <a:p>
             <a:fld id="{E9C158C0-7942-4C90-83FA-4FE017085481}" type="datetimeFigureOut">
               <a:rPr lang="de-DE" smtClean="0"/>
-              <a:t>14.07.2018</a:t>
+              <a:t>16.07.2018</a:t>
             </a:fld>
-            <a:endParaRPr lang="de-DE" dirty="0"/>
+            <a:endParaRPr lang="de-DE"/>
           </a:p>
         </p:txBody>
       </p:sp>
@@ -1835,7 +1840,7 @@
           <a:bodyPr/>
           <a:lstStyle/>
           <a:p>
-            <a:endParaRPr lang="de-DE" dirty="0"/>
+            <a:endParaRPr lang="de-DE"/>
           </a:p>
         </p:txBody>
       </p:sp>
@@ -1858,7 +1863,7 @@
               <a:rPr lang="de-DE" smtClean="0"/>
               <a:t>‹Nr.›</a:t>
             </a:fld>
-            <a:endParaRPr lang="de-DE" dirty="0"/>
+            <a:endParaRPr lang="de-DE"/>
           </a:p>
         </p:txBody>
       </p:sp>
@@ -2091,9 +2096,9 @@
           <a:p>
             <a:fld id="{E9C158C0-7942-4C90-83FA-4FE017085481}" type="datetimeFigureOut">
               <a:rPr lang="de-DE" smtClean="0"/>
-              <a:t>14.07.2018</a:t>
+              <a:t>16.07.2018</a:t>
             </a:fld>
-            <a:endParaRPr lang="de-DE" dirty="0"/>
+            <a:endParaRPr lang="de-DE"/>
           </a:p>
         </p:txBody>
       </p:sp>
@@ -2112,7 +2117,7 @@
           <a:bodyPr/>
           <a:lstStyle/>
           <a:p>
-            <a:endParaRPr lang="de-DE" dirty="0"/>
+            <a:endParaRPr lang="de-DE"/>
           </a:p>
         </p:txBody>
       </p:sp>
@@ -2135,7 +2140,7 @@
               <a:rPr lang="de-DE" smtClean="0"/>
               <a:t>‹Nr.›</a:t>
             </a:fld>
-            <a:endParaRPr lang="de-DE" dirty="0"/>
+            <a:endParaRPr lang="de-DE"/>
           </a:p>
         </p:txBody>
       </p:sp>
@@ -2259,10 +2264,10 @@
           </a:lstStyle>
           <a:p>
             <a:r>
-              <a:rPr lang="de-DE" dirty="0"/>
+              <a:rPr lang="de-DE"/>
               <a:t>Bild durch Klicken auf Symbol hinzufügen</a:t>
             </a:r>
-            <a:endParaRPr lang="en-US" dirty="0"/>
+            <a:endParaRPr lang="en-US"/>
           </a:p>
         </p:txBody>
       </p:sp>
@@ -2348,9 +2353,9 @@
           <a:p>
             <a:fld id="{E9C158C0-7942-4C90-83FA-4FE017085481}" type="datetimeFigureOut">
               <a:rPr lang="de-DE" smtClean="0"/>
-              <a:t>14.07.2018</a:t>
+              <a:t>16.07.2018</a:t>
             </a:fld>
-            <a:endParaRPr lang="de-DE" dirty="0"/>
+            <a:endParaRPr lang="de-DE"/>
           </a:p>
         </p:txBody>
       </p:sp>
@@ -2369,7 +2374,7 @@
           <a:bodyPr/>
           <a:lstStyle/>
           <a:p>
-            <a:endParaRPr lang="de-DE" dirty="0"/>
+            <a:endParaRPr lang="de-DE"/>
           </a:p>
         </p:txBody>
       </p:sp>
@@ -2392,7 +2397,7 @@
               <a:rPr lang="de-DE" smtClean="0"/>
               <a:t>‹Nr.›</a:t>
             </a:fld>
-            <a:endParaRPr lang="de-DE" dirty="0"/>
+            <a:endParaRPr lang="de-DE"/>
           </a:p>
         </p:txBody>
       </p:sp>
@@ -2561,9 +2566,9 @@
           <a:p>
             <a:fld id="{E9C158C0-7942-4C90-83FA-4FE017085481}" type="datetimeFigureOut">
               <a:rPr lang="de-DE" smtClean="0"/>
-              <a:t>14.07.2018</a:t>
+              <a:t>16.07.2018</a:t>
             </a:fld>
-            <a:endParaRPr lang="de-DE" dirty="0"/>
+            <a:endParaRPr lang="de-DE"/>
           </a:p>
         </p:txBody>
       </p:sp>
@@ -2600,7 +2605,7 @@
             </a:lvl1pPr>
           </a:lstStyle>
           <a:p>
-            <a:endParaRPr lang="de-DE" dirty="0"/>
+            <a:endParaRPr lang="de-DE"/>
           </a:p>
         </p:txBody>
       </p:sp>
@@ -2641,7 +2646,7 @@
               <a:rPr lang="de-DE" smtClean="0"/>
               <a:t>‹Nr.›</a:t>
             </a:fld>
-            <a:endParaRPr lang="de-DE" dirty="0"/>
+            <a:endParaRPr lang="de-DE"/>
           </a:p>
         </p:txBody>
       </p:sp>
@@ -2980,8 +2985,8 @@
         </p:nvSpPr>
         <p:spPr>
           <a:xfrm>
-            <a:off x="1269998" y="2931283"/>
-            <a:ext cx="3547535" cy="4146873"/>
+            <a:off x="1269998" y="3782291"/>
+            <a:ext cx="3547532" cy="989493"/>
           </a:xfrm>
           <a:prstGeom prst="rect">
             <a:avLst/>
@@ -3010,7 +3015,7 @@
           </a:fontRef>
         </p:style>
         <p:txBody>
-          <a:bodyPr rot="0" spcFirstLastPara="0" vertOverflow="overflow" horzOverflow="overflow" vert="horz" wrap="square" lIns="41791" tIns="20896" rIns="41791" bIns="20896" numCol="1" spcCol="0" rtlCol="0" fromWordArt="0" anchor="ctr" anchorCtr="0" forceAA="0" compatLnSpc="1">
+          <a:bodyPr rot="0" spcFirstLastPara="0" vertOverflow="overflow" horzOverflow="overflow" vert="horz" wrap="square" lIns="41791" tIns="20896" rIns="41791" bIns="20896" numCol="1" spcCol="0" rtlCol="0" fromWordArt="0" anchor="t" anchorCtr="0" forceAA="0" compatLnSpc="1">
             <a:prstTxWarp prst="textNoShape">
               <a:avLst/>
             </a:prstTxWarp>
@@ -3018,8 +3023,19 @@
           </a:bodyPr>
           <a:lstStyle/>
           <a:p>
-            <a:pPr algn="ctr"/>
-            <a:endParaRPr lang="de-DE" sz="823" dirty="0"/>
+            <a:r>
+              <a:rPr lang="de-DE" sz="1200" err="1">
+                <a:solidFill>
+                  <a:schemeClr val="tx1"/>
+                </a:solidFill>
+              </a:rPr>
+              <a:t>WorkThread</a:t>
+            </a:r>
+            <a:endParaRPr lang="de-DE" sz="1200">
+              <a:solidFill>
+                <a:schemeClr val="tx1"/>
+              </a:solidFill>
+            </a:endParaRPr>
           </a:p>
         </p:txBody>
       </p:sp>
@@ -3037,8 +3053,8 @@
         </p:nvSpPr>
         <p:spPr>
           <a:xfrm>
-            <a:off x="1270001" y="4191000"/>
-            <a:ext cx="2929466" cy="2389226"/>
+            <a:off x="1270001" y="4771784"/>
+            <a:ext cx="3547532" cy="2346140"/>
           </a:xfrm>
           <a:prstGeom prst="rect">
             <a:avLst/>
@@ -3073,7 +3089,7 @@
           <a:lstStyle/>
           <a:p>
             <a:r>
-              <a:rPr lang="de-DE" sz="1200" dirty="0">
+              <a:rPr lang="de-DE" sz="1200">
                 <a:solidFill>
                   <a:schemeClr val="tx1"/>
                 </a:solidFill>
@@ -3097,7 +3113,7 @@
         </p:nvSpPr>
         <p:spPr>
           <a:xfrm>
-            <a:off x="1269998" y="4792132"/>
+            <a:off x="1269998" y="5329830"/>
             <a:ext cx="2159002" cy="1248649"/>
           </a:xfrm>
           <a:prstGeom prst="rect">
@@ -3136,14 +3152,14 @@
           <a:lstStyle/>
           <a:p>
             <a:r>
-              <a:rPr lang="de-DE" sz="1200" dirty="0">
+              <a:rPr lang="de-DE" sz="1200">
                 <a:solidFill>
                   <a:schemeClr val="tx1"/>
                 </a:solidFill>
               </a:rPr>
               <a:t>HISTORY</a:t>
             </a:r>
-            <a:endParaRPr lang="de-DE" sz="1050" dirty="0">
+            <a:endParaRPr lang="de-DE" sz="1050">
               <a:solidFill>
                 <a:schemeClr val="tx1"/>
               </a:solidFill>
@@ -3165,8 +3181,8 @@
         </p:nvSpPr>
         <p:spPr>
           <a:xfrm>
-            <a:off x="549274" y="7110393"/>
-            <a:ext cx="5038724" cy="1891367"/>
+            <a:off x="1269998" y="7110393"/>
+            <a:ext cx="3547532" cy="1891367"/>
           </a:xfrm>
           <a:prstGeom prst="rect">
             <a:avLst/>
@@ -3199,7 +3215,7 @@
           <a:lstStyle/>
           <a:p>
             <a:r>
-              <a:rPr lang="de-DE" sz="1400" dirty="0">
+              <a:rPr lang="de-DE" sz="1400">
                 <a:solidFill>
                   <a:schemeClr val="tx1"/>
                 </a:solidFill>
@@ -3256,7 +3272,7 @@
           <a:lstStyle/>
           <a:p>
             <a:r>
-              <a:rPr lang="de-DE" sz="1400" dirty="0">
+              <a:rPr lang="de-DE" sz="1400">
                 <a:solidFill>
                   <a:schemeClr val="tx1"/>
                 </a:solidFill>
@@ -3312,7 +3328,7 @@
           <a:p>
             <a:pPr algn="ctr"/>
             <a:r>
-              <a:rPr lang="de-DE" dirty="0">
+              <a:rPr lang="de-DE">
                 <a:solidFill>
                   <a:schemeClr val="tx1"/>
                 </a:solidFill>
@@ -3368,7 +3384,7 @@
           <a:p>
             <a:pPr algn="ctr"/>
             <a:r>
-              <a:rPr lang="de-DE" dirty="0">
+              <a:rPr lang="de-DE">
                 <a:solidFill>
                   <a:schemeClr val="tx1"/>
                 </a:solidFill>
@@ -3392,7 +3408,7 @@
         </p:nvSpPr>
         <p:spPr>
           <a:xfrm>
-            <a:off x="6073136" y="2278602"/>
+            <a:off x="6067822" y="2480726"/>
             <a:ext cx="433493" cy="469053"/>
           </a:xfrm>
           <a:prstGeom prst="rect">
@@ -3424,7 +3440,7 @@
           <a:p>
             <a:pPr algn="ctr"/>
             <a:r>
-              <a:rPr lang="de-DE" dirty="0">
+              <a:rPr lang="de-DE">
                 <a:solidFill>
                   <a:schemeClr val="tx1"/>
                 </a:solidFill>
@@ -3448,7 +3464,7 @@
         </p:nvSpPr>
         <p:spPr>
           <a:xfrm>
-            <a:off x="6073136" y="3032878"/>
+            <a:off x="6073133" y="4028429"/>
             <a:ext cx="433493" cy="469053"/>
           </a:xfrm>
           <a:prstGeom prst="rect">
@@ -3480,7 +3496,7 @@
           <a:p>
             <a:pPr algn="ctr"/>
             <a:r>
-              <a:rPr lang="de-DE" dirty="0">
+              <a:rPr lang="de-DE">
                 <a:solidFill>
                   <a:schemeClr val="tx1"/>
                 </a:solidFill>
@@ -3492,10 +3508,10 @@
       </p:sp>
       <p:sp>
         <p:nvSpPr>
-          <p:cNvPr id="16" name="Rechteck 15">
+          <p:cNvPr id="17" name="Rechteck 16">
             <a:extLst>
               <a:ext uri="{FF2B5EF4-FFF2-40B4-BE49-F238E27FC236}">
-                <a16:creationId xmlns:a16="http://schemas.microsoft.com/office/drawing/2014/main" id="{6AEAC290-B45B-43C6-980B-B264CA21CC4C}"/>
+                <a16:creationId xmlns:a16="http://schemas.microsoft.com/office/drawing/2014/main" id="{10A4B270-0BFC-4077-AC65-E2EA5E8B1FE1}"/>
               </a:ext>
             </a:extLst>
           </p:cNvPr>
@@ -3504,7 +3520,7 @@
         </p:nvSpPr>
         <p:spPr>
           <a:xfrm>
-            <a:off x="6073136" y="3624771"/>
+            <a:off x="6073134" y="4805678"/>
             <a:ext cx="433493" cy="469053"/>
           </a:xfrm>
           <a:prstGeom prst="rect">
@@ -3536,22 +3552,22 @@
           <a:p>
             <a:pPr algn="ctr"/>
             <a:r>
-              <a:rPr lang="de-DE" dirty="0">
+              <a:rPr lang="de-DE">
                 <a:solidFill>
                   <a:schemeClr val="tx1"/>
                 </a:solidFill>
               </a:rPr>
-              <a:t>5</a:t>
-            </a:r>
-          </a:p>
-        </p:txBody>
-      </p:sp>
-      <p:sp>
-        <p:nvSpPr>
-          <p:cNvPr id="17" name="Rechteck 16">
+              <a:t>4</a:t>
+            </a:r>
+          </a:p>
+        </p:txBody>
+      </p:sp>
+      <p:sp>
+        <p:nvSpPr>
+          <p:cNvPr id="18" name="Rechteck 17">
             <a:extLst>
               <a:ext uri="{FF2B5EF4-FFF2-40B4-BE49-F238E27FC236}">
-                <a16:creationId xmlns:a16="http://schemas.microsoft.com/office/drawing/2014/main" id="{10A4B270-0BFC-4077-AC65-E2EA5E8B1FE1}"/>
+                <a16:creationId xmlns:a16="http://schemas.microsoft.com/office/drawing/2014/main" id="{3E9685A7-9E5F-4869-BB7F-312113EE0006}"/>
               </a:ext>
             </a:extLst>
           </p:cNvPr>
@@ -3560,7 +3576,7 @@
         </p:nvSpPr>
         <p:spPr>
           <a:xfrm>
-            <a:off x="6073136" y="4234086"/>
+            <a:off x="6073135" y="5710327"/>
             <a:ext cx="433493" cy="469053"/>
           </a:xfrm>
           <a:prstGeom prst="rect">
@@ -3592,22 +3608,22 @@
           <a:p>
             <a:pPr algn="ctr"/>
             <a:r>
-              <a:rPr lang="de-DE" dirty="0">
+              <a:rPr lang="de-DE">
                 <a:solidFill>
                   <a:schemeClr val="tx1"/>
                 </a:solidFill>
               </a:rPr>
-              <a:t>4</a:t>
-            </a:r>
-          </a:p>
-        </p:txBody>
-      </p:sp>
-      <p:sp>
-        <p:nvSpPr>
-          <p:cNvPr id="18" name="Rechteck 17">
+              <a:t>3</a:t>
+            </a:r>
+          </a:p>
+        </p:txBody>
+      </p:sp>
+      <p:sp>
+        <p:nvSpPr>
+          <p:cNvPr id="19" name="Rechteck 18">
             <a:extLst>
               <a:ext uri="{FF2B5EF4-FFF2-40B4-BE49-F238E27FC236}">
-                <a16:creationId xmlns:a16="http://schemas.microsoft.com/office/drawing/2014/main" id="{3E9685A7-9E5F-4869-BB7F-312113EE0006}"/>
+                <a16:creationId xmlns:a16="http://schemas.microsoft.com/office/drawing/2014/main" id="{D7F2DEE7-5A8E-4DC1-A163-060D82902670}"/>
               </a:ext>
             </a:extLst>
           </p:cNvPr>
@@ -3616,7 +3632,7 @@
         </p:nvSpPr>
         <p:spPr>
           <a:xfrm>
-            <a:off x="6073136" y="5263519"/>
+            <a:off x="6073136" y="6578479"/>
             <a:ext cx="433493" cy="469053"/>
           </a:xfrm>
           <a:prstGeom prst="rect">
@@ -3648,124 +3664,12 @@
           <a:p>
             <a:pPr algn="ctr"/>
             <a:r>
-              <a:rPr lang="de-DE" dirty="0">
-                <a:solidFill>
-                  <a:schemeClr val="tx1"/>
-                </a:solidFill>
-              </a:rPr>
-              <a:t>3</a:t>
-            </a:r>
-          </a:p>
-        </p:txBody>
-      </p:sp>
-      <p:sp>
-        <p:nvSpPr>
-          <p:cNvPr id="19" name="Rechteck 18">
-            <a:extLst>
-              <a:ext uri="{FF2B5EF4-FFF2-40B4-BE49-F238E27FC236}">
-                <a16:creationId xmlns:a16="http://schemas.microsoft.com/office/drawing/2014/main" id="{D7F2DEE7-5A8E-4DC1-A163-060D82902670}"/>
-              </a:ext>
-            </a:extLst>
-          </p:cNvPr>
-          <p:cNvSpPr/>
-          <p:nvPr/>
-        </p:nvSpPr>
-        <p:spPr>
-          <a:xfrm>
-            <a:off x="6073136" y="6034971"/>
-            <a:ext cx="433493" cy="469053"/>
-          </a:xfrm>
-          <a:prstGeom prst="rect">
-            <a:avLst/>
-          </a:prstGeom>
-          <a:solidFill>
-            <a:schemeClr val="bg1"/>
-          </a:solidFill>
-        </p:spPr>
-        <p:style>
-          <a:lnRef idx="2">
-            <a:schemeClr val="accent1">
-              <a:shade val="50000"/>
-            </a:schemeClr>
-          </a:lnRef>
-          <a:fillRef idx="1">
-            <a:schemeClr val="accent1"/>
-          </a:fillRef>
-          <a:effectRef idx="0">
-            <a:schemeClr val="accent1"/>
-          </a:effectRef>
-          <a:fontRef idx="minor">
-            <a:schemeClr val="lt1"/>
-          </a:fontRef>
-        </p:style>
-        <p:txBody>
-          <a:bodyPr rtlCol="0" anchor="ctr"/>
-          <a:lstStyle/>
-          <a:p>
-            <a:pPr algn="ctr"/>
-            <a:r>
-              <a:rPr lang="de-DE" dirty="0">
+              <a:rPr lang="de-DE">
                 <a:solidFill>
                   <a:schemeClr val="tx1"/>
                 </a:solidFill>
               </a:rPr>
               <a:t>2</a:t>
-            </a:r>
-          </a:p>
-        </p:txBody>
-      </p:sp>
-      <p:sp>
-        <p:nvSpPr>
-          <p:cNvPr id="20" name="Rechteck 19">
-            <a:extLst>
-              <a:ext uri="{FF2B5EF4-FFF2-40B4-BE49-F238E27FC236}">
-                <a16:creationId xmlns:a16="http://schemas.microsoft.com/office/drawing/2014/main" id="{6B6CD7A9-56EE-42A6-A87E-23710CAB4A58}"/>
-              </a:ext>
-            </a:extLst>
-          </p:cNvPr>
-          <p:cNvSpPr/>
-          <p:nvPr/>
-        </p:nvSpPr>
-        <p:spPr>
-          <a:xfrm>
-            <a:off x="6073136" y="6595479"/>
-            <a:ext cx="433493" cy="469053"/>
-          </a:xfrm>
-          <a:prstGeom prst="rect">
-            <a:avLst/>
-          </a:prstGeom>
-          <a:solidFill>
-            <a:schemeClr val="bg1"/>
-          </a:solidFill>
-        </p:spPr>
-        <p:style>
-          <a:lnRef idx="2">
-            <a:schemeClr val="accent1">
-              <a:shade val="50000"/>
-            </a:schemeClr>
-          </a:lnRef>
-          <a:fillRef idx="1">
-            <a:schemeClr val="accent1"/>
-          </a:fillRef>
-          <a:effectRef idx="0">
-            <a:schemeClr val="accent1"/>
-          </a:effectRef>
-          <a:fontRef idx="minor">
-            <a:schemeClr val="lt1"/>
-          </a:fontRef>
-        </p:style>
-        <p:txBody>
-          <a:bodyPr rtlCol="0" anchor="ctr"/>
-          <a:lstStyle/>
-          <a:p>
-            <a:pPr algn="ctr"/>
-            <a:r>
-              <a:rPr lang="de-DE" dirty="0">
-                <a:solidFill>
-                  <a:schemeClr val="tx1"/>
-                </a:solidFill>
-              </a:rPr>
-              <a:t>1</a:t>
             </a:r>
           </a:p>
         </p:txBody>
@@ -3816,13 +3720,243 @@
           <a:p>
             <a:pPr algn="ctr"/>
             <a:r>
-              <a:rPr lang="de-DE" dirty="0">
+              <a:rPr lang="de-DE">
                 <a:solidFill>
                   <a:schemeClr val="tx1"/>
                 </a:solidFill>
               </a:rPr>
               <a:t>0</a:t>
             </a:r>
+          </a:p>
+        </p:txBody>
+      </p:sp>
+      <p:sp>
+        <p:nvSpPr>
+          <p:cNvPr id="2" name="Rechteck 1">
+            <a:extLst>
+              <a:ext uri="{FF2B5EF4-FFF2-40B4-BE49-F238E27FC236}">
+                <a16:creationId xmlns:a16="http://schemas.microsoft.com/office/drawing/2014/main" id="{1354B24B-035F-48DA-8C02-E2445A3DBD23}"/>
+              </a:ext>
+            </a:extLst>
+          </p:cNvPr>
+          <p:cNvSpPr/>
+          <p:nvPr/>
+        </p:nvSpPr>
+        <p:spPr>
+          <a:xfrm>
+            <a:off x="549276" y="3269673"/>
+            <a:ext cx="5038723" cy="5996247"/>
+          </a:xfrm>
+          <a:prstGeom prst="rect">
+            <a:avLst/>
+          </a:prstGeom>
+          <a:noFill/>
+          <a:ln w="57150">
+            <a:solidFill>
+              <a:srgbClr val="C00000"/>
+            </a:solidFill>
+          </a:ln>
+        </p:spPr>
+        <p:style>
+          <a:lnRef idx="2">
+            <a:schemeClr val="accent1">
+              <a:shade val="50000"/>
+            </a:schemeClr>
+          </a:lnRef>
+          <a:fillRef idx="1">
+            <a:schemeClr val="accent1"/>
+          </a:fillRef>
+          <a:effectRef idx="0">
+            <a:schemeClr val="accent1"/>
+          </a:effectRef>
+          <a:fontRef idx="minor">
+            <a:schemeClr val="lt1"/>
+          </a:fontRef>
+        </p:style>
+        <p:txBody>
+          <a:bodyPr rtlCol="0" anchor="t"/>
+          <a:lstStyle/>
+          <a:p>
+            <a:r>
+              <a:rPr lang="de-DE" err="1">
+                <a:solidFill>
+                  <a:srgbClr val="C00000"/>
+                </a:solidFill>
+              </a:rPr>
+              <a:t>work</a:t>
+            </a:r>
+            <a:r>
+              <a:rPr lang="de-DE">
+                <a:solidFill>
+                  <a:srgbClr val="C00000"/>
+                </a:solidFill>
+              </a:rPr>
+              <a:t> </a:t>
+            </a:r>
+            <a:r>
+              <a:rPr lang="de-DE" err="1">
+                <a:solidFill>
+                  <a:srgbClr val="C00000"/>
+                </a:solidFill>
+              </a:rPr>
+              <a:t>thread</a:t>
+            </a:r>
+            <a:endParaRPr lang="de-DE">
+              <a:solidFill>
+                <a:srgbClr val="C00000"/>
+              </a:solidFill>
+            </a:endParaRPr>
+          </a:p>
+        </p:txBody>
+      </p:sp>
+      <p:sp>
+        <p:nvSpPr>
+          <p:cNvPr id="3" name="Rechteck 2">
+            <a:extLst>
+              <a:ext uri="{FF2B5EF4-FFF2-40B4-BE49-F238E27FC236}">
+                <a16:creationId xmlns:a16="http://schemas.microsoft.com/office/drawing/2014/main" id="{347D3B46-A32F-4191-A4E1-D57A465E807C}"/>
+              </a:ext>
+            </a:extLst>
+          </p:cNvPr>
+          <p:cNvSpPr/>
+          <p:nvPr/>
+        </p:nvSpPr>
+        <p:spPr>
+          <a:xfrm>
+            <a:off x="549276" y="2299855"/>
+            <a:ext cx="5038723" cy="688407"/>
+          </a:xfrm>
+          <a:prstGeom prst="rect">
+            <a:avLst/>
+          </a:prstGeom>
+          <a:solidFill>
+            <a:schemeClr val="accent2">
+              <a:lumMod val="20000"/>
+              <a:lumOff val="80000"/>
+            </a:schemeClr>
+          </a:solidFill>
+        </p:spPr>
+        <p:style>
+          <a:lnRef idx="2">
+            <a:schemeClr val="accent1">
+              <a:shade val="50000"/>
+            </a:schemeClr>
+          </a:lnRef>
+          <a:fillRef idx="1">
+            <a:schemeClr val="accent1"/>
+          </a:fillRef>
+          <a:effectRef idx="0">
+            <a:schemeClr val="accent1"/>
+          </a:effectRef>
+          <a:fontRef idx="minor">
+            <a:schemeClr val="lt1"/>
+          </a:fontRef>
+        </p:style>
+        <p:txBody>
+          <a:bodyPr rtlCol="0" anchor="t"/>
+          <a:lstStyle/>
+          <a:p>
+            <a:r>
+              <a:rPr lang="de-DE" sz="1200" err="1">
+                <a:solidFill>
+                  <a:schemeClr val="tx1"/>
+                </a:solidFill>
+              </a:rPr>
+              <a:t>WorkThreadInterface</a:t>
+            </a:r>
+            <a:endParaRPr lang="de-DE" sz="1200">
+              <a:solidFill>
+                <a:schemeClr val="tx1"/>
+              </a:solidFill>
+            </a:endParaRPr>
+          </a:p>
+        </p:txBody>
+      </p:sp>
+      <p:pic>
+        <p:nvPicPr>
+          <p:cNvPr id="7" name="Grafik 6" descr="Wiederholung">
+            <a:extLst>
+              <a:ext uri="{FF2B5EF4-FFF2-40B4-BE49-F238E27FC236}">
+                <a16:creationId xmlns:a16="http://schemas.microsoft.com/office/drawing/2014/main" id="{0FF3122E-0C6D-44A4-9DBD-652E64B41090}"/>
+              </a:ext>
+            </a:extLst>
+          </p:cNvPr>
+          <p:cNvPicPr>
+            <a:picLocks noChangeAspect="1"/>
+          </p:cNvPicPr>
+          <p:nvPr/>
+        </p:nvPicPr>
+        <p:blipFill>
+          <a:blip r:embed="rId2">
+            <a:extLst>
+              <a:ext uri="{28A0092B-C50C-407E-A947-70E740481C1C}">
+                <a14:useLocalDpi xmlns:a14="http://schemas.microsoft.com/office/drawing/2010/main" val="0"/>
+              </a:ext>
+              <a:ext uri="{96DAC541-7B7A-43D3-8B79-37D633B846F1}">
+                <asvg:svgBlip xmlns:asvg="http://schemas.microsoft.com/office/drawing/2016/SVG/main" r:embed="rId3"/>
+              </a:ext>
+            </a:extLst>
+          </a:blip>
+          <a:stretch>
+            <a:fillRect/>
+          </a:stretch>
+        </p:blipFill>
+        <p:spPr>
+          <a:xfrm>
+            <a:off x="2667000" y="3335027"/>
+            <a:ext cx="630381" cy="447264"/>
+          </a:xfrm>
+          <a:prstGeom prst="rect">
+            <a:avLst/>
+          </a:prstGeom>
+        </p:spPr>
+      </p:pic>
+      <p:sp>
+        <p:nvSpPr>
+          <p:cNvPr id="8" name="Pfeil: nach unten 7">
+            <a:extLst>
+              <a:ext uri="{FF2B5EF4-FFF2-40B4-BE49-F238E27FC236}">
+                <a16:creationId xmlns:a16="http://schemas.microsoft.com/office/drawing/2014/main" id="{99A9D07C-681C-4809-845D-D48B90C7428F}"/>
+              </a:ext>
+            </a:extLst>
+          </p:cNvPr>
+          <p:cNvSpPr/>
+          <p:nvPr/>
+        </p:nvSpPr>
+        <p:spPr>
+          <a:xfrm>
+            <a:off x="2822863" y="3021701"/>
+            <a:ext cx="318654" cy="318654"/>
+          </a:xfrm>
+          <a:prstGeom prst="downArrow">
+            <a:avLst/>
+          </a:prstGeom>
+          <a:solidFill>
+            <a:schemeClr val="tx1"/>
+          </a:solidFill>
+        </p:spPr>
+        <p:style>
+          <a:lnRef idx="2">
+            <a:schemeClr val="accent1">
+              <a:shade val="50000"/>
+            </a:schemeClr>
+          </a:lnRef>
+          <a:fillRef idx="1">
+            <a:schemeClr val="accent1"/>
+          </a:fillRef>
+          <a:effectRef idx="0">
+            <a:schemeClr val="accent1"/>
+          </a:effectRef>
+          <a:fontRef idx="minor">
+            <a:schemeClr val="lt1"/>
+          </a:fontRef>
+        </p:style>
+        <p:txBody>
+          <a:bodyPr rtlCol="0" anchor="ctr"/>
+          <a:lstStyle/>
+          <a:p>
+            <a:pPr algn="ctr"/>
+            <a:endParaRPr lang="de-DE"/>
           </a:p>
         </p:txBody>
       </p:sp>

--- a/Evolution_Architecture.pptx
+++ b/Evolution_Architecture.pptx
@@ -3054,7 +3054,7 @@
         <p:spPr>
           <a:xfrm>
             <a:off x="1270001" y="4771784"/>
-            <a:ext cx="3547532" cy="2346140"/>
+            <a:ext cx="3547532" cy="555087"/>
           </a:xfrm>
           <a:prstGeom prst="rect">
             <a:avLst/>
@@ -3094,8 +3094,31 @@
                   <a:schemeClr val="tx1"/>
                 </a:solidFill>
               </a:rPr>
-              <a:t>GLUE</a:t>
-            </a:r>
+              <a:t>GLUE            </a:t>
+            </a:r>
+          </a:p>
+          <a:p>
+            <a:r>
+              <a:rPr lang="de-DE" sz="1200">
+                <a:solidFill>
+                  <a:schemeClr val="tx1"/>
+                </a:solidFill>
+              </a:rPr>
+              <a:t>                                 </a:t>
+            </a:r>
+            <a:r>
+              <a:rPr lang="de-DE" sz="1600">
+                <a:solidFill>
+                  <a:schemeClr val="tx1"/>
+                </a:solidFill>
+              </a:rPr>
+              <a:t>EvoHistorySys</a:t>
+            </a:r>
+            <a:endParaRPr lang="de-DE" sz="1200">
+              <a:solidFill>
+                <a:schemeClr val="tx1"/>
+              </a:solidFill>
+            </a:endParaRPr>
           </a:p>
         </p:txBody>
       </p:sp>
@@ -3113,8 +3136,8 @@
         </p:nvSpPr>
         <p:spPr>
           <a:xfrm>
-            <a:off x="1269998" y="5329830"/>
-            <a:ext cx="2159002" cy="1248649"/>
+            <a:off x="1269997" y="5326872"/>
+            <a:ext cx="3547531" cy="1251608"/>
           </a:xfrm>
           <a:prstGeom prst="rect">
             <a:avLst/>
@@ -3157,13 +3180,55 @@
                   <a:schemeClr val="tx1"/>
                 </a:solidFill>
               </a:rPr>
-              <a:t>HISTORY</a:t>
-            </a:r>
-            <a:endParaRPr lang="de-DE" sz="1050">
+              <a:t>HISTORY              </a:t>
+            </a:r>
+          </a:p>
+          <a:p>
+            <a:r>
+              <a:rPr lang="de-DE" sz="1200">
+                <a:solidFill>
+                  <a:schemeClr val="tx1"/>
+                </a:solidFill>
+              </a:rPr>
+              <a:t>                                 </a:t>
+            </a:r>
+            <a:r>
+              <a:rPr lang="de-DE" sz="1600">
+                <a:solidFill>
+                  <a:schemeClr val="tx1"/>
+                </a:solidFill>
+              </a:rPr>
+              <a:t>HistorySystem</a:t>
+            </a:r>
+            <a:endParaRPr lang="de-DE" sz="1200">
               <a:solidFill>
                 <a:schemeClr val="tx1"/>
               </a:solidFill>
             </a:endParaRPr>
+          </a:p>
+          <a:p>
+            <a:endParaRPr lang="de-DE" sz="1200">
+              <a:solidFill>
+                <a:schemeClr val="tx1"/>
+              </a:solidFill>
+            </a:endParaRPr>
+          </a:p>
+          <a:p>
+            <a:endParaRPr lang="de-DE" sz="1200">
+              <a:solidFill>
+                <a:schemeClr val="tx1"/>
+              </a:solidFill>
+            </a:endParaRPr>
+          </a:p>
+          <a:p>
+            <a:r>
+              <a:rPr lang="de-DE" sz="1600">
+                <a:solidFill>
+                  <a:schemeClr val="tx1"/>
+                </a:solidFill>
+              </a:rPr>
+              <a:t>		ModelData (Interface)</a:t>
+            </a:r>
           </a:p>
         </p:txBody>
       </p:sp>
@@ -3957,6 +4022,89 @@
           <a:p>
             <a:pPr algn="ctr"/>
             <a:endParaRPr lang="de-DE"/>
+          </a:p>
+        </p:txBody>
+      </p:sp>
+      <p:sp>
+        <p:nvSpPr>
+          <p:cNvPr id="22" name="Rechteck 21">
+            <a:extLst>
+              <a:ext uri="{FF2B5EF4-FFF2-40B4-BE49-F238E27FC236}">
+                <a16:creationId xmlns:a16="http://schemas.microsoft.com/office/drawing/2014/main" id="{2DB5B410-CE86-48DA-9DCC-F72681569353}"/>
+              </a:ext>
+            </a:extLst>
+          </p:cNvPr>
+          <p:cNvSpPr/>
+          <p:nvPr/>
+        </p:nvSpPr>
+        <p:spPr>
+          <a:xfrm>
+            <a:off x="1269996" y="6596202"/>
+            <a:ext cx="3547532" cy="555087"/>
+          </a:xfrm>
+          <a:prstGeom prst="rect">
+            <a:avLst/>
+          </a:prstGeom>
+          <a:solidFill>
+            <a:srgbClr val="FFFF00"/>
+          </a:solidFill>
+        </p:spPr>
+        <p:style>
+          <a:lnRef idx="2">
+            <a:schemeClr val="accent1">
+              <a:shade val="50000"/>
+            </a:schemeClr>
+          </a:lnRef>
+          <a:fillRef idx="1">
+            <a:schemeClr val="accent1"/>
+          </a:fillRef>
+          <a:effectRef idx="0">
+            <a:schemeClr val="accent1"/>
+          </a:effectRef>
+          <a:fontRef idx="minor">
+            <a:schemeClr val="lt1"/>
+          </a:fontRef>
+        </p:style>
+        <p:txBody>
+          <a:bodyPr rot="0" spcFirstLastPara="0" vertOverflow="overflow" horzOverflow="overflow" vert="horz" wrap="square" lIns="41791" tIns="20896" rIns="41791" bIns="20896" numCol="1" spcCol="0" rtlCol="0" fromWordArt="0" anchor="t" anchorCtr="0" forceAA="0" compatLnSpc="1">
+            <a:prstTxWarp prst="textNoShape">
+              <a:avLst/>
+            </a:prstTxWarp>
+            <a:noAutofit/>
+          </a:bodyPr>
+          <a:lstStyle/>
+          <a:p>
+            <a:r>
+              <a:rPr lang="de-DE" sz="1200">
+                <a:solidFill>
+                  <a:schemeClr val="tx1"/>
+                </a:solidFill>
+              </a:rPr>
+              <a:t>GLUE</a:t>
+            </a:r>
+          </a:p>
+          <a:p>
+            <a:r>
+              <a:rPr lang="de-DE" sz="1200">
+                <a:solidFill>
+                  <a:schemeClr val="tx1"/>
+                </a:solidFill>
+              </a:rPr>
+              <a:t>                         </a:t>
+            </a:r>
+            <a:r>
+              <a:rPr lang="de-DE" sz="1600">
+                <a:solidFill>
+                  <a:schemeClr val="tx1"/>
+                </a:solidFill>
+              </a:rPr>
+              <a:t>      EvoModelData</a:t>
+            </a:r>
+            <a:endParaRPr lang="de-DE" sz="1200">
+              <a:solidFill>
+                <a:schemeClr val="tx1"/>
+              </a:solidFill>
+            </a:endParaRPr>
           </a:p>
         </p:txBody>
       </p:sp>

--- a/Evolution_Architecture.pptx
+++ b/Evolution_Architecture.pptx
@@ -243,7 +243,7 @@
           <a:p>
             <a:fld id="{E9C158C0-7942-4C90-83FA-4FE017085481}" type="datetimeFigureOut">
               <a:rPr lang="de-DE" smtClean="0"/>
-              <a:t>16.07.2018</a:t>
+              <a:t>17.07.2018</a:t>
             </a:fld>
             <a:endParaRPr lang="de-DE"/>
           </a:p>
@@ -413,7 +413,7 @@
           <a:p>
             <a:fld id="{E9C158C0-7942-4C90-83FA-4FE017085481}" type="datetimeFigureOut">
               <a:rPr lang="de-DE" smtClean="0"/>
-              <a:t>16.07.2018</a:t>
+              <a:t>17.07.2018</a:t>
             </a:fld>
             <a:endParaRPr lang="de-DE"/>
           </a:p>
@@ -593,7 +593,7 @@
           <a:p>
             <a:fld id="{E9C158C0-7942-4C90-83FA-4FE017085481}" type="datetimeFigureOut">
               <a:rPr lang="de-DE" smtClean="0"/>
-              <a:t>16.07.2018</a:t>
+              <a:t>17.07.2018</a:t>
             </a:fld>
             <a:endParaRPr lang="de-DE"/>
           </a:p>
@@ -763,7 +763,7 @@
           <a:p>
             <a:fld id="{E9C158C0-7942-4C90-83FA-4FE017085481}" type="datetimeFigureOut">
               <a:rPr lang="de-DE" smtClean="0"/>
-              <a:t>16.07.2018</a:t>
+              <a:t>17.07.2018</a:t>
             </a:fld>
             <a:endParaRPr lang="de-DE"/>
           </a:p>
@@ -1007,7 +1007,7 @@
           <a:p>
             <a:fld id="{E9C158C0-7942-4C90-83FA-4FE017085481}" type="datetimeFigureOut">
               <a:rPr lang="de-DE" smtClean="0"/>
-              <a:t>16.07.2018</a:t>
+              <a:t>17.07.2018</a:t>
             </a:fld>
             <a:endParaRPr lang="de-DE"/>
           </a:p>
@@ -1239,7 +1239,7 @@
           <a:p>
             <a:fld id="{E9C158C0-7942-4C90-83FA-4FE017085481}" type="datetimeFigureOut">
               <a:rPr lang="de-DE" smtClean="0"/>
-              <a:t>16.07.2018</a:t>
+              <a:t>17.07.2018</a:t>
             </a:fld>
             <a:endParaRPr lang="de-DE"/>
           </a:p>
@@ -1606,7 +1606,7 @@
           <a:p>
             <a:fld id="{E9C158C0-7942-4C90-83FA-4FE017085481}" type="datetimeFigureOut">
               <a:rPr lang="de-DE" smtClean="0"/>
-              <a:t>16.07.2018</a:t>
+              <a:t>17.07.2018</a:t>
             </a:fld>
             <a:endParaRPr lang="de-DE"/>
           </a:p>
@@ -1724,7 +1724,7 @@
           <a:p>
             <a:fld id="{E9C158C0-7942-4C90-83FA-4FE017085481}" type="datetimeFigureOut">
               <a:rPr lang="de-DE" smtClean="0"/>
-              <a:t>16.07.2018</a:t>
+              <a:t>17.07.2018</a:t>
             </a:fld>
             <a:endParaRPr lang="de-DE"/>
           </a:p>
@@ -1819,7 +1819,7 @@
           <a:p>
             <a:fld id="{E9C158C0-7942-4C90-83FA-4FE017085481}" type="datetimeFigureOut">
               <a:rPr lang="de-DE" smtClean="0"/>
-              <a:t>16.07.2018</a:t>
+              <a:t>17.07.2018</a:t>
             </a:fld>
             <a:endParaRPr lang="de-DE"/>
           </a:p>
@@ -2096,7 +2096,7 @@
           <a:p>
             <a:fld id="{E9C158C0-7942-4C90-83FA-4FE017085481}" type="datetimeFigureOut">
               <a:rPr lang="de-DE" smtClean="0"/>
-              <a:t>16.07.2018</a:t>
+              <a:t>17.07.2018</a:t>
             </a:fld>
             <a:endParaRPr lang="de-DE"/>
           </a:p>
@@ -2353,7 +2353,7 @@
           <a:p>
             <a:fld id="{E9C158C0-7942-4C90-83FA-4FE017085481}" type="datetimeFigureOut">
               <a:rPr lang="de-DE" smtClean="0"/>
-              <a:t>16.07.2018</a:t>
+              <a:t>17.07.2018</a:t>
             </a:fld>
             <a:endParaRPr lang="de-DE"/>
           </a:p>
@@ -2566,7 +2566,7 @@
           <a:p>
             <a:fld id="{E9C158C0-7942-4C90-83FA-4FE017085481}" type="datetimeFigureOut">
               <a:rPr lang="de-DE" smtClean="0"/>
-              <a:t>16.07.2018</a:t>
+              <a:t>17.07.2018</a:t>
             </a:fld>
             <a:endParaRPr lang="de-DE"/>
           </a:p>
@@ -2985,16 +2985,16 @@
         </p:nvSpPr>
         <p:spPr>
           <a:xfrm>
-            <a:off x="1269998" y="3782291"/>
-            <a:ext cx="3547532" cy="989493"/>
+            <a:off x="785081" y="3782291"/>
+            <a:ext cx="2775537" cy="989493"/>
           </a:xfrm>
           <a:prstGeom prst="rect">
             <a:avLst/>
           </a:prstGeom>
           <a:solidFill>
             <a:schemeClr val="accent2">
-              <a:lumMod val="60000"/>
-              <a:lumOff val="40000"/>
+              <a:lumMod val="20000"/>
+              <a:lumOff val="80000"/>
             </a:schemeClr>
           </a:solidFill>
         </p:spPr>
@@ -3015,7 +3015,7 @@
           </a:fontRef>
         </p:style>
         <p:txBody>
-          <a:bodyPr rot="0" spcFirstLastPara="0" vertOverflow="overflow" horzOverflow="overflow" vert="horz" wrap="square" lIns="41791" tIns="20896" rIns="41791" bIns="20896" numCol="1" spcCol="0" rtlCol="0" fromWordArt="0" anchor="t" anchorCtr="0" forceAA="0" compatLnSpc="1">
+          <a:bodyPr rot="0" spcFirstLastPara="0" vertOverflow="overflow" horzOverflow="overflow" vert="horz" wrap="square" lIns="41791" tIns="20896" rIns="41791" bIns="20896" numCol="1" spcCol="0" rtlCol="0" fromWordArt="0" anchor="ctr" anchorCtr="0" forceAA="0" compatLnSpc="1">
             <a:prstTxWarp prst="textNoShape">
               <a:avLst/>
             </a:prstTxWarp>
@@ -3023,15 +3023,16 @@
           </a:bodyPr>
           <a:lstStyle/>
           <a:p>
-            <a:r>
-              <a:rPr lang="de-DE" sz="1200" err="1">
+            <a:pPr algn="ctr"/>
+            <a:r>
+              <a:rPr lang="de-DE" sz="1600" err="1">
                 <a:solidFill>
                   <a:schemeClr val="tx1"/>
                 </a:solidFill>
               </a:rPr>
               <a:t>WorkThread</a:t>
             </a:r>
-            <a:endParaRPr lang="de-DE" sz="1200">
+            <a:endParaRPr lang="de-DE" sz="1600">
               <a:solidFill>
                 <a:schemeClr val="tx1"/>
               </a:solidFill>
@@ -3053,8 +3054,8 @@
         </p:nvSpPr>
         <p:spPr>
           <a:xfrm>
-            <a:off x="1270001" y="4771784"/>
-            <a:ext cx="3547532" cy="555087"/>
+            <a:off x="785084" y="4771784"/>
+            <a:ext cx="2775534" cy="555087"/>
           </a:xfrm>
           <a:prstGeom prst="rect">
             <a:avLst/>
@@ -3104,7 +3105,7 @@
                   <a:schemeClr val="tx1"/>
                 </a:solidFill>
               </a:rPr>
-              <a:t>                                 </a:t>
+              <a:t>                    </a:t>
             </a:r>
             <a:r>
               <a:rPr lang="de-DE" sz="1600">
@@ -3136,8 +3137,8 @@
         </p:nvSpPr>
         <p:spPr>
           <a:xfrm>
-            <a:off x="1269997" y="5326872"/>
-            <a:ext cx="3547531" cy="1251608"/>
+            <a:off x="785080" y="5326872"/>
+            <a:ext cx="2775535" cy="1251608"/>
           </a:xfrm>
           <a:prstGeom prst="rect">
             <a:avLst/>
@@ -3190,7 +3191,7 @@
                   <a:schemeClr val="tx1"/>
                 </a:solidFill>
               </a:rPr>
-              <a:t>                                 </a:t>
+              <a:t>                      </a:t>
             </a:r>
             <a:r>
               <a:rPr lang="de-DE" sz="1600">
@@ -3227,7 +3228,7 @@
                   <a:schemeClr val="tx1"/>
                 </a:solidFill>
               </a:rPr>
-              <a:t>		ModelData (Interface)</a:t>
+              <a:t>      ModelData (Interface)</a:t>
             </a:r>
           </a:p>
         </p:txBody>
@@ -3246,8 +3247,8 @@
         </p:nvSpPr>
         <p:spPr>
           <a:xfrm>
-            <a:off x="1269998" y="7110393"/>
-            <a:ext cx="3547532" cy="1891367"/>
+            <a:off x="785080" y="7350942"/>
+            <a:ext cx="4980719" cy="1715324"/>
           </a:xfrm>
           <a:prstGeom prst="rect">
             <a:avLst/>
@@ -3285,7 +3286,7 @@
                   <a:schemeClr val="tx1"/>
                 </a:solidFill>
               </a:rPr>
-              <a:t>EvolutionCore</a:t>
+              <a:t>                                              </a:t>
             </a:r>
           </a:p>
         </p:txBody>
@@ -3304,8 +3305,8 @@
         </p:nvSpPr>
         <p:spPr>
           <a:xfrm>
-            <a:off x="549276" y="640080"/>
-            <a:ext cx="5038724" cy="1424083"/>
+            <a:off x="549275" y="640080"/>
+            <a:ext cx="5216523" cy="1737047"/>
           </a:xfrm>
           <a:prstGeom prst="rect">
             <a:avLst/>
@@ -3361,7 +3362,7 @@
         </p:nvSpPr>
         <p:spPr>
           <a:xfrm>
-            <a:off x="5765800" y="470746"/>
+            <a:off x="5859145" y="472848"/>
             <a:ext cx="899160" cy="469053"/>
           </a:xfrm>
           <a:prstGeom prst="rect">
@@ -3809,8 +3810,8 @@
         </p:nvSpPr>
         <p:spPr>
           <a:xfrm>
-            <a:off x="549276" y="3269673"/>
-            <a:ext cx="5038723" cy="5996247"/>
+            <a:off x="549277" y="3269673"/>
+            <a:ext cx="3219160" cy="5996247"/>
           </a:xfrm>
           <a:prstGeom prst="rect">
             <a:avLst/>
@@ -3888,8 +3889,8 @@
         </p:nvSpPr>
         <p:spPr>
           <a:xfrm>
-            <a:off x="549276" y="2299855"/>
-            <a:ext cx="5038723" cy="688407"/>
+            <a:off x="785079" y="2576781"/>
+            <a:ext cx="2775534" cy="411481"/>
           </a:xfrm>
           <a:prstGeom prst="rect">
             <a:avLst/>
@@ -3918,18 +3919,19 @@
           </a:fontRef>
         </p:style>
         <p:txBody>
-          <a:bodyPr rtlCol="0" anchor="t"/>
-          <a:lstStyle/>
-          <a:p>
-            <a:r>
-              <a:rPr lang="de-DE" sz="1200" err="1">
+          <a:bodyPr rtlCol="0" anchor="ctr"/>
+          <a:lstStyle/>
+          <a:p>
+            <a:pPr algn="ctr"/>
+            <a:r>
+              <a:rPr lang="de-DE" sz="1600" err="1">
                 <a:solidFill>
                   <a:schemeClr val="tx1"/>
                 </a:solidFill>
               </a:rPr>
               <a:t>WorkThreadInterface</a:t>
             </a:r>
-            <a:endParaRPr lang="de-DE" sz="1200">
+            <a:endParaRPr lang="de-DE" sz="1600">
               <a:solidFill>
                 <a:schemeClr val="tx1"/>
               </a:solidFill>
@@ -3968,7 +3970,7 @@
         </p:blipFill>
         <p:spPr>
           <a:xfrm>
-            <a:off x="2667000" y="3335027"/>
+            <a:off x="1821869" y="3335027"/>
             <a:ext cx="630381" cy="447264"/>
           </a:xfrm>
           <a:prstGeom prst="rect">
@@ -3990,7 +3992,7 @@
         </p:nvSpPr>
         <p:spPr>
           <a:xfrm>
-            <a:off x="2822863" y="3021701"/>
+            <a:off x="1977732" y="3021701"/>
             <a:ext cx="318654" cy="318654"/>
           </a:xfrm>
           <a:prstGeom prst="downArrow">
@@ -4039,8 +4041,8 @@
         </p:nvSpPr>
         <p:spPr>
           <a:xfrm>
-            <a:off x="1269996" y="6596202"/>
-            <a:ext cx="3547532" cy="555087"/>
+            <a:off x="785079" y="6596202"/>
+            <a:ext cx="2775534" cy="555087"/>
           </a:xfrm>
           <a:prstGeom prst="rect">
             <a:avLst/>
@@ -4090,7 +4092,7 @@
                   <a:schemeClr val="tx1"/>
                 </a:solidFill>
               </a:rPr>
-              <a:t>                         </a:t>
+              <a:t>                       </a:t>
             </a:r>
             <a:r>
               <a:rPr lang="de-DE" sz="1600">
@@ -4098,13 +4100,186 @@
                   <a:schemeClr val="tx1"/>
                 </a:solidFill>
               </a:rPr>
-              <a:t>      EvoModelData</a:t>
+              <a:t>EvoModelData</a:t>
             </a:r>
             <a:endParaRPr lang="de-DE" sz="1200">
               <a:solidFill>
                 <a:schemeClr val="tx1"/>
               </a:solidFill>
             </a:endParaRPr>
+          </a:p>
+        </p:txBody>
+      </p:sp>
+      <p:sp>
+        <p:nvSpPr>
+          <p:cNvPr id="6" name="Rechteck 5">
+            <a:extLst>
+              <a:ext uri="{FF2B5EF4-FFF2-40B4-BE49-F238E27FC236}">
+                <a16:creationId xmlns:a16="http://schemas.microsoft.com/office/drawing/2014/main" id="{25292D47-FD85-4468-8501-AF083A2F46AA}"/>
+              </a:ext>
+            </a:extLst>
+          </p:cNvPr>
+          <p:cNvSpPr/>
+          <p:nvPr/>
+        </p:nvSpPr>
+        <p:spPr>
+          <a:xfrm>
+            <a:off x="3722418" y="7399260"/>
+            <a:ext cx="2068892" cy="469053"/>
+          </a:xfrm>
+          <a:prstGeom prst="rect">
+            <a:avLst/>
+          </a:prstGeom>
+          <a:noFill/>
+          <a:ln>
+            <a:noFill/>
+          </a:ln>
+        </p:spPr>
+        <p:style>
+          <a:lnRef idx="2">
+            <a:schemeClr val="accent1">
+              <a:shade val="50000"/>
+            </a:schemeClr>
+          </a:lnRef>
+          <a:fillRef idx="1">
+            <a:schemeClr val="accent1"/>
+          </a:fillRef>
+          <a:effectRef idx="0">
+            <a:schemeClr val="accent1"/>
+          </a:effectRef>
+          <a:fontRef idx="minor">
+            <a:schemeClr val="lt1"/>
+          </a:fontRef>
+        </p:style>
+        <p:txBody>
+          <a:bodyPr rtlCol="0" anchor="ctr"/>
+          <a:lstStyle/>
+          <a:p>
+            <a:pPr algn="ctr"/>
+            <a:r>
+              <a:rPr lang="de-DE" sz="1600">
+                <a:solidFill>
+                  <a:schemeClr val="tx1"/>
+                </a:solidFill>
+              </a:rPr>
+              <a:t>EvolutionModelData</a:t>
+            </a:r>
+          </a:p>
+        </p:txBody>
+      </p:sp>
+      <p:sp>
+        <p:nvSpPr>
+          <p:cNvPr id="23" name="Pfeil: nach unten 22">
+            <a:extLst>
+              <a:ext uri="{FF2B5EF4-FFF2-40B4-BE49-F238E27FC236}">
+                <a16:creationId xmlns:a16="http://schemas.microsoft.com/office/drawing/2014/main" id="{7A72D1A2-0991-4BFD-9932-7E7C2BB76B1D}"/>
+              </a:ext>
+            </a:extLst>
+          </p:cNvPr>
+          <p:cNvSpPr/>
+          <p:nvPr/>
+        </p:nvSpPr>
+        <p:spPr>
+          <a:xfrm>
+            <a:off x="4447309" y="2441333"/>
+            <a:ext cx="749583" cy="4709955"/>
+          </a:xfrm>
+          <a:prstGeom prst="downArrow">
+            <a:avLst/>
+          </a:prstGeom>
+          <a:solidFill>
+            <a:schemeClr val="accent1">
+              <a:lumMod val="20000"/>
+              <a:lumOff val="80000"/>
+            </a:schemeClr>
+          </a:solidFill>
+        </p:spPr>
+        <p:style>
+          <a:lnRef idx="2">
+            <a:schemeClr val="accent1">
+              <a:shade val="50000"/>
+            </a:schemeClr>
+          </a:lnRef>
+          <a:fillRef idx="1">
+            <a:schemeClr val="accent1"/>
+          </a:fillRef>
+          <a:effectRef idx="0">
+            <a:schemeClr val="accent1"/>
+          </a:effectRef>
+          <a:fontRef idx="minor">
+            <a:schemeClr val="lt1"/>
+          </a:fontRef>
+        </p:style>
+        <p:txBody>
+          <a:bodyPr vert="vert270" rtlCol="0" anchor="ctr"/>
+          <a:lstStyle/>
+          <a:p>
+            <a:pPr algn="ctr"/>
+            <a:r>
+              <a:rPr lang="de-DE">
+                <a:solidFill>
+                  <a:schemeClr val="tx1"/>
+                </a:solidFill>
+              </a:rPr>
+              <a:t>Read access</a:t>
+            </a:r>
+          </a:p>
+        </p:txBody>
+      </p:sp>
+      <p:sp>
+        <p:nvSpPr>
+          <p:cNvPr id="24" name="Rechteck 23">
+            <a:extLst>
+              <a:ext uri="{FF2B5EF4-FFF2-40B4-BE49-F238E27FC236}">
+                <a16:creationId xmlns:a16="http://schemas.microsoft.com/office/drawing/2014/main" id="{E15F2FF0-59A9-47BA-827D-74F074E95B8C}"/>
+              </a:ext>
+            </a:extLst>
+          </p:cNvPr>
+          <p:cNvSpPr/>
+          <p:nvPr/>
+        </p:nvSpPr>
+        <p:spPr>
+          <a:xfrm>
+            <a:off x="1261940" y="7350942"/>
+            <a:ext cx="2068892" cy="469053"/>
+          </a:xfrm>
+          <a:prstGeom prst="rect">
+            <a:avLst/>
+          </a:prstGeom>
+          <a:noFill/>
+          <a:ln>
+            <a:noFill/>
+          </a:ln>
+        </p:spPr>
+        <p:style>
+          <a:lnRef idx="2">
+            <a:schemeClr val="accent1">
+              <a:shade val="50000"/>
+            </a:schemeClr>
+          </a:lnRef>
+          <a:fillRef idx="1">
+            <a:schemeClr val="accent1"/>
+          </a:fillRef>
+          <a:effectRef idx="0">
+            <a:schemeClr val="accent1"/>
+          </a:effectRef>
+          <a:fontRef idx="minor">
+            <a:schemeClr val="lt1"/>
+          </a:fontRef>
+        </p:style>
+        <p:txBody>
+          <a:bodyPr rtlCol="0" anchor="ctr"/>
+          <a:lstStyle/>
+          <a:p>
+            <a:pPr algn="ctr"/>
+            <a:r>
+              <a:rPr lang="de-DE" sz="1600">
+                <a:solidFill>
+                  <a:schemeClr val="tx1"/>
+                </a:solidFill>
+              </a:rPr>
+              <a:t>EvolutionCore</a:t>
+            </a:r>
           </a:p>
         </p:txBody>
       </p:sp>

--- a/Evolution_Architecture.pptx
+++ b/Evolution_Architecture.pptx
@@ -4,6 +4,9 @@
   <p:sldMasterIdLst>
     <p:sldMasterId id="2147483672" r:id="rId1"/>
   </p:sldMasterIdLst>
+  <p:notesMasterIdLst>
+    <p:notesMasterId r:id="rId3"/>
+  </p:notesMasterIdLst>
   <p:sldIdLst>
     <p:sldId id="257" r:id="rId2"/>
   </p:sldIdLst>
@@ -112,6 +115,439 @@
 </p:presentation>
 </file>
 
+<file path=ppt/notesMasters/notesMaster1.xml><?xml version="1.0" encoding="utf-8"?>
+<p:notesMaster xmlns:a="http://schemas.openxmlformats.org/drawingml/2006/main" xmlns:r="http://schemas.openxmlformats.org/officeDocument/2006/relationships" xmlns:p="http://schemas.openxmlformats.org/presentationml/2006/main">
+  <p:cSld>
+    <p:bg>
+      <p:bgRef idx="1001">
+        <a:schemeClr val="bg1"/>
+      </p:bgRef>
+    </p:bg>
+    <p:spTree>
+      <p:nvGrpSpPr>
+        <p:cNvPr id="1" name=""/>
+        <p:cNvGrpSpPr/>
+        <p:nvPr/>
+      </p:nvGrpSpPr>
+      <p:grpSpPr>
+        <a:xfrm>
+          <a:off x="0" y="0"/>
+          <a:ext cx="0" cy="0"/>
+          <a:chOff x="0" y="0"/>
+          <a:chExt cx="0" cy="0"/>
+        </a:xfrm>
+      </p:grpSpPr>
+      <p:sp>
+        <p:nvSpPr>
+          <p:cNvPr id="2" name="Kopfzeilenplatzhalter 1"/>
+          <p:cNvSpPr>
+            <a:spLocks noGrp="1"/>
+          </p:cNvSpPr>
+          <p:nvPr>
+            <p:ph type="hdr" sz="quarter"/>
+          </p:nvPr>
+        </p:nvSpPr>
+        <p:spPr>
+          <a:xfrm>
+            <a:off x="0" y="0"/>
+            <a:ext cx="2971800" cy="458788"/>
+          </a:xfrm>
+          <a:prstGeom prst="rect">
+            <a:avLst/>
+          </a:prstGeom>
+        </p:spPr>
+        <p:txBody>
+          <a:bodyPr vert="horz" lIns="91440" tIns="45720" rIns="91440" bIns="45720" rtlCol="0"/>
+          <a:lstStyle>
+            <a:lvl1pPr algn="l">
+              <a:defRPr sz="1200"/>
+            </a:lvl1pPr>
+          </a:lstStyle>
+          <a:p>
+            <a:endParaRPr lang="de-DE"/>
+          </a:p>
+        </p:txBody>
+      </p:sp>
+      <p:sp>
+        <p:nvSpPr>
+          <p:cNvPr id="3" name="Datumsplatzhalter 2"/>
+          <p:cNvSpPr>
+            <a:spLocks noGrp="1"/>
+          </p:cNvSpPr>
+          <p:nvPr>
+            <p:ph type="dt" idx="1"/>
+          </p:nvPr>
+        </p:nvSpPr>
+        <p:spPr>
+          <a:xfrm>
+            <a:off x="3884613" y="0"/>
+            <a:ext cx="2971800" cy="458788"/>
+          </a:xfrm>
+          <a:prstGeom prst="rect">
+            <a:avLst/>
+          </a:prstGeom>
+        </p:spPr>
+        <p:txBody>
+          <a:bodyPr vert="horz" lIns="91440" tIns="45720" rIns="91440" bIns="45720" rtlCol="0"/>
+          <a:lstStyle>
+            <a:lvl1pPr algn="r">
+              <a:defRPr sz="1200"/>
+            </a:lvl1pPr>
+          </a:lstStyle>
+          <a:p>
+            <a:fld id="{B44CFCBC-DDDD-4E13-8051-469835F94031}" type="datetimeFigureOut">
+              <a:rPr lang="de-DE" smtClean="0"/>
+              <a:t>24.07.2018</a:t>
+            </a:fld>
+            <a:endParaRPr lang="de-DE"/>
+          </a:p>
+        </p:txBody>
+      </p:sp>
+      <p:sp>
+        <p:nvSpPr>
+          <p:cNvPr id="4" name="Folienbildplatzhalter 3"/>
+          <p:cNvSpPr>
+            <a:spLocks noGrp="1" noRot="1" noChangeAspect="1"/>
+          </p:cNvSpPr>
+          <p:nvPr>
+            <p:ph type="sldImg" idx="2"/>
+          </p:nvPr>
+        </p:nvSpPr>
+        <p:spPr>
+          <a:xfrm>
+            <a:off x="2360613" y="1143000"/>
+            <a:ext cx="2136775" cy="3086100"/>
+          </a:xfrm>
+          <a:prstGeom prst="rect">
+            <a:avLst/>
+          </a:prstGeom>
+          <a:noFill/>
+          <a:ln w="12700">
+            <a:solidFill>
+              <a:prstClr val="black"/>
+            </a:solidFill>
+          </a:ln>
+        </p:spPr>
+        <p:txBody>
+          <a:bodyPr vert="horz" lIns="91440" tIns="45720" rIns="91440" bIns="45720" rtlCol="0" anchor="ctr"/>
+          <a:lstStyle/>
+          <a:p>
+            <a:endParaRPr lang="de-DE"/>
+          </a:p>
+        </p:txBody>
+      </p:sp>
+      <p:sp>
+        <p:nvSpPr>
+          <p:cNvPr id="5" name="Notizenplatzhalter 4"/>
+          <p:cNvSpPr>
+            <a:spLocks noGrp="1"/>
+          </p:cNvSpPr>
+          <p:nvPr>
+            <p:ph type="body" sz="quarter" idx="3"/>
+          </p:nvPr>
+        </p:nvSpPr>
+        <p:spPr>
+          <a:xfrm>
+            <a:off x="685800" y="4400550"/>
+            <a:ext cx="5486400" cy="3600450"/>
+          </a:xfrm>
+          <a:prstGeom prst="rect">
+            <a:avLst/>
+          </a:prstGeom>
+        </p:spPr>
+        <p:txBody>
+          <a:bodyPr vert="horz" lIns="91440" tIns="45720" rIns="91440" bIns="45720" rtlCol="0"/>
+          <a:lstStyle/>
+          <a:p>
+            <a:pPr lvl="0"/>
+            <a:r>
+              <a:rPr lang="de-DE"/>
+              <a:t>Mastertextformat bearbeiten</a:t>
+            </a:r>
+          </a:p>
+          <a:p>
+            <a:pPr lvl="1"/>
+            <a:r>
+              <a:rPr lang="de-DE"/>
+              <a:t>Zweite Ebene</a:t>
+            </a:r>
+          </a:p>
+          <a:p>
+            <a:pPr lvl="2"/>
+            <a:r>
+              <a:rPr lang="de-DE"/>
+              <a:t>Dritte Ebene</a:t>
+            </a:r>
+          </a:p>
+          <a:p>
+            <a:pPr lvl="3"/>
+            <a:r>
+              <a:rPr lang="de-DE"/>
+              <a:t>Vierte Ebene</a:t>
+            </a:r>
+          </a:p>
+          <a:p>
+            <a:pPr lvl="4"/>
+            <a:r>
+              <a:rPr lang="de-DE"/>
+              <a:t>Fünfte Ebene</a:t>
+            </a:r>
+          </a:p>
+        </p:txBody>
+      </p:sp>
+      <p:sp>
+        <p:nvSpPr>
+          <p:cNvPr id="6" name="Fußzeilenplatzhalter 5"/>
+          <p:cNvSpPr>
+            <a:spLocks noGrp="1"/>
+          </p:cNvSpPr>
+          <p:nvPr>
+            <p:ph type="ftr" sz="quarter" idx="4"/>
+          </p:nvPr>
+        </p:nvSpPr>
+        <p:spPr>
+          <a:xfrm>
+            <a:off x="0" y="8685213"/>
+            <a:ext cx="2971800" cy="458787"/>
+          </a:xfrm>
+          <a:prstGeom prst="rect">
+            <a:avLst/>
+          </a:prstGeom>
+        </p:spPr>
+        <p:txBody>
+          <a:bodyPr vert="horz" lIns="91440" tIns="45720" rIns="91440" bIns="45720" rtlCol="0" anchor="b"/>
+          <a:lstStyle>
+            <a:lvl1pPr algn="l">
+              <a:defRPr sz="1200"/>
+            </a:lvl1pPr>
+          </a:lstStyle>
+          <a:p>
+            <a:endParaRPr lang="de-DE"/>
+          </a:p>
+        </p:txBody>
+      </p:sp>
+      <p:sp>
+        <p:nvSpPr>
+          <p:cNvPr id="7" name="Foliennummernplatzhalter 6"/>
+          <p:cNvSpPr>
+            <a:spLocks noGrp="1"/>
+          </p:cNvSpPr>
+          <p:nvPr>
+            <p:ph type="sldNum" sz="quarter" idx="5"/>
+          </p:nvPr>
+        </p:nvSpPr>
+        <p:spPr>
+          <a:xfrm>
+            <a:off x="3884613" y="8685213"/>
+            <a:ext cx="2971800" cy="458787"/>
+          </a:xfrm>
+          <a:prstGeom prst="rect">
+            <a:avLst/>
+          </a:prstGeom>
+        </p:spPr>
+        <p:txBody>
+          <a:bodyPr vert="horz" lIns="91440" tIns="45720" rIns="91440" bIns="45720" rtlCol="0" anchor="b"/>
+          <a:lstStyle>
+            <a:lvl1pPr algn="r">
+              <a:defRPr sz="1200"/>
+            </a:lvl1pPr>
+          </a:lstStyle>
+          <a:p>
+            <a:fld id="{C99766F2-6F65-4AAE-BB6E-5C3078A672E0}" type="slidenum">
+              <a:rPr lang="de-DE" smtClean="0"/>
+              <a:t>‹Nr.›</a:t>
+            </a:fld>
+            <a:endParaRPr lang="de-DE"/>
+          </a:p>
+        </p:txBody>
+      </p:sp>
+    </p:spTree>
+    <p:extLst>
+      <p:ext uri="{BB962C8B-B14F-4D97-AF65-F5344CB8AC3E}">
+        <p14:creationId xmlns:p14="http://schemas.microsoft.com/office/powerpoint/2010/main" val="1195127645"/>
+      </p:ext>
+    </p:extLst>
+  </p:cSld>
+  <p:clrMap bg1="lt1" tx1="dk1" bg2="lt2" tx2="dk2" accent1="accent1" accent2="accent2" accent3="accent3" accent4="accent4" accent5="accent5" accent6="accent6" hlink="hlink" folHlink="folHlink"/>
+  <p:notesStyle>
+    <a:lvl1pPr marL="0" algn="l" defTabSz="914400" rtl="0" eaLnBrk="1" latinLnBrk="0" hangingPunct="1">
+      <a:defRPr sz="1200" kern="1200">
+        <a:solidFill>
+          <a:schemeClr val="tx1"/>
+        </a:solidFill>
+        <a:latin typeface="+mn-lt"/>
+        <a:ea typeface="+mn-ea"/>
+        <a:cs typeface="+mn-cs"/>
+      </a:defRPr>
+    </a:lvl1pPr>
+    <a:lvl2pPr marL="457200" algn="l" defTabSz="914400" rtl="0" eaLnBrk="1" latinLnBrk="0" hangingPunct="1">
+      <a:defRPr sz="1200" kern="1200">
+        <a:solidFill>
+          <a:schemeClr val="tx1"/>
+        </a:solidFill>
+        <a:latin typeface="+mn-lt"/>
+        <a:ea typeface="+mn-ea"/>
+        <a:cs typeface="+mn-cs"/>
+      </a:defRPr>
+    </a:lvl2pPr>
+    <a:lvl3pPr marL="914400" algn="l" defTabSz="914400" rtl="0" eaLnBrk="1" latinLnBrk="0" hangingPunct="1">
+      <a:defRPr sz="1200" kern="1200">
+        <a:solidFill>
+          <a:schemeClr val="tx1"/>
+        </a:solidFill>
+        <a:latin typeface="+mn-lt"/>
+        <a:ea typeface="+mn-ea"/>
+        <a:cs typeface="+mn-cs"/>
+      </a:defRPr>
+    </a:lvl3pPr>
+    <a:lvl4pPr marL="1371600" algn="l" defTabSz="914400" rtl="0" eaLnBrk="1" latinLnBrk="0" hangingPunct="1">
+      <a:defRPr sz="1200" kern="1200">
+        <a:solidFill>
+          <a:schemeClr val="tx1"/>
+        </a:solidFill>
+        <a:latin typeface="+mn-lt"/>
+        <a:ea typeface="+mn-ea"/>
+        <a:cs typeface="+mn-cs"/>
+      </a:defRPr>
+    </a:lvl4pPr>
+    <a:lvl5pPr marL="1828800" algn="l" defTabSz="914400" rtl="0" eaLnBrk="1" latinLnBrk="0" hangingPunct="1">
+      <a:defRPr sz="1200" kern="1200">
+        <a:solidFill>
+          <a:schemeClr val="tx1"/>
+        </a:solidFill>
+        <a:latin typeface="+mn-lt"/>
+        <a:ea typeface="+mn-ea"/>
+        <a:cs typeface="+mn-cs"/>
+      </a:defRPr>
+    </a:lvl5pPr>
+    <a:lvl6pPr marL="2286000" algn="l" defTabSz="914400" rtl="0" eaLnBrk="1" latinLnBrk="0" hangingPunct="1">
+      <a:defRPr sz="1200" kern="1200">
+        <a:solidFill>
+          <a:schemeClr val="tx1"/>
+        </a:solidFill>
+        <a:latin typeface="+mn-lt"/>
+        <a:ea typeface="+mn-ea"/>
+        <a:cs typeface="+mn-cs"/>
+      </a:defRPr>
+    </a:lvl6pPr>
+    <a:lvl7pPr marL="2743200" algn="l" defTabSz="914400" rtl="0" eaLnBrk="1" latinLnBrk="0" hangingPunct="1">
+      <a:defRPr sz="1200" kern="1200">
+        <a:solidFill>
+          <a:schemeClr val="tx1"/>
+        </a:solidFill>
+        <a:latin typeface="+mn-lt"/>
+        <a:ea typeface="+mn-ea"/>
+        <a:cs typeface="+mn-cs"/>
+      </a:defRPr>
+    </a:lvl7pPr>
+    <a:lvl8pPr marL="3200400" algn="l" defTabSz="914400" rtl="0" eaLnBrk="1" latinLnBrk="0" hangingPunct="1">
+      <a:defRPr sz="1200" kern="1200">
+        <a:solidFill>
+          <a:schemeClr val="tx1"/>
+        </a:solidFill>
+        <a:latin typeface="+mn-lt"/>
+        <a:ea typeface="+mn-ea"/>
+        <a:cs typeface="+mn-cs"/>
+      </a:defRPr>
+    </a:lvl8pPr>
+    <a:lvl9pPr marL="3657600" algn="l" defTabSz="914400" rtl="0" eaLnBrk="1" latinLnBrk="0" hangingPunct="1">
+      <a:defRPr sz="1200" kern="1200">
+        <a:solidFill>
+          <a:schemeClr val="tx1"/>
+        </a:solidFill>
+        <a:latin typeface="+mn-lt"/>
+        <a:ea typeface="+mn-ea"/>
+        <a:cs typeface="+mn-cs"/>
+      </a:defRPr>
+    </a:lvl9pPr>
+  </p:notesStyle>
+</p:notesMaster>
+</file>
+
+<file path=ppt/notesSlides/notesSlide1.xml><?xml version="1.0" encoding="utf-8"?>
+<p:notes xmlns:a="http://schemas.openxmlformats.org/drawingml/2006/main" xmlns:r="http://schemas.openxmlformats.org/officeDocument/2006/relationships" xmlns:p="http://schemas.openxmlformats.org/presentationml/2006/main">
+  <p:cSld>
+    <p:spTree>
+      <p:nvGrpSpPr>
+        <p:cNvPr id="1" name=""/>
+        <p:cNvGrpSpPr/>
+        <p:nvPr/>
+      </p:nvGrpSpPr>
+      <p:grpSpPr>
+        <a:xfrm>
+          <a:off x="0" y="0"/>
+          <a:ext cx="0" cy="0"/>
+          <a:chOff x="0" y="0"/>
+          <a:chExt cx="0" cy="0"/>
+        </a:xfrm>
+      </p:grpSpPr>
+      <p:sp>
+        <p:nvSpPr>
+          <p:cNvPr id="2" name="Folienbildplatzhalter 1"/>
+          <p:cNvSpPr>
+            <a:spLocks noGrp="1" noRot="1" noChangeAspect="1"/>
+          </p:cNvSpPr>
+          <p:nvPr>
+            <p:ph type="sldImg"/>
+          </p:nvPr>
+        </p:nvSpPr>
+        <p:spPr/>
+      </p:sp>
+      <p:sp>
+        <p:nvSpPr>
+          <p:cNvPr id="3" name="Notizenplatzhalter 2"/>
+          <p:cNvSpPr>
+            <a:spLocks noGrp="1"/>
+          </p:cNvSpPr>
+          <p:nvPr>
+            <p:ph type="body" idx="1"/>
+          </p:nvPr>
+        </p:nvSpPr>
+        <p:spPr/>
+        <p:txBody>
+          <a:bodyPr/>
+          <a:lstStyle/>
+          <a:p>
+            <a:endParaRPr lang="de-DE"/>
+          </a:p>
+        </p:txBody>
+      </p:sp>
+      <p:sp>
+        <p:nvSpPr>
+          <p:cNvPr id="4" name="Foliennummernplatzhalter 3"/>
+          <p:cNvSpPr>
+            <a:spLocks noGrp="1"/>
+          </p:cNvSpPr>
+          <p:nvPr>
+            <p:ph type="sldNum" sz="quarter" idx="10"/>
+          </p:nvPr>
+        </p:nvSpPr>
+        <p:spPr/>
+        <p:txBody>
+          <a:bodyPr/>
+          <a:lstStyle/>
+          <a:p>
+            <a:fld id="{C99766F2-6F65-4AAE-BB6E-5C3078A672E0}" type="slidenum">
+              <a:rPr lang="de-DE" smtClean="0"/>
+              <a:t>1</a:t>
+            </a:fld>
+            <a:endParaRPr lang="de-DE"/>
+          </a:p>
+        </p:txBody>
+      </p:sp>
+    </p:spTree>
+    <p:extLst>
+      <p:ext uri="{BB962C8B-B14F-4D97-AF65-F5344CB8AC3E}">
+        <p14:creationId xmlns:p14="http://schemas.microsoft.com/office/powerpoint/2010/main" val="156681719"/>
+      </p:ext>
+    </p:extLst>
+  </p:cSld>
+  <p:clrMapOvr>
+    <a:masterClrMapping/>
+  </p:clrMapOvr>
+</p:notes>
+</file>
+
 <file path=ppt/slideLayouts/slideLayout1.xml><?xml version="1.0" encoding="utf-8"?>
 <p:sldLayout xmlns:a="http://schemas.openxmlformats.org/drawingml/2006/main" xmlns:r="http://schemas.openxmlformats.org/officeDocument/2006/relationships" xmlns:p="http://schemas.openxmlformats.org/presentationml/2006/main" type="title" preserve="1">
   <p:cSld name="Titelfolie">
@@ -243,7 +679,7 @@
           <a:p>
             <a:fld id="{E9C158C0-7942-4C90-83FA-4FE017085481}" type="datetimeFigureOut">
               <a:rPr lang="de-DE" smtClean="0"/>
-              <a:t>17.07.2018</a:t>
+              <a:t>24.07.2018</a:t>
             </a:fld>
             <a:endParaRPr lang="de-DE"/>
           </a:p>
@@ -413,7 +849,7 @@
           <a:p>
             <a:fld id="{E9C158C0-7942-4C90-83FA-4FE017085481}" type="datetimeFigureOut">
               <a:rPr lang="de-DE" smtClean="0"/>
-              <a:t>17.07.2018</a:t>
+              <a:t>24.07.2018</a:t>
             </a:fld>
             <a:endParaRPr lang="de-DE"/>
           </a:p>
@@ -593,7 +1029,7 @@
           <a:p>
             <a:fld id="{E9C158C0-7942-4C90-83FA-4FE017085481}" type="datetimeFigureOut">
               <a:rPr lang="de-DE" smtClean="0"/>
-              <a:t>17.07.2018</a:t>
+              <a:t>24.07.2018</a:t>
             </a:fld>
             <a:endParaRPr lang="de-DE"/>
           </a:p>
@@ -763,7 +1199,7 @@
           <a:p>
             <a:fld id="{E9C158C0-7942-4C90-83FA-4FE017085481}" type="datetimeFigureOut">
               <a:rPr lang="de-DE" smtClean="0"/>
-              <a:t>17.07.2018</a:t>
+              <a:t>24.07.2018</a:t>
             </a:fld>
             <a:endParaRPr lang="de-DE"/>
           </a:p>
@@ -1007,7 +1443,7 @@
           <a:p>
             <a:fld id="{E9C158C0-7942-4C90-83FA-4FE017085481}" type="datetimeFigureOut">
               <a:rPr lang="de-DE" smtClean="0"/>
-              <a:t>17.07.2018</a:t>
+              <a:t>24.07.2018</a:t>
             </a:fld>
             <a:endParaRPr lang="de-DE"/>
           </a:p>
@@ -1239,7 +1675,7 @@
           <a:p>
             <a:fld id="{E9C158C0-7942-4C90-83FA-4FE017085481}" type="datetimeFigureOut">
               <a:rPr lang="de-DE" smtClean="0"/>
-              <a:t>17.07.2018</a:t>
+              <a:t>24.07.2018</a:t>
             </a:fld>
             <a:endParaRPr lang="de-DE"/>
           </a:p>
@@ -1606,7 +2042,7 @@
           <a:p>
             <a:fld id="{E9C158C0-7942-4C90-83FA-4FE017085481}" type="datetimeFigureOut">
               <a:rPr lang="de-DE" smtClean="0"/>
-              <a:t>17.07.2018</a:t>
+              <a:t>24.07.2018</a:t>
             </a:fld>
             <a:endParaRPr lang="de-DE"/>
           </a:p>
@@ -1724,7 +2160,7 @@
           <a:p>
             <a:fld id="{E9C158C0-7942-4C90-83FA-4FE017085481}" type="datetimeFigureOut">
               <a:rPr lang="de-DE" smtClean="0"/>
-              <a:t>17.07.2018</a:t>
+              <a:t>24.07.2018</a:t>
             </a:fld>
             <a:endParaRPr lang="de-DE"/>
           </a:p>
@@ -1819,7 +2255,7 @@
           <a:p>
             <a:fld id="{E9C158C0-7942-4C90-83FA-4FE017085481}" type="datetimeFigureOut">
               <a:rPr lang="de-DE" smtClean="0"/>
-              <a:t>17.07.2018</a:t>
+              <a:t>24.07.2018</a:t>
             </a:fld>
             <a:endParaRPr lang="de-DE"/>
           </a:p>
@@ -2096,7 +2532,7 @@
           <a:p>
             <a:fld id="{E9C158C0-7942-4C90-83FA-4FE017085481}" type="datetimeFigureOut">
               <a:rPr lang="de-DE" smtClean="0"/>
-              <a:t>17.07.2018</a:t>
+              <a:t>24.07.2018</a:t>
             </a:fld>
             <a:endParaRPr lang="de-DE"/>
           </a:p>
@@ -2353,7 +2789,7 @@
           <a:p>
             <a:fld id="{E9C158C0-7942-4C90-83FA-4FE017085481}" type="datetimeFigureOut">
               <a:rPr lang="de-DE" smtClean="0"/>
-              <a:t>17.07.2018</a:t>
+              <a:t>24.07.2018</a:t>
             </a:fld>
             <a:endParaRPr lang="de-DE"/>
           </a:p>
@@ -2566,7 +3002,7 @@
           <a:p>
             <a:fld id="{E9C158C0-7942-4C90-83FA-4FE017085481}" type="datetimeFigureOut">
               <a:rPr lang="de-DE" smtClean="0"/>
-              <a:t>17.07.2018</a:t>
+              <a:t>24.07.2018</a:t>
             </a:fld>
             <a:endParaRPr lang="de-DE"/>
           </a:p>
@@ -2973,10 +3409,10 @@
       </p:grpSpPr>
       <p:sp>
         <p:nvSpPr>
-          <p:cNvPr id="4" name="Rechteck 3">
+          <p:cNvPr id="33" name="Rechteck 32">
             <a:extLst>
               <a:ext uri="{FF2B5EF4-FFF2-40B4-BE49-F238E27FC236}">
-                <a16:creationId xmlns:a16="http://schemas.microsoft.com/office/drawing/2014/main" id="{A53E2443-E70A-4DC1-AD57-4A8889D58495}"/>
+                <a16:creationId xmlns:a16="http://schemas.microsoft.com/office/drawing/2014/main" id="{F411C08D-9C17-4E2E-8754-FFD3EF9DAACC}"/>
               </a:ext>
             </a:extLst>
           </p:cNvPr>
@@ -2985,16 +3421,16 @@
         </p:nvSpPr>
         <p:spPr>
           <a:xfrm>
-            <a:off x="785081" y="3782291"/>
-            <a:ext cx="2775537" cy="989493"/>
+            <a:off x="3785621" y="7284896"/>
+            <a:ext cx="2196330" cy="625805"/>
           </a:xfrm>
           <a:prstGeom prst="rect">
             <a:avLst/>
           </a:prstGeom>
           <a:solidFill>
-            <a:schemeClr val="accent2">
-              <a:lumMod val="20000"/>
-              <a:lumOff val="80000"/>
+            <a:schemeClr val="accent1">
+              <a:lumMod val="40000"/>
+              <a:lumOff val="60000"/>
             </a:schemeClr>
           </a:solidFill>
         </p:spPr>
@@ -3015,37 +3451,26 @@
           </a:fontRef>
         </p:style>
         <p:txBody>
-          <a:bodyPr rot="0" spcFirstLastPara="0" vertOverflow="overflow" horzOverflow="overflow" vert="horz" wrap="square" lIns="41791" tIns="20896" rIns="41791" bIns="20896" numCol="1" spcCol="0" rtlCol="0" fromWordArt="0" anchor="ctr" anchorCtr="0" forceAA="0" compatLnSpc="1">
-            <a:prstTxWarp prst="textNoShape">
-              <a:avLst/>
-            </a:prstTxWarp>
-            <a:noAutofit/>
-          </a:bodyPr>
-          <a:lstStyle/>
-          <a:p>
-            <a:pPr algn="ctr"/>
-            <a:r>
-              <a:rPr lang="de-DE" sz="1600" err="1">
+          <a:bodyPr rtlCol="0" anchor="t"/>
+          <a:lstStyle/>
+          <a:p>
+            <a:r>
+              <a:rPr lang="de-DE" sz="1400">
                 <a:solidFill>
                   <a:schemeClr val="tx1"/>
                 </a:solidFill>
               </a:rPr>
-              <a:t>WorkThread</a:t>
-            </a:r>
-            <a:endParaRPr lang="de-DE" sz="1600">
-              <a:solidFill>
-                <a:schemeClr val="tx1"/>
-              </a:solidFill>
-            </a:endParaRPr>
-          </a:p>
-        </p:txBody>
-      </p:sp>
-      <p:sp>
-        <p:nvSpPr>
-          <p:cNvPr id="5" name="Rechteck 4">
+              <a:t>                                              </a:t>
+            </a:r>
+          </a:p>
+        </p:txBody>
+      </p:sp>
+      <p:sp>
+        <p:nvSpPr>
+          <p:cNvPr id="34" name="Rechteck 33">
             <a:extLst>
               <a:ext uri="{FF2B5EF4-FFF2-40B4-BE49-F238E27FC236}">
-                <a16:creationId xmlns:a16="http://schemas.microsoft.com/office/drawing/2014/main" id="{9E06AB06-E20F-4042-8E12-80156E19C2C2}"/>
+                <a16:creationId xmlns:a16="http://schemas.microsoft.com/office/drawing/2014/main" id="{017ECC45-3543-45C9-9912-B149FF9E4757}"/>
               </a:ext>
             </a:extLst>
           </p:cNvPr>
@@ -3054,14 +3479,17 @@
         </p:nvSpPr>
         <p:spPr>
           <a:xfrm>
-            <a:off x="785084" y="4771784"/>
-            <a:ext cx="2775534" cy="555087"/>
+            <a:off x="3785620" y="8018074"/>
+            <a:ext cx="2196330" cy="1037892"/>
           </a:xfrm>
           <a:prstGeom prst="rect">
             <a:avLst/>
           </a:prstGeom>
           <a:solidFill>
-            <a:srgbClr val="FFFF00"/>
+            <a:schemeClr val="accent1">
+              <a:lumMod val="60000"/>
+              <a:lumOff val="40000"/>
+            </a:schemeClr>
           </a:solidFill>
         </p:spPr>
         <p:style>
@@ -3081,54 +3509,26 @@
           </a:fontRef>
         </p:style>
         <p:txBody>
-          <a:bodyPr rot="0" spcFirstLastPara="0" vertOverflow="overflow" horzOverflow="overflow" vert="horz" wrap="square" lIns="41791" tIns="20896" rIns="41791" bIns="20896" numCol="1" spcCol="0" rtlCol="0" fromWordArt="0" anchor="t" anchorCtr="0" forceAA="0" compatLnSpc="1">
-            <a:prstTxWarp prst="textNoShape">
-              <a:avLst/>
-            </a:prstTxWarp>
-            <a:noAutofit/>
-          </a:bodyPr>
-          <a:lstStyle/>
-          <a:p>
-            <a:r>
-              <a:rPr lang="de-DE" sz="1200">
+          <a:bodyPr rtlCol="0" anchor="t"/>
+          <a:lstStyle/>
+          <a:p>
+            <a:r>
+              <a:rPr lang="de-DE" sz="1400">
                 <a:solidFill>
                   <a:schemeClr val="tx1"/>
                 </a:solidFill>
               </a:rPr>
-              <a:t>GLUE            </a:t>
-            </a:r>
-          </a:p>
-          <a:p>
-            <a:r>
-              <a:rPr lang="de-DE" sz="1200">
-                <a:solidFill>
-                  <a:schemeClr val="tx1"/>
-                </a:solidFill>
-              </a:rPr>
-              <a:t>                    </a:t>
-            </a:r>
-            <a:r>
-              <a:rPr lang="de-DE" sz="1600">
-                <a:solidFill>
-                  <a:schemeClr val="tx1"/>
-                </a:solidFill>
-              </a:rPr>
-              <a:t>EvoHistorySys</a:t>
-            </a:r>
-            <a:endParaRPr lang="de-DE" sz="1200">
-              <a:solidFill>
-                <a:schemeClr val="tx1"/>
-              </a:solidFill>
-            </a:endParaRPr>
-          </a:p>
-        </p:txBody>
-      </p:sp>
-      <p:sp>
-        <p:nvSpPr>
-          <p:cNvPr id="9" name="Rechteck 8">
+              <a:t>                                              </a:t>
+            </a:r>
+          </a:p>
+        </p:txBody>
+      </p:sp>
+      <p:sp>
+        <p:nvSpPr>
+          <p:cNvPr id="28" name="Rechteck 27">
             <a:extLst>
               <a:ext uri="{FF2B5EF4-FFF2-40B4-BE49-F238E27FC236}">
-                <a16:creationId xmlns:a16="http://schemas.microsoft.com/office/drawing/2014/main" id="{964A63DD-F3CF-4C29-8AAC-87DA9423729C}"/>
+                <a16:creationId xmlns:a16="http://schemas.microsoft.com/office/drawing/2014/main" id="{B32BEF7E-72C6-4016-B089-5AA65F1C9DFD}"/>
               </a:ext>
             </a:extLst>
           </p:cNvPr>
@@ -3137,16 +3537,16 @@
         </p:nvSpPr>
         <p:spPr>
           <a:xfrm>
-            <a:off x="785080" y="5326872"/>
-            <a:ext cx="2775535" cy="1251608"/>
+            <a:off x="715805" y="7276928"/>
+            <a:ext cx="2775534" cy="625805"/>
           </a:xfrm>
           <a:prstGeom prst="rect">
             <a:avLst/>
           </a:prstGeom>
           <a:solidFill>
-            <a:schemeClr val="accent6">
-              <a:lumMod val="60000"/>
-              <a:lumOff val="40000"/>
+            <a:schemeClr val="accent1">
+              <a:lumMod val="40000"/>
+              <a:lumOff val="60000"/>
             </a:schemeClr>
           </a:solidFill>
         </p:spPr>
@@ -3167,78 +3567,26 @@
           </a:fontRef>
         </p:style>
         <p:txBody>
-          <a:bodyPr rot="0" spcFirstLastPara="0" vertOverflow="overflow" horzOverflow="overflow" vert="horz" wrap="square" lIns="41791" tIns="20896" rIns="41791" bIns="20896" numCol="1" spcCol="0" rtlCol="0" fromWordArt="0" anchor="t" anchorCtr="0" forceAA="0" compatLnSpc="1">
-            <a:prstTxWarp prst="textNoShape">
-              <a:avLst/>
-            </a:prstTxWarp>
-            <a:noAutofit/>
-          </a:bodyPr>
-          <a:lstStyle/>
-          <a:p>
-            <a:r>
-              <a:rPr lang="de-DE" sz="1200">
+          <a:bodyPr rtlCol="0" anchor="t"/>
+          <a:lstStyle/>
+          <a:p>
+            <a:r>
+              <a:rPr lang="de-DE" sz="1400">
                 <a:solidFill>
                   <a:schemeClr val="tx1"/>
                 </a:solidFill>
               </a:rPr>
-              <a:t>HISTORY              </a:t>
-            </a:r>
-          </a:p>
-          <a:p>
-            <a:r>
-              <a:rPr lang="de-DE" sz="1200">
-                <a:solidFill>
-                  <a:schemeClr val="tx1"/>
-                </a:solidFill>
-              </a:rPr>
-              <a:t>                      </a:t>
-            </a:r>
-            <a:r>
-              <a:rPr lang="de-DE" sz="1600">
-                <a:solidFill>
-                  <a:schemeClr val="tx1"/>
-                </a:solidFill>
-              </a:rPr>
-              <a:t>HistorySystem</a:t>
-            </a:r>
-            <a:endParaRPr lang="de-DE" sz="1200">
-              <a:solidFill>
-                <a:schemeClr val="tx1"/>
-              </a:solidFill>
-            </a:endParaRPr>
-          </a:p>
-          <a:p>
-            <a:endParaRPr lang="de-DE" sz="1200">
-              <a:solidFill>
-                <a:schemeClr val="tx1"/>
-              </a:solidFill>
-            </a:endParaRPr>
-          </a:p>
-          <a:p>
-            <a:endParaRPr lang="de-DE" sz="1200">
-              <a:solidFill>
-                <a:schemeClr val="tx1"/>
-              </a:solidFill>
-            </a:endParaRPr>
-          </a:p>
-          <a:p>
-            <a:r>
-              <a:rPr lang="de-DE" sz="1600">
-                <a:solidFill>
-                  <a:schemeClr val="tx1"/>
-                </a:solidFill>
-              </a:rPr>
-              <a:t>      ModelData (Interface)</a:t>
-            </a:r>
-          </a:p>
-        </p:txBody>
-      </p:sp>
-      <p:sp>
-        <p:nvSpPr>
-          <p:cNvPr id="10" name="Rechteck 9">
+              <a:t>                                              </a:t>
+            </a:r>
+          </a:p>
+        </p:txBody>
+      </p:sp>
+      <p:sp>
+        <p:nvSpPr>
+          <p:cNvPr id="4" name="Rechteck 3">
             <a:extLst>
               <a:ext uri="{FF2B5EF4-FFF2-40B4-BE49-F238E27FC236}">
-                <a16:creationId xmlns:a16="http://schemas.microsoft.com/office/drawing/2014/main" id="{D764D407-4C02-4FFB-8F8F-51E7242F9E52}"/>
+                <a16:creationId xmlns:a16="http://schemas.microsoft.com/office/drawing/2014/main" id="{A53E2443-E70A-4DC1-AD57-4A8889D58495}"/>
               </a:ext>
             </a:extLst>
           </p:cNvPr>
@@ -3247,16 +3595,16 @@
         </p:nvSpPr>
         <p:spPr>
           <a:xfrm>
-            <a:off x="785080" y="7350942"/>
-            <a:ext cx="4980719" cy="1715324"/>
+            <a:off x="715806" y="3782291"/>
+            <a:ext cx="2775537" cy="989493"/>
           </a:xfrm>
           <a:prstGeom prst="rect">
             <a:avLst/>
           </a:prstGeom>
           <a:solidFill>
-            <a:schemeClr val="accent1">
-              <a:lumMod val="60000"/>
-              <a:lumOff val="40000"/>
+            <a:schemeClr val="accent2">
+              <a:lumMod val="20000"/>
+              <a:lumOff val="80000"/>
             </a:schemeClr>
           </a:solidFill>
         </p:spPr>
@@ -3277,26 +3625,37 @@
           </a:fontRef>
         </p:style>
         <p:txBody>
-          <a:bodyPr rtlCol="0" anchor="t"/>
-          <a:lstStyle/>
-          <a:p>
-            <a:r>
-              <a:rPr lang="de-DE" sz="1400">
+          <a:bodyPr rot="0" spcFirstLastPara="0" vertOverflow="overflow" horzOverflow="overflow" vert="horz" wrap="square" lIns="41791" tIns="20896" rIns="41791" bIns="20896" numCol="1" spcCol="0" rtlCol="0" fromWordArt="0" anchor="ctr" anchorCtr="0" forceAA="0" compatLnSpc="1">
+            <a:prstTxWarp prst="textNoShape">
+              <a:avLst/>
+            </a:prstTxWarp>
+            <a:noAutofit/>
+          </a:bodyPr>
+          <a:lstStyle/>
+          <a:p>
+            <a:pPr algn="ctr"/>
+            <a:r>
+              <a:rPr lang="de-DE" sz="1600" err="1">
                 <a:solidFill>
                   <a:schemeClr val="tx1"/>
                 </a:solidFill>
               </a:rPr>
-              <a:t>                                              </a:t>
-            </a:r>
-          </a:p>
-        </p:txBody>
-      </p:sp>
-      <p:sp>
-        <p:nvSpPr>
-          <p:cNvPr id="11" name="Rechteck 10">
+              <a:t>WorkThread</a:t>
+            </a:r>
+            <a:endParaRPr lang="de-DE" sz="1600">
+              <a:solidFill>
+                <a:schemeClr val="tx1"/>
+              </a:solidFill>
+            </a:endParaRPr>
+          </a:p>
+        </p:txBody>
+      </p:sp>
+      <p:sp>
+        <p:nvSpPr>
+          <p:cNvPr id="5" name="Rechteck 4">
             <a:extLst>
               <a:ext uri="{FF2B5EF4-FFF2-40B4-BE49-F238E27FC236}">
-                <a16:creationId xmlns:a16="http://schemas.microsoft.com/office/drawing/2014/main" id="{FE6C535B-0BAF-480B-932E-8BF18AC551F7}"/>
+                <a16:creationId xmlns:a16="http://schemas.microsoft.com/office/drawing/2014/main" id="{9E06AB06-E20F-4042-8E12-80156E19C2C2}"/>
               </a:ext>
             </a:extLst>
           </p:cNvPr>
@@ -3305,16 +3664,14 @@
         </p:nvSpPr>
         <p:spPr>
           <a:xfrm>
-            <a:off x="549275" y="640080"/>
-            <a:ext cx="5216523" cy="1737047"/>
+            <a:off x="715809" y="4771784"/>
+            <a:ext cx="2775534" cy="555087"/>
           </a:xfrm>
           <a:prstGeom prst="rect">
             <a:avLst/>
           </a:prstGeom>
           <a:solidFill>
-            <a:schemeClr val="bg1">
-              <a:lumMod val="95000"/>
-            </a:schemeClr>
+            <a:srgbClr val="FFFF00"/>
           </a:solidFill>
         </p:spPr>
         <p:style>
@@ -3334,26 +3691,54 @@
           </a:fontRef>
         </p:style>
         <p:txBody>
-          <a:bodyPr rtlCol="0" anchor="t"/>
-          <a:lstStyle/>
-          <a:p>
-            <a:r>
-              <a:rPr lang="de-DE" sz="1400">
+          <a:bodyPr rot="0" spcFirstLastPara="0" vertOverflow="overflow" horzOverflow="overflow" vert="horz" wrap="square" lIns="41791" tIns="20896" rIns="41791" bIns="20896" numCol="1" spcCol="0" rtlCol="0" fromWordArt="0" anchor="t" anchorCtr="0" forceAA="0" compatLnSpc="1">
+            <a:prstTxWarp prst="textNoShape">
+              <a:avLst/>
+            </a:prstTxWarp>
+            <a:noAutofit/>
+          </a:bodyPr>
+          <a:lstStyle/>
+          <a:p>
+            <a:r>
+              <a:rPr lang="de-DE" sz="1200">
                 <a:solidFill>
                   <a:schemeClr val="tx1"/>
                 </a:solidFill>
               </a:rPr>
-              <a:t>GUI</a:t>
-            </a:r>
-          </a:p>
-        </p:txBody>
-      </p:sp>
-      <p:sp>
-        <p:nvSpPr>
-          <p:cNvPr id="12" name="Rechteck 11">
+              <a:t>GLUE            </a:t>
+            </a:r>
+          </a:p>
+          <a:p>
+            <a:r>
+              <a:rPr lang="de-DE" sz="1200">
+                <a:solidFill>
+                  <a:schemeClr val="tx1"/>
+                </a:solidFill>
+              </a:rPr>
+              <a:t>                    </a:t>
+            </a:r>
+            <a:r>
+              <a:rPr lang="de-DE" sz="1600">
+                <a:solidFill>
+                  <a:schemeClr val="tx1"/>
+                </a:solidFill>
+              </a:rPr>
+              <a:t>EvoHistorySys</a:t>
+            </a:r>
+            <a:endParaRPr lang="de-DE" sz="1200">
+              <a:solidFill>
+                <a:schemeClr val="tx1"/>
+              </a:solidFill>
+            </a:endParaRPr>
+          </a:p>
+        </p:txBody>
+      </p:sp>
+      <p:sp>
+        <p:nvSpPr>
+          <p:cNvPr id="9" name="Rechteck 8">
             <a:extLst>
               <a:ext uri="{FF2B5EF4-FFF2-40B4-BE49-F238E27FC236}">
-                <a16:creationId xmlns:a16="http://schemas.microsoft.com/office/drawing/2014/main" id="{F3EDB8AE-81AD-4ABA-B52E-A3AE6A10652C}"/>
+                <a16:creationId xmlns:a16="http://schemas.microsoft.com/office/drawing/2014/main" id="{964A63DD-F3CF-4C29-8AAC-87DA9423729C}"/>
               </a:ext>
             </a:extLst>
           </p:cNvPr>
@@ -3362,14 +3747,17 @@
         </p:nvSpPr>
         <p:spPr>
           <a:xfrm>
-            <a:off x="5859145" y="472848"/>
-            <a:ext cx="899160" cy="469053"/>
+            <a:off x="715805" y="5326872"/>
+            <a:ext cx="2775535" cy="1251608"/>
           </a:xfrm>
           <a:prstGeom prst="rect">
             <a:avLst/>
           </a:prstGeom>
           <a:solidFill>
-            <a:schemeClr val="bg1"/>
+            <a:schemeClr val="accent6">
+              <a:lumMod val="60000"/>
+              <a:lumOff val="40000"/>
+            </a:schemeClr>
           </a:solidFill>
         </p:spPr>
         <p:style>
@@ -3389,27 +3777,81 @@
           </a:fontRef>
         </p:style>
         <p:txBody>
-          <a:bodyPr rtlCol="0" anchor="ctr"/>
-          <a:lstStyle/>
-          <a:p>
-            <a:pPr algn="ctr"/>
-            <a:r>
-              <a:rPr lang="de-DE">
+          <a:bodyPr rot="0" spcFirstLastPara="0" vertOverflow="overflow" horzOverflow="overflow" vert="horz" wrap="square" lIns="41791" tIns="20896" rIns="41791" bIns="20896" numCol="1" spcCol="0" rtlCol="0" fromWordArt="0" anchor="t" anchorCtr="0" forceAA="0" compatLnSpc="1">
+            <a:prstTxWarp prst="textNoShape">
+              <a:avLst/>
+            </a:prstTxWarp>
+            <a:noAutofit/>
+          </a:bodyPr>
+          <a:lstStyle/>
+          <a:p>
+            <a:r>
+              <a:rPr lang="de-DE" sz="1200">
                 <a:solidFill>
                   <a:schemeClr val="tx1"/>
                 </a:solidFill>
               </a:rPr>
-              <a:t>Level</a:t>
-            </a:r>
-          </a:p>
-        </p:txBody>
-      </p:sp>
-      <p:sp>
-        <p:nvSpPr>
-          <p:cNvPr id="13" name="Rechteck 12">
+              <a:t>HISTORY              </a:t>
+            </a:r>
+          </a:p>
+          <a:p>
+            <a:r>
+              <a:rPr lang="de-DE" sz="1200">
+                <a:solidFill>
+                  <a:schemeClr val="tx1"/>
+                </a:solidFill>
+              </a:rPr>
+              <a:t>     </a:t>
+            </a:r>
+            <a:r>
+              <a:rPr lang="de-DE" sz="1600">
+                <a:solidFill>
+                  <a:schemeClr val="tx1"/>
+                </a:solidFill>
+              </a:rPr>
+              <a:t>HistorySystem (Interface)</a:t>
+            </a:r>
+          </a:p>
+          <a:p>
+            <a:r>
+              <a:rPr lang="de-DE" sz="1600">
+                <a:solidFill>
+                  <a:schemeClr val="tx1"/>
+                </a:solidFill>
+              </a:rPr>
+              <a:t>	HistorySystemImpl</a:t>
+            </a:r>
+            <a:endParaRPr lang="de-DE" sz="1200">
+              <a:solidFill>
+                <a:schemeClr val="tx1"/>
+              </a:solidFill>
+            </a:endParaRPr>
+          </a:p>
+          <a:p>
+            <a:endParaRPr lang="de-DE" sz="1200">
+              <a:solidFill>
+                <a:schemeClr val="tx1"/>
+              </a:solidFill>
+            </a:endParaRPr>
+          </a:p>
+          <a:p>
+            <a:r>
+              <a:rPr lang="de-DE" sz="1600">
+                <a:solidFill>
+                  <a:schemeClr val="tx1"/>
+                </a:solidFill>
+              </a:rPr>
+              <a:t>      ModelData (Interface)</a:t>
+            </a:r>
+          </a:p>
+        </p:txBody>
+      </p:sp>
+      <p:sp>
+        <p:nvSpPr>
+          <p:cNvPr id="10" name="Rechteck 9">
             <a:extLst>
               <a:ext uri="{FF2B5EF4-FFF2-40B4-BE49-F238E27FC236}">
-                <a16:creationId xmlns:a16="http://schemas.microsoft.com/office/drawing/2014/main" id="{C27167ED-C663-4E5B-AA22-393DD326326E}"/>
+                <a16:creationId xmlns:a16="http://schemas.microsoft.com/office/drawing/2014/main" id="{D764D407-4C02-4FFB-8F8F-51E7242F9E52}"/>
               </a:ext>
             </a:extLst>
           </p:cNvPr>
@@ -3418,14 +3860,17 @@
         </p:nvSpPr>
         <p:spPr>
           <a:xfrm>
-            <a:off x="6073136" y="1497723"/>
-            <a:ext cx="433493" cy="469053"/>
+            <a:off x="715805" y="8028373"/>
+            <a:ext cx="2783191" cy="1037892"/>
           </a:xfrm>
           <a:prstGeom prst="rect">
             <a:avLst/>
           </a:prstGeom>
           <a:solidFill>
-            <a:schemeClr val="bg1"/>
+            <a:schemeClr val="accent1">
+              <a:lumMod val="60000"/>
+              <a:lumOff val="40000"/>
+            </a:schemeClr>
           </a:solidFill>
         </p:spPr>
         <p:style>
@@ -3445,27 +3890,26 @@
           </a:fontRef>
         </p:style>
         <p:txBody>
-          <a:bodyPr rtlCol="0" anchor="ctr"/>
-          <a:lstStyle/>
-          <a:p>
-            <a:pPr algn="ctr"/>
-            <a:r>
-              <a:rPr lang="de-DE">
+          <a:bodyPr rtlCol="0" anchor="t"/>
+          <a:lstStyle/>
+          <a:p>
+            <a:r>
+              <a:rPr lang="de-DE" sz="1400">
                 <a:solidFill>
                   <a:schemeClr val="tx1"/>
                 </a:solidFill>
               </a:rPr>
-              <a:t>8</a:t>
-            </a:r>
-          </a:p>
-        </p:txBody>
-      </p:sp>
-      <p:sp>
-        <p:nvSpPr>
-          <p:cNvPr id="14" name="Rechteck 13">
+              <a:t>                                              </a:t>
+            </a:r>
+          </a:p>
+        </p:txBody>
+      </p:sp>
+      <p:sp>
+        <p:nvSpPr>
+          <p:cNvPr id="11" name="Rechteck 10">
             <a:extLst>
               <a:ext uri="{FF2B5EF4-FFF2-40B4-BE49-F238E27FC236}">
-                <a16:creationId xmlns:a16="http://schemas.microsoft.com/office/drawing/2014/main" id="{E1FAB763-DE5F-4AF3-9629-50F003236E4A}"/>
+                <a16:creationId xmlns:a16="http://schemas.microsoft.com/office/drawing/2014/main" id="{FE6C535B-0BAF-480B-932E-8BF18AC551F7}"/>
               </a:ext>
             </a:extLst>
           </p:cNvPr>
@@ -3474,14 +3918,16 @@
         </p:nvSpPr>
         <p:spPr>
           <a:xfrm>
-            <a:off x="6067822" y="2480726"/>
-            <a:ext cx="433493" cy="469053"/>
+            <a:off x="549275" y="991440"/>
+            <a:ext cx="5216523" cy="1385687"/>
           </a:xfrm>
           <a:prstGeom prst="rect">
             <a:avLst/>
           </a:prstGeom>
           <a:solidFill>
-            <a:schemeClr val="bg1"/>
+            <a:schemeClr val="bg1">
+              <a:lumMod val="95000"/>
+            </a:schemeClr>
           </a:solidFill>
         </p:spPr>
         <p:style>
@@ -3501,27 +3947,26 @@
           </a:fontRef>
         </p:style>
         <p:txBody>
-          <a:bodyPr rtlCol="0" anchor="ctr"/>
-          <a:lstStyle/>
-          <a:p>
-            <a:pPr algn="ctr"/>
-            <a:r>
-              <a:rPr lang="de-DE">
+          <a:bodyPr rtlCol="0" anchor="t"/>
+          <a:lstStyle/>
+          <a:p>
+            <a:r>
+              <a:rPr lang="de-DE" sz="1400">
                 <a:solidFill>
                   <a:schemeClr val="tx1"/>
                 </a:solidFill>
               </a:rPr>
-              <a:t>7</a:t>
-            </a:r>
-          </a:p>
-        </p:txBody>
-      </p:sp>
-      <p:sp>
-        <p:nvSpPr>
-          <p:cNvPr id="15" name="Rechteck 14">
+              <a:t>GUI</a:t>
+            </a:r>
+          </a:p>
+        </p:txBody>
+      </p:sp>
+      <p:sp>
+        <p:nvSpPr>
+          <p:cNvPr id="12" name="Rechteck 11">
             <a:extLst>
               <a:ext uri="{FF2B5EF4-FFF2-40B4-BE49-F238E27FC236}">
-                <a16:creationId xmlns:a16="http://schemas.microsoft.com/office/drawing/2014/main" id="{0B19E1B2-54AC-406C-A3A8-D81E85136ABF}"/>
+                <a16:creationId xmlns:a16="http://schemas.microsoft.com/office/drawing/2014/main" id="{F3EDB8AE-81AD-4ABA-B52E-A3AE6A10652C}"/>
               </a:ext>
             </a:extLst>
           </p:cNvPr>
@@ -3530,8 +3975,8 @@
         </p:nvSpPr>
         <p:spPr>
           <a:xfrm>
-            <a:off x="6073133" y="4028429"/>
-            <a:ext cx="433493" cy="469053"/>
+            <a:off x="5859145" y="472848"/>
+            <a:ext cx="899160" cy="469053"/>
           </a:xfrm>
           <a:prstGeom prst="rect">
             <a:avLst/>
@@ -3567,17 +4012,17 @@
                   <a:schemeClr val="tx1"/>
                 </a:solidFill>
               </a:rPr>
-              <a:t>6</a:t>
-            </a:r>
-          </a:p>
-        </p:txBody>
-      </p:sp>
-      <p:sp>
-        <p:nvSpPr>
-          <p:cNvPr id="17" name="Rechteck 16">
+              <a:t>Level</a:t>
+            </a:r>
+          </a:p>
+        </p:txBody>
+      </p:sp>
+      <p:sp>
+        <p:nvSpPr>
+          <p:cNvPr id="13" name="Rechteck 12">
             <a:extLst>
               <a:ext uri="{FF2B5EF4-FFF2-40B4-BE49-F238E27FC236}">
-                <a16:creationId xmlns:a16="http://schemas.microsoft.com/office/drawing/2014/main" id="{10A4B270-0BFC-4077-AC65-E2EA5E8B1FE1}"/>
+                <a16:creationId xmlns:a16="http://schemas.microsoft.com/office/drawing/2014/main" id="{C27167ED-C663-4E5B-AA22-393DD326326E}"/>
               </a:ext>
             </a:extLst>
           </p:cNvPr>
@@ -3586,7 +4031,7 @@
         </p:nvSpPr>
         <p:spPr>
           <a:xfrm>
-            <a:off x="6073134" y="4805678"/>
+            <a:off x="6081472" y="1846502"/>
             <a:ext cx="433493" cy="469053"/>
           </a:xfrm>
           <a:prstGeom prst="rect">
@@ -3623,17 +4068,17 @@
                   <a:schemeClr val="tx1"/>
                 </a:solidFill>
               </a:rPr>
-              <a:t>4</a:t>
-            </a:r>
-          </a:p>
-        </p:txBody>
-      </p:sp>
-      <p:sp>
-        <p:nvSpPr>
-          <p:cNvPr id="18" name="Rechteck 17">
+              <a:t>8</a:t>
+            </a:r>
+          </a:p>
+        </p:txBody>
+      </p:sp>
+      <p:sp>
+        <p:nvSpPr>
+          <p:cNvPr id="14" name="Rechteck 13">
             <a:extLst>
               <a:ext uri="{FF2B5EF4-FFF2-40B4-BE49-F238E27FC236}">
-                <a16:creationId xmlns:a16="http://schemas.microsoft.com/office/drawing/2014/main" id="{3E9685A7-9E5F-4869-BB7F-312113EE0006}"/>
+                <a16:creationId xmlns:a16="http://schemas.microsoft.com/office/drawing/2014/main" id="{E1FAB763-DE5F-4AF3-9629-50F003236E4A}"/>
               </a:ext>
             </a:extLst>
           </p:cNvPr>
@@ -3642,7 +4087,7 @@
         </p:nvSpPr>
         <p:spPr>
           <a:xfrm>
-            <a:off x="6073135" y="5710327"/>
+            <a:off x="6067822" y="2493964"/>
             <a:ext cx="433493" cy="469053"/>
           </a:xfrm>
           <a:prstGeom prst="rect">
@@ -3679,17 +4124,17 @@
                   <a:schemeClr val="tx1"/>
                 </a:solidFill>
               </a:rPr>
-              <a:t>3</a:t>
-            </a:r>
-          </a:p>
-        </p:txBody>
-      </p:sp>
-      <p:sp>
-        <p:nvSpPr>
-          <p:cNvPr id="19" name="Rechteck 18">
+              <a:t>7</a:t>
+            </a:r>
+          </a:p>
+        </p:txBody>
+      </p:sp>
+      <p:sp>
+        <p:nvSpPr>
+          <p:cNvPr id="15" name="Rechteck 14">
             <a:extLst>
               <a:ext uri="{FF2B5EF4-FFF2-40B4-BE49-F238E27FC236}">
-                <a16:creationId xmlns:a16="http://schemas.microsoft.com/office/drawing/2014/main" id="{D7F2DEE7-5A8E-4DC1-A163-060D82902670}"/>
+                <a16:creationId xmlns:a16="http://schemas.microsoft.com/office/drawing/2014/main" id="{0B19E1B2-54AC-406C-A3A8-D81E85136ABF}"/>
               </a:ext>
             </a:extLst>
           </p:cNvPr>
@@ -3698,7 +4143,7 @@
         </p:nvSpPr>
         <p:spPr>
           <a:xfrm>
-            <a:off x="6073136" y="6578479"/>
+            <a:off x="6081472" y="4028429"/>
             <a:ext cx="433493" cy="469053"/>
           </a:xfrm>
           <a:prstGeom prst="rect">
@@ -3735,17 +4180,17 @@
                   <a:schemeClr val="tx1"/>
                 </a:solidFill>
               </a:rPr>
-              <a:t>2</a:t>
-            </a:r>
-          </a:p>
-        </p:txBody>
-      </p:sp>
-      <p:sp>
-        <p:nvSpPr>
-          <p:cNvPr id="21" name="Rechteck 20">
+              <a:t>6</a:t>
+            </a:r>
+          </a:p>
+        </p:txBody>
+      </p:sp>
+      <p:sp>
+        <p:nvSpPr>
+          <p:cNvPr id="17" name="Rechteck 16">
             <a:extLst>
               <a:ext uri="{FF2B5EF4-FFF2-40B4-BE49-F238E27FC236}">
-                <a16:creationId xmlns:a16="http://schemas.microsoft.com/office/drawing/2014/main" id="{C11D1F0F-E02D-4A14-AE3F-2FF0762F0285}"/>
+                <a16:creationId xmlns:a16="http://schemas.microsoft.com/office/drawing/2014/main" id="{10A4B270-0BFC-4077-AC65-E2EA5E8B1FE1}"/>
               </a:ext>
             </a:extLst>
           </p:cNvPr>
@@ -3754,7 +4199,7 @@
         </p:nvSpPr>
         <p:spPr>
           <a:xfrm>
-            <a:off x="6073136" y="7796009"/>
+            <a:off x="6081472" y="4805678"/>
             <a:ext cx="433493" cy="469053"/>
           </a:xfrm>
           <a:prstGeom prst="rect">
@@ -3791,17 +4236,17 @@
                   <a:schemeClr val="tx1"/>
                 </a:solidFill>
               </a:rPr>
-              <a:t>0</a:t>
-            </a:r>
-          </a:p>
-        </p:txBody>
-      </p:sp>
-      <p:sp>
-        <p:nvSpPr>
-          <p:cNvPr id="2" name="Rechteck 1">
+              <a:t>5</a:t>
+            </a:r>
+          </a:p>
+        </p:txBody>
+      </p:sp>
+      <p:sp>
+        <p:nvSpPr>
+          <p:cNvPr id="18" name="Rechteck 17">
             <a:extLst>
               <a:ext uri="{FF2B5EF4-FFF2-40B4-BE49-F238E27FC236}">
-                <a16:creationId xmlns:a16="http://schemas.microsoft.com/office/drawing/2014/main" id="{1354B24B-035F-48DA-8C02-E2445A3DBD23}"/>
+                <a16:creationId xmlns:a16="http://schemas.microsoft.com/office/drawing/2014/main" id="{3E9685A7-9E5F-4869-BB7F-312113EE0006}"/>
               </a:ext>
             </a:extLst>
           </p:cNvPr>
@@ -3810,18 +4255,15 @@
         </p:nvSpPr>
         <p:spPr>
           <a:xfrm>
-            <a:off x="549277" y="3269673"/>
-            <a:ext cx="3219160" cy="5996247"/>
+            <a:off x="6081472" y="5710327"/>
+            <a:ext cx="433493" cy="469053"/>
           </a:xfrm>
           <a:prstGeom prst="rect">
             <a:avLst/>
           </a:prstGeom>
-          <a:noFill/>
-          <a:ln w="57150">
-            <a:solidFill>
-              <a:srgbClr val="C00000"/>
-            </a:solidFill>
-          </a:ln>
+          <a:solidFill>
+            <a:schemeClr val="bg1"/>
+          </a:solidFill>
         </p:spPr>
         <p:style>
           <a:lnRef idx="2">
@@ -3840,47 +4282,27 @@
           </a:fontRef>
         </p:style>
         <p:txBody>
-          <a:bodyPr rtlCol="0" anchor="t"/>
-          <a:lstStyle/>
-          <a:p>
-            <a:r>
-              <a:rPr lang="de-DE" err="1">
+          <a:bodyPr rtlCol="0" anchor="ctr"/>
+          <a:lstStyle/>
+          <a:p>
+            <a:pPr algn="ctr"/>
+            <a:r>
+              <a:rPr lang="de-DE">
                 <a:solidFill>
-                  <a:srgbClr val="C00000"/>
+                  <a:schemeClr val="tx1"/>
                 </a:solidFill>
               </a:rPr>
-              <a:t>work</a:t>
-            </a:r>
-            <a:r>
-              <a:rPr lang="de-DE">
-                <a:solidFill>
-                  <a:srgbClr val="C00000"/>
-                </a:solidFill>
-              </a:rPr>
-              <a:t> </a:t>
-            </a:r>
-            <a:r>
-              <a:rPr lang="de-DE" err="1">
-                <a:solidFill>
-                  <a:srgbClr val="C00000"/>
-                </a:solidFill>
-              </a:rPr>
-              <a:t>thread</a:t>
-            </a:r>
-            <a:endParaRPr lang="de-DE">
-              <a:solidFill>
-                <a:srgbClr val="C00000"/>
-              </a:solidFill>
-            </a:endParaRPr>
-          </a:p>
-        </p:txBody>
-      </p:sp>
-      <p:sp>
-        <p:nvSpPr>
-          <p:cNvPr id="3" name="Rechteck 2">
+              <a:t>4</a:t>
+            </a:r>
+          </a:p>
+        </p:txBody>
+      </p:sp>
+      <p:sp>
+        <p:nvSpPr>
+          <p:cNvPr id="19" name="Rechteck 18">
             <a:extLst>
               <a:ext uri="{FF2B5EF4-FFF2-40B4-BE49-F238E27FC236}">
-                <a16:creationId xmlns:a16="http://schemas.microsoft.com/office/drawing/2014/main" id="{347D3B46-A32F-4191-A4E1-D57A465E807C}"/>
+                <a16:creationId xmlns:a16="http://schemas.microsoft.com/office/drawing/2014/main" id="{D7F2DEE7-5A8E-4DC1-A163-060D82902670}"/>
               </a:ext>
             </a:extLst>
           </p:cNvPr>
@@ -3889,17 +4311,14 @@
         </p:nvSpPr>
         <p:spPr>
           <a:xfrm>
-            <a:off x="785079" y="2576781"/>
-            <a:ext cx="2775534" cy="411481"/>
+            <a:off x="6067822" y="6638534"/>
+            <a:ext cx="433493" cy="469053"/>
           </a:xfrm>
           <a:prstGeom prst="rect">
             <a:avLst/>
           </a:prstGeom>
           <a:solidFill>
-            <a:schemeClr val="accent2">
-              <a:lumMod val="20000"/>
-              <a:lumOff val="80000"/>
-            </a:schemeClr>
+            <a:schemeClr val="bg1"/>
           </a:solidFill>
         </p:spPr>
         <p:style>
@@ -3924,66 +4343,22 @@
           <a:p>
             <a:pPr algn="ctr"/>
             <a:r>
-              <a:rPr lang="de-DE" sz="1600" err="1">
+              <a:rPr lang="de-DE">
                 <a:solidFill>
                   <a:schemeClr val="tx1"/>
                 </a:solidFill>
               </a:rPr>
-              <a:t>WorkThreadInterface</a:t>
-            </a:r>
-            <a:endParaRPr lang="de-DE" sz="1600">
-              <a:solidFill>
-                <a:schemeClr val="tx1"/>
-              </a:solidFill>
-            </a:endParaRPr>
-          </a:p>
-        </p:txBody>
-      </p:sp>
-      <p:pic>
-        <p:nvPicPr>
-          <p:cNvPr id="7" name="Grafik 6" descr="Wiederholung">
+              <a:t>3</a:t>
+            </a:r>
+          </a:p>
+        </p:txBody>
+      </p:sp>
+      <p:sp>
+        <p:nvSpPr>
+          <p:cNvPr id="21" name="Rechteck 20">
             <a:extLst>
               <a:ext uri="{FF2B5EF4-FFF2-40B4-BE49-F238E27FC236}">
-                <a16:creationId xmlns:a16="http://schemas.microsoft.com/office/drawing/2014/main" id="{0FF3122E-0C6D-44A4-9DBD-652E64B41090}"/>
-              </a:ext>
-            </a:extLst>
-          </p:cNvPr>
-          <p:cNvPicPr>
-            <a:picLocks noChangeAspect="1"/>
-          </p:cNvPicPr>
-          <p:nvPr/>
-        </p:nvPicPr>
-        <p:blipFill>
-          <a:blip r:embed="rId2">
-            <a:extLst>
-              <a:ext uri="{28A0092B-C50C-407E-A947-70E740481C1C}">
-                <a14:useLocalDpi xmlns:a14="http://schemas.microsoft.com/office/drawing/2010/main" val="0"/>
-              </a:ext>
-              <a:ext uri="{96DAC541-7B7A-43D3-8B79-37D633B846F1}">
-                <asvg:svgBlip xmlns:asvg="http://schemas.microsoft.com/office/drawing/2016/SVG/main" r:embed="rId3"/>
-              </a:ext>
-            </a:extLst>
-          </a:blip>
-          <a:stretch>
-            <a:fillRect/>
-          </a:stretch>
-        </p:blipFill>
-        <p:spPr>
-          <a:xfrm>
-            <a:off x="1821869" y="3335027"/>
-            <a:ext cx="630381" cy="447264"/>
-          </a:xfrm>
-          <a:prstGeom prst="rect">
-            <a:avLst/>
-          </a:prstGeom>
-        </p:spPr>
-      </p:pic>
-      <p:sp>
-        <p:nvSpPr>
-          <p:cNvPr id="8" name="Pfeil: nach unten 7">
-            <a:extLst>
-              <a:ext uri="{FF2B5EF4-FFF2-40B4-BE49-F238E27FC236}">
-                <a16:creationId xmlns:a16="http://schemas.microsoft.com/office/drawing/2014/main" id="{99A9D07C-681C-4809-845D-D48B90C7428F}"/>
+                <a16:creationId xmlns:a16="http://schemas.microsoft.com/office/drawing/2014/main" id="{C11D1F0F-E02D-4A14-AE3F-2FF0762F0285}"/>
               </a:ext>
             </a:extLst>
           </p:cNvPr>
@@ -3992,14 +4367,14 @@
         </p:nvSpPr>
         <p:spPr>
           <a:xfrm>
-            <a:off x="1977732" y="3021701"/>
-            <a:ext cx="318654" cy="318654"/>
-          </a:xfrm>
-          <a:prstGeom prst="downArrow">
+            <a:off x="6081472" y="8597162"/>
+            <a:ext cx="433493" cy="469053"/>
+          </a:xfrm>
+          <a:prstGeom prst="rect">
             <a:avLst/>
           </a:prstGeom>
           <a:solidFill>
-            <a:schemeClr val="tx1"/>
+            <a:schemeClr val="bg1"/>
           </a:solidFill>
         </p:spPr>
         <p:style>
@@ -4023,16 +4398,23 @@
           <a:lstStyle/>
           <a:p>
             <a:pPr algn="ctr"/>
-            <a:endParaRPr lang="de-DE"/>
-          </a:p>
-        </p:txBody>
-      </p:sp>
-      <p:sp>
-        <p:nvSpPr>
-          <p:cNvPr id="22" name="Rechteck 21">
+            <a:r>
+              <a:rPr lang="de-DE">
+                <a:solidFill>
+                  <a:schemeClr val="tx1"/>
+                </a:solidFill>
+              </a:rPr>
+              <a:t>1</a:t>
+            </a:r>
+          </a:p>
+        </p:txBody>
+      </p:sp>
+      <p:sp>
+        <p:nvSpPr>
+          <p:cNvPr id="2" name="Rechteck 1">
             <a:extLst>
               <a:ext uri="{FF2B5EF4-FFF2-40B4-BE49-F238E27FC236}">
-                <a16:creationId xmlns:a16="http://schemas.microsoft.com/office/drawing/2014/main" id="{2DB5B410-CE86-48DA-9DCC-F72681569353}"/>
+                <a16:creationId xmlns:a16="http://schemas.microsoft.com/office/drawing/2014/main" id="{1354B24B-035F-48DA-8C02-E2445A3DBD23}"/>
               </a:ext>
             </a:extLst>
           </p:cNvPr>
@@ -4041,15 +4423,18 @@
         </p:nvSpPr>
         <p:spPr>
           <a:xfrm>
-            <a:off x="785079" y="6596202"/>
-            <a:ext cx="2775534" cy="555087"/>
+            <a:off x="549277" y="3269673"/>
+            <a:ext cx="3125234" cy="5996247"/>
           </a:xfrm>
           <a:prstGeom prst="rect">
             <a:avLst/>
           </a:prstGeom>
-          <a:solidFill>
-            <a:srgbClr val="FFFF00"/>
-          </a:solidFill>
+          <a:noFill/>
+          <a:ln w="57150">
+            <a:solidFill>
+              <a:srgbClr val="C00000"/>
+            </a:solidFill>
+          </a:ln>
         </p:spPr>
         <p:style>
           <a:lnRef idx="2">
@@ -4068,43 +4453,36 @@
           </a:fontRef>
         </p:style>
         <p:txBody>
-          <a:bodyPr rot="0" spcFirstLastPara="0" vertOverflow="overflow" horzOverflow="overflow" vert="horz" wrap="square" lIns="41791" tIns="20896" rIns="41791" bIns="20896" numCol="1" spcCol="0" rtlCol="0" fromWordArt="0" anchor="t" anchorCtr="0" forceAA="0" compatLnSpc="1">
-            <a:prstTxWarp prst="textNoShape">
-              <a:avLst/>
-            </a:prstTxWarp>
-            <a:noAutofit/>
-          </a:bodyPr>
-          <a:lstStyle/>
-          <a:p>
-            <a:r>
-              <a:rPr lang="de-DE" sz="1200">
+          <a:bodyPr rtlCol="0" anchor="t"/>
+          <a:lstStyle/>
+          <a:p>
+            <a:r>
+              <a:rPr lang="de-DE" err="1">
                 <a:solidFill>
-                  <a:schemeClr val="tx1"/>
+                  <a:srgbClr val="C00000"/>
                 </a:solidFill>
               </a:rPr>
-              <a:t>GLUE</a:t>
-            </a:r>
-          </a:p>
-          <a:p>
-            <a:r>
-              <a:rPr lang="de-DE" sz="1200">
+              <a:t>work</a:t>
+            </a:r>
+            <a:r>
+              <a:rPr lang="de-DE">
                 <a:solidFill>
-                  <a:schemeClr val="tx1"/>
+                  <a:srgbClr val="C00000"/>
                 </a:solidFill>
               </a:rPr>
-              <a:t>                       </a:t>
-            </a:r>
-            <a:r>
-              <a:rPr lang="de-DE" sz="1600">
+              <a:t> </a:t>
+            </a:r>
+            <a:r>
+              <a:rPr lang="de-DE" err="1">
                 <a:solidFill>
-                  <a:schemeClr val="tx1"/>
+                  <a:srgbClr val="C00000"/>
                 </a:solidFill>
               </a:rPr>
-              <a:t>EvoModelData</a:t>
-            </a:r>
-            <a:endParaRPr lang="de-DE" sz="1200">
+              <a:t>thread</a:t>
+            </a:r>
+            <a:endParaRPr lang="de-DE">
               <a:solidFill>
-                <a:schemeClr val="tx1"/>
+                <a:srgbClr val="C00000"/>
               </a:solidFill>
             </a:endParaRPr>
           </a:p>
@@ -4112,10 +4490,10 @@
       </p:sp>
       <p:sp>
         <p:nvSpPr>
-          <p:cNvPr id="6" name="Rechteck 5">
+          <p:cNvPr id="3" name="Rechteck 2">
             <a:extLst>
               <a:ext uri="{FF2B5EF4-FFF2-40B4-BE49-F238E27FC236}">
-                <a16:creationId xmlns:a16="http://schemas.microsoft.com/office/drawing/2014/main" id="{25292D47-FD85-4468-8501-AF083A2F46AA}"/>
+                <a16:creationId xmlns:a16="http://schemas.microsoft.com/office/drawing/2014/main" id="{347D3B46-A32F-4191-A4E1-D57A465E807C}"/>
               </a:ext>
             </a:extLst>
           </p:cNvPr>
@@ -4124,16 +4502,18 @@
         </p:nvSpPr>
         <p:spPr>
           <a:xfrm>
-            <a:off x="3722418" y="7399260"/>
-            <a:ext cx="2068892" cy="469053"/>
+            <a:off x="715804" y="2576781"/>
+            <a:ext cx="2775534" cy="411481"/>
           </a:xfrm>
           <a:prstGeom prst="rect">
             <a:avLst/>
           </a:prstGeom>
-          <a:noFill/>
-          <a:ln>
-            <a:noFill/>
-          </a:ln>
+          <a:solidFill>
+            <a:schemeClr val="accent2">
+              <a:lumMod val="20000"/>
+              <a:lumOff val="80000"/>
+            </a:schemeClr>
+          </a:solidFill>
         </p:spPr>
         <p:style>
           <a:lnRef idx="2">
@@ -4157,22 +4537,66 @@
           <a:p>
             <a:pPr algn="ctr"/>
             <a:r>
-              <a:rPr lang="de-DE" sz="1600">
+              <a:rPr lang="de-DE" sz="1600" err="1">
                 <a:solidFill>
                   <a:schemeClr val="tx1"/>
                 </a:solidFill>
               </a:rPr>
-              <a:t>EvolutionModelData</a:t>
-            </a:r>
-          </a:p>
-        </p:txBody>
-      </p:sp>
-      <p:sp>
-        <p:nvSpPr>
-          <p:cNvPr id="23" name="Pfeil: nach unten 22">
+              <a:t>WorkThreadInterface</a:t>
+            </a:r>
+            <a:endParaRPr lang="de-DE" sz="1600">
+              <a:solidFill>
+                <a:schemeClr val="tx1"/>
+              </a:solidFill>
+            </a:endParaRPr>
+          </a:p>
+        </p:txBody>
+      </p:sp>
+      <p:pic>
+        <p:nvPicPr>
+          <p:cNvPr id="7" name="Grafik 6" descr="Wiederholung">
             <a:extLst>
               <a:ext uri="{FF2B5EF4-FFF2-40B4-BE49-F238E27FC236}">
-                <a16:creationId xmlns:a16="http://schemas.microsoft.com/office/drawing/2014/main" id="{7A72D1A2-0991-4BFD-9932-7E7C2BB76B1D}"/>
+                <a16:creationId xmlns:a16="http://schemas.microsoft.com/office/drawing/2014/main" id="{0FF3122E-0C6D-44A4-9DBD-652E64B41090}"/>
+              </a:ext>
+            </a:extLst>
+          </p:cNvPr>
+          <p:cNvPicPr>
+            <a:picLocks noChangeAspect="1"/>
+          </p:cNvPicPr>
+          <p:nvPr/>
+        </p:nvPicPr>
+        <p:blipFill>
+          <a:blip r:embed="rId3">
+            <a:extLst>
+              <a:ext uri="{28A0092B-C50C-407E-A947-70E740481C1C}">
+                <a14:useLocalDpi xmlns:a14="http://schemas.microsoft.com/office/drawing/2010/main" val="0"/>
+              </a:ext>
+              <a:ext uri="{96DAC541-7B7A-43D3-8B79-37D633B846F1}">
+                <asvg:svgBlip xmlns:asvg="http://schemas.microsoft.com/office/drawing/2016/SVG/main" r:embed="rId4"/>
+              </a:ext>
+            </a:extLst>
+          </a:blip>
+          <a:stretch>
+            <a:fillRect/>
+          </a:stretch>
+        </p:blipFill>
+        <p:spPr>
+          <a:xfrm>
+            <a:off x="1752594" y="3335027"/>
+            <a:ext cx="630381" cy="447264"/>
+          </a:xfrm>
+          <a:prstGeom prst="rect">
+            <a:avLst/>
+          </a:prstGeom>
+        </p:spPr>
+      </p:pic>
+      <p:sp>
+        <p:nvSpPr>
+          <p:cNvPr id="8" name="Pfeil: nach unten 7">
+            <a:extLst>
+              <a:ext uri="{FF2B5EF4-FFF2-40B4-BE49-F238E27FC236}">
+                <a16:creationId xmlns:a16="http://schemas.microsoft.com/office/drawing/2014/main" id="{99A9D07C-681C-4809-845D-D48B90C7428F}"/>
               </a:ext>
             </a:extLst>
           </p:cNvPr>
@@ -4181,17 +4605,14 @@
         </p:nvSpPr>
         <p:spPr>
           <a:xfrm>
-            <a:off x="4447309" y="2441333"/>
-            <a:ext cx="749583" cy="4709955"/>
+            <a:off x="1908457" y="3021701"/>
+            <a:ext cx="318654" cy="318654"/>
           </a:xfrm>
           <a:prstGeom prst="downArrow">
             <a:avLst/>
           </a:prstGeom>
           <a:solidFill>
-            <a:schemeClr val="accent1">
-              <a:lumMod val="20000"/>
-              <a:lumOff val="80000"/>
-            </a:schemeClr>
+            <a:schemeClr val="tx1"/>
           </a:solidFill>
         </p:spPr>
         <p:style>
@@ -4211,27 +4632,20 @@
           </a:fontRef>
         </p:style>
         <p:txBody>
-          <a:bodyPr vert="vert270" rtlCol="0" anchor="ctr"/>
+          <a:bodyPr rtlCol="0" anchor="ctr"/>
           <a:lstStyle/>
           <a:p>
             <a:pPr algn="ctr"/>
-            <a:r>
-              <a:rPr lang="de-DE">
-                <a:solidFill>
-                  <a:schemeClr val="tx1"/>
-                </a:solidFill>
-              </a:rPr>
-              <a:t>Read access</a:t>
-            </a:r>
-          </a:p>
-        </p:txBody>
-      </p:sp>
-      <p:sp>
-        <p:nvSpPr>
-          <p:cNvPr id="24" name="Rechteck 23">
+            <a:endParaRPr lang="de-DE"/>
+          </a:p>
+        </p:txBody>
+      </p:sp>
+      <p:sp>
+        <p:nvSpPr>
+          <p:cNvPr id="22" name="Rechteck 21">
             <a:extLst>
               <a:ext uri="{FF2B5EF4-FFF2-40B4-BE49-F238E27FC236}">
-                <a16:creationId xmlns:a16="http://schemas.microsoft.com/office/drawing/2014/main" id="{E15F2FF0-59A9-47BA-827D-74F074E95B8C}"/>
+                <a16:creationId xmlns:a16="http://schemas.microsoft.com/office/drawing/2014/main" id="{2DB5B410-CE86-48DA-9DCC-F72681569353}"/>
               </a:ext>
             </a:extLst>
           </p:cNvPr>
@@ -4240,16 +4654,15 @@
         </p:nvSpPr>
         <p:spPr>
           <a:xfrm>
-            <a:off x="1261940" y="7350942"/>
-            <a:ext cx="2068892" cy="469053"/>
+            <a:off x="715804" y="6584627"/>
+            <a:ext cx="2775534" cy="555087"/>
           </a:xfrm>
           <a:prstGeom prst="rect">
             <a:avLst/>
           </a:prstGeom>
-          <a:noFill/>
-          <a:ln>
-            <a:noFill/>
-          </a:ln>
+          <a:solidFill>
+            <a:srgbClr val="FFFF00"/>
+          </a:solidFill>
         </p:spPr>
         <p:style>
           <a:lnRef idx="2">
@@ -4268,17 +4681,568 @@
           </a:fontRef>
         </p:style>
         <p:txBody>
-          <a:bodyPr rtlCol="0" anchor="ctr"/>
-          <a:lstStyle/>
-          <a:p>
-            <a:pPr algn="ctr"/>
+          <a:bodyPr rot="0" spcFirstLastPara="0" vertOverflow="overflow" horzOverflow="overflow" vert="horz" wrap="square" lIns="41791" tIns="20896" rIns="41791" bIns="20896" numCol="1" spcCol="0" rtlCol="0" fromWordArt="0" anchor="t" anchorCtr="0" forceAA="0" compatLnSpc="1">
+            <a:prstTxWarp prst="textNoShape">
+              <a:avLst/>
+            </a:prstTxWarp>
+            <a:noAutofit/>
+          </a:bodyPr>
+          <a:lstStyle/>
+          <a:p>
+            <a:r>
+              <a:rPr lang="de-DE" sz="1200">
+                <a:solidFill>
+                  <a:schemeClr val="tx1"/>
+                </a:solidFill>
+              </a:rPr>
+              <a:t>GLUE</a:t>
+            </a:r>
+          </a:p>
+          <a:p>
+            <a:r>
+              <a:rPr lang="de-DE" sz="1200">
+                <a:solidFill>
+                  <a:schemeClr val="tx1"/>
+                </a:solidFill>
+              </a:rPr>
+              <a:t>                       </a:t>
+            </a:r>
             <a:r>
               <a:rPr lang="de-DE" sz="1600">
                 <a:solidFill>
                   <a:schemeClr val="tx1"/>
                 </a:solidFill>
               </a:rPr>
-              <a:t>EvolutionCore</a:t>
+              <a:t>EvoModelData</a:t>
+            </a:r>
+            <a:endParaRPr lang="de-DE" sz="1200">
+              <a:solidFill>
+                <a:schemeClr val="tx1"/>
+              </a:solidFill>
+            </a:endParaRPr>
+          </a:p>
+        </p:txBody>
+      </p:sp>
+      <p:sp>
+        <p:nvSpPr>
+          <p:cNvPr id="6" name="Rechteck 5">
+            <a:extLst>
+              <a:ext uri="{FF2B5EF4-FFF2-40B4-BE49-F238E27FC236}">
+                <a16:creationId xmlns:a16="http://schemas.microsoft.com/office/drawing/2014/main" id="{25292D47-FD85-4468-8501-AF083A2F46AA}"/>
+              </a:ext>
+            </a:extLst>
+          </p:cNvPr>
+          <p:cNvSpPr/>
+          <p:nvPr/>
+        </p:nvSpPr>
+        <p:spPr>
+          <a:xfrm>
+            <a:off x="3718614" y="7351875"/>
+            <a:ext cx="2068892" cy="469053"/>
+          </a:xfrm>
+          <a:prstGeom prst="rect">
+            <a:avLst/>
+          </a:prstGeom>
+          <a:noFill/>
+          <a:ln>
+            <a:noFill/>
+          </a:ln>
+        </p:spPr>
+        <p:style>
+          <a:lnRef idx="2">
+            <a:schemeClr val="accent1">
+              <a:shade val="50000"/>
+            </a:schemeClr>
+          </a:lnRef>
+          <a:fillRef idx="1">
+            <a:schemeClr val="accent1"/>
+          </a:fillRef>
+          <a:effectRef idx="0">
+            <a:schemeClr val="accent1"/>
+          </a:effectRef>
+          <a:fontRef idx="minor">
+            <a:schemeClr val="lt1"/>
+          </a:fontRef>
+        </p:style>
+        <p:txBody>
+          <a:bodyPr rtlCol="0" anchor="ctr"/>
+          <a:lstStyle/>
+          <a:p>
+            <a:pPr algn="ctr"/>
+            <a:r>
+              <a:rPr lang="de-DE" sz="1600">
+                <a:solidFill>
+                  <a:schemeClr val="tx1"/>
+                </a:solidFill>
+              </a:rPr>
+              <a:t>EvolutionModelData (Interface)</a:t>
+            </a:r>
+          </a:p>
+        </p:txBody>
+      </p:sp>
+      <p:sp>
+        <p:nvSpPr>
+          <p:cNvPr id="23" name="Pfeil: nach unten 22">
+            <a:extLst>
+              <a:ext uri="{FF2B5EF4-FFF2-40B4-BE49-F238E27FC236}">
+                <a16:creationId xmlns:a16="http://schemas.microsoft.com/office/drawing/2014/main" id="{7A72D1A2-0991-4BFD-9932-7E7C2BB76B1D}"/>
+              </a:ext>
+            </a:extLst>
+          </p:cNvPr>
+          <p:cNvSpPr/>
+          <p:nvPr/>
+        </p:nvSpPr>
+        <p:spPr>
+          <a:xfrm>
+            <a:off x="4447309" y="2441333"/>
+            <a:ext cx="749583" cy="4709955"/>
+          </a:xfrm>
+          <a:prstGeom prst="downArrow">
+            <a:avLst/>
+          </a:prstGeom>
+          <a:solidFill>
+            <a:schemeClr val="accent1">
+              <a:lumMod val="20000"/>
+              <a:lumOff val="80000"/>
+            </a:schemeClr>
+          </a:solidFill>
+        </p:spPr>
+        <p:style>
+          <a:lnRef idx="2">
+            <a:schemeClr val="accent1">
+              <a:shade val="50000"/>
+            </a:schemeClr>
+          </a:lnRef>
+          <a:fillRef idx="1">
+            <a:schemeClr val="accent1"/>
+          </a:fillRef>
+          <a:effectRef idx="0">
+            <a:schemeClr val="accent1"/>
+          </a:effectRef>
+          <a:fontRef idx="minor">
+            <a:schemeClr val="lt1"/>
+          </a:fontRef>
+        </p:style>
+        <p:txBody>
+          <a:bodyPr vert="vert270" rtlCol="0" anchor="ctr"/>
+          <a:lstStyle/>
+          <a:p>
+            <a:pPr algn="ctr"/>
+            <a:r>
+              <a:rPr lang="de-DE">
+                <a:solidFill>
+                  <a:schemeClr val="tx1"/>
+                </a:solidFill>
+              </a:rPr>
+              <a:t>Read access</a:t>
+            </a:r>
+          </a:p>
+        </p:txBody>
+      </p:sp>
+      <p:sp>
+        <p:nvSpPr>
+          <p:cNvPr id="24" name="Rechteck 23">
+            <a:extLst>
+              <a:ext uri="{FF2B5EF4-FFF2-40B4-BE49-F238E27FC236}">
+                <a16:creationId xmlns:a16="http://schemas.microsoft.com/office/drawing/2014/main" id="{E15F2FF0-59A9-47BA-827D-74F074E95B8C}"/>
+              </a:ext>
+            </a:extLst>
+          </p:cNvPr>
+          <p:cNvSpPr/>
+          <p:nvPr/>
+        </p:nvSpPr>
+        <p:spPr>
+          <a:xfrm>
+            <a:off x="1192665" y="7350942"/>
+            <a:ext cx="2068892" cy="469053"/>
+          </a:xfrm>
+          <a:prstGeom prst="rect">
+            <a:avLst/>
+          </a:prstGeom>
+          <a:noFill/>
+          <a:ln>
+            <a:noFill/>
+          </a:ln>
+        </p:spPr>
+        <p:style>
+          <a:lnRef idx="2">
+            <a:schemeClr val="accent1">
+              <a:shade val="50000"/>
+            </a:schemeClr>
+          </a:lnRef>
+          <a:fillRef idx="1">
+            <a:schemeClr val="accent1"/>
+          </a:fillRef>
+          <a:effectRef idx="0">
+            <a:schemeClr val="accent1"/>
+          </a:effectRef>
+          <a:fontRef idx="minor">
+            <a:schemeClr val="lt1"/>
+          </a:fontRef>
+        </p:style>
+        <p:txBody>
+          <a:bodyPr rtlCol="0" anchor="ctr"/>
+          <a:lstStyle/>
+          <a:p>
+            <a:pPr algn="ctr"/>
+            <a:r>
+              <a:rPr lang="de-DE" sz="1600">
+                <a:solidFill>
+                  <a:schemeClr val="tx1"/>
+                </a:solidFill>
+              </a:rPr>
+              <a:t>EvolutionCore (Interface)</a:t>
+            </a:r>
+          </a:p>
+        </p:txBody>
+      </p:sp>
+      <p:sp>
+        <p:nvSpPr>
+          <p:cNvPr id="16" name="Rechteck 15">
+            <a:extLst>
+              <a:ext uri="{FF2B5EF4-FFF2-40B4-BE49-F238E27FC236}">
+                <a16:creationId xmlns:a16="http://schemas.microsoft.com/office/drawing/2014/main" id="{3DFFA8E8-0778-46CA-9DA9-F2EDD2A44B35}"/>
+              </a:ext>
+            </a:extLst>
+          </p:cNvPr>
+          <p:cNvSpPr/>
+          <p:nvPr/>
+        </p:nvSpPr>
+        <p:spPr>
+          <a:xfrm>
+            <a:off x="1328732" y="1803892"/>
+            <a:ext cx="1759529" cy="445347"/>
+          </a:xfrm>
+          <a:prstGeom prst="rect">
+            <a:avLst/>
+          </a:prstGeom>
+          <a:solidFill>
+            <a:schemeClr val="accent1">
+              <a:lumMod val="20000"/>
+              <a:lumOff val="80000"/>
+            </a:schemeClr>
+          </a:solidFill>
+          <a:ln>
+            <a:solidFill>
+              <a:schemeClr val="accent5">
+                <a:lumMod val="20000"/>
+                <a:lumOff val="80000"/>
+              </a:schemeClr>
+            </a:solidFill>
+          </a:ln>
+        </p:spPr>
+        <p:style>
+          <a:lnRef idx="2">
+            <a:schemeClr val="accent1">
+              <a:shade val="50000"/>
+            </a:schemeClr>
+          </a:lnRef>
+          <a:fillRef idx="1">
+            <a:schemeClr val="accent1"/>
+          </a:fillRef>
+          <a:effectRef idx="0">
+            <a:schemeClr val="accent1"/>
+          </a:effectRef>
+          <a:fontRef idx="minor">
+            <a:schemeClr val="lt1"/>
+          </a:fontRef>
+        </p:style>
+        <p:txBody>
+          <a:bodyPr rtlCol="0" anchor="ctr"/>
+          <a:lstStyle/>
+          <a:p>
+            <a:pPr algn="ctr"/>
+            <a:r>
+              <a:rPr lang="de-DE">
+                <a:solidFill>
+                  <a:schemeClr val="tx1"/>
+                </a:solidFill>
+              </a:rPr>
+              <a:t>EvoController</a:t>
+            </a:r>
+          </a:p>
+        </p:txBody>
+      </p:sp>
+      <p:sp>
+        <p:nvSpPr>
+          <p:cNvPr id="25" name="Rechteck 24">
+            <a:extLst>
+              <a:ext uri="{FF2B5EF4-FFF2-40B4-BE49-F238E27FC236}">
+                <a16:creationId xmlns:a16="http://schemas.microsoft.com/office/drawing/2014/main" id="{D65A7BD7-BBCB-4656-8336-0C587EE291A2}"/>
+              </a:ext>
+            </a:extLst>
+          </p:cNvPr>
+          <p:cNvSpPr/>
+          <p:nvPr/>
+        </p:nvSpPr>
+        <p:spPr>
+          <a:xfrm>
+            <a:off x="1192665" y="8067967"/>
+            <a:ext cx="2068892" cy="469053"/>
+          </a:xfrm>
+          <a:prstGeom prst="rect">
+            <a:avLst/>
+          </a:prstGeom>
+          <a:noFill/>
+          <a:ln>
+            <a:noFill/>
+          </a:ln>
+        </p:spPr>
+        <p:style>
+          <a:lnRef idx="2">
+            <a:schemeClr val="accent1">
+              <a:shade val="50000"/>
+            </a:schemeClr>
+          </a:lnRef>
+          <a:fillRef idx="1">
+            <a:schemeClr val="accent1"/>
+          </a:fillRef>
+          <a:effectRef idx="0">
+            <a:schemeClr val="accent1"/>
+          </a:effectRef>
+          <a:fontRef idx="minor">
+            <a:schemeClr val="lt1"/>
+          </a:fontRef>
+        </p:style>
+        <p:txBody>
+          <a:bodyPr rtlCol="0" anchor="ctr"/>
+          <a:lstStyle/>
+          <a:p>
+            <a:pPr algn="ctr"/>
+            <a:r>
+              <a:rPr lang="de-DE" sz="1600">
+                <a:solidFill>
+                  <a:schemeClr val="tx1"/>
+                </a:solidFill>
+              </a:rPr>
+              <a:t>EvolutionCoreImpl</a:t>
+            </a:r>
+          </a:p>
+        </p:txBody>
+      </p:sp>
+      <p:sp>
+        <p:nvSpPr>
+          <p:cNvPr id="26" name="Rechteck 25">
+            <a:extLst>
+              <a:ext uri="{FF2B5EF4-FFF2-40B4-BE49-F238E27FC236}">
+                <a16:creationId xmlns:a16="http://schemas.microsoft.com/office/drawing/2014/main" id="{C4DE9DDE-B069-4852-8DEB-608B9327CF53}"/>
+              </a:ext>
+            </a:extLst>
+          </p:cNvPr>
+          <p:cNvSpPr/>
+          <p:nvPr/>
+        </p:nvSpPr>
+        <p:spPr>
+          <a:xfrm>
+            <a:off x="1189038" y="8400360"/>
+            <a:ext cx="2068892" cy="469053"/>
+          </a:xfrm>
+          <a:prstGeom prst="rect">
+            <a:avLst/>
+          </a:prstGeom>
+          <a:noFill/>
+          <a:ln>
+            <a:noFill/>
+          </a:ln>
+        </p:spPr>
+        <p:style>
+          <a:lnRef idx="2">
+            <a:schemeClr val="accent1">
+              <a:shade val="50000"/>
+            </a:schemeClr>
+          </a:lnRef>
+          <a:fillRef idx="1">
+            <a:schemeClr val="accent1"/>
+          </a:fillRef>
+          <a:effectRef idx="0">
+            <a:schemeClr val="accent1"/>
+          </a:effectRef>
+          <a:fontRef idx="minor">
+            <a:schemeClr val="lt1"/>
+          </a:fontRef>
+        </p:style>
+        <p:txBody>
+          <a:bodyPr rtlCol="0" anchor="ctr"/>
+          <a:lstStyle/>
+          <a:p>
+            <a:pPr algn="ctr"/>
+            <a:r>
+              <a:rPr lang="de-DE" sz="1600">
+                <a:solidFill>
+                  <a:schemeClr val="tx1"/>
+                </a:solidFill>
+              </a:rPr>
+              <a:t>Grid</a:t>
+            </a:r>
+          </a:p>
+        </p:txBody>
+      </p:sp>
+      <p:sp>
+        <p:nvSpPr>
+          <p:cNvPr id="30" name="Rechteck 29">
+            <a:extLst>
+              <a:ext uri="{FF2B5EF4-FFF2-40B4-BE49-F238E27FC236}">
+                <a16:creationId xmlns:a16="http://schemas.microsoft.com/office/drawing/2014/main" id="{12D9B80B-D0D2-4ACC-AC94-B169FEBE66C1}"/>
+              </a:ext>
+            </a:extLst>
+          </p:cNvPr>
+          <p:cNvSpPr/>
+          <p:nvPr/>
+        </p:nvSpPr>
+        <p:spPr>
+          <a:xfrm>
+            <a:off x="3763183" y="8043834"/>
+            <a:ext cx="2274186" cy="469053"/>
+          </a:xfrm>
+          <a:prstGeom prst="rect">
+            <a:avLst/>
+          </a:prstGeom>
+          <a:noFill/>
+          <a:ln>
+            <a:noFill/>
+          </a:ln>
+        </p:spPr>
+        <p:style>
+          <a:lnRef idx="2">
+            <a:schemeClr val="accent1">
+              <a:shade val="50000"/>
+            </a:schemeClr>
+          </a:lnRef>
+          <a:fillRef idx="1">
+            <a:schemeClr val="accent1"/>
+          </a:fillRef>
+          <a:effectRef idx="0">
+            <a:schemeClr val="accent1"/>
+          </a:effectRef>
+          <a:fontRef idx="minor">
+            <a:schemeClr val="lt1"/>
+          </a:fontRef>
+        </p:style>
+        <p:txBody>
+          <a:bodyPr rtlCol="0" anchor="ctr"/>
+          <a:lstStyle/>
+          <a:p>
+            <a:pPr algn="ctr"/>
+            <a:r>
+              <a:rPr lang="de-DE" sz="1600">
+                <a:solidFill>
+                  <a:schemeClr val="tx1"/>
+                </a:solidFill>
+              </a:rPr>
+              <a:t>EvolutionModelDataImpl</a:t>
+            </a:r>
+          </a:p>
+        </p:txBody>
+      </p:sp>
+      <p:sp>
+        <p:nvSpPr>
+          <p:cNvPr id="20" name="Rechteck 19">
+            <a:extLst>
+              <a:ext uri="{FF2B5EF4-FFF2-40B4-BE49-F238E27FC236}">
+                <a16:creationId xmlns:a16="http://schemas.microsoft.com/office/drawing/2014/main" id="{DCEF64AF-A505-4DE6-A952-5FFFC6B68E89}"/>
+              </a:ext>
+            </a:extLst>
+          </p:cNvPr>
+          <p:cNvSpPr/>
+          <p:nvPr/>
+        </p:nvSpPr>
+        <p:spPr>
+          <a:xfrm>
+            <a:off x="4004240" y="8403180"/>
+            <a:ext cx="1641263" cy="466664"/>
+          </a:xfrm>
+          <a:prstGeom prst="rect">
+            <a:avLst/>
+          </a:prstGeom>
+          <a:noFill/>
+          <a:ln>
+            <a:noFill/>
+          </a:ln>
+        </p:spPr>
+        <p:style>
+          <a:lnRef idx="2">
+            <a:schemeClr val="accent1">
+              <a:shade val="50000"/>
+            </a:schemeClr>
+          </a:lnRef>
+          <a:fillRef idx="1">
+            <a:schemeClr val="accent1"/>
+          </a:fillRef>
+          <a:effectRef idx="0">
+            <a:schemeClr val="accent1"/>
+          </a:effectRef>
+          <a:fontRef idx="minor">
+            <a:schemeClr val="lt1"/>
+          </a:fontRef>
+        </p:style>
+        <p:txBody>
+          <a:bodyPr rtlCol="0" anchor="ctr"/>
+          <a:lstStyle/>
+          <a:p>
+            <a:pPr algn="ctr"/>
+            <a:r>
+              <a:rPr lang="de-DE" sz="1600">
+                <a:solidFill>
+                  <a:schemeClr val="tx1"/>
+                </a:solidFill>
+              </a:rPr>
+              <a:t>EditorState</a:t>
+            </a:r>
+          </a:p>
+        </p:txBody>
+      </p:sp>
+      <p:sp>
+        <p:nvSpPr>
+          <p:cNvPr id="32" name="Rechteck 31">
+            <a:extLst>
+              <a:ext uri="{FF2B5EF4-FFF2-40B4-BE49-F238E27FC236}">
+                <a16:creationId xmlns:a16="http://schemas.microsoft.com/office/drawing/2014/main" id="{BC68F7EB-4237-46C5-AE8E-590B871F93BA}"/>
+              </a:ext>
+            </a:extLst>
+          </p:cNvPr>
+          <p:cNvSpPr/>
+          <p:nvPr/>
+        </p:nvSpPr>
+        <p:spPr>
+          <a:xfrm>
+            <a:off x="6067822" y="8018074"/>
+            <a:ext cx="433493" cy="469053"/>
+          </a:xfrm>
+          <a:prstGeom prst="rect">
+            <a:avLst/>
+          </a:prstGeom>
+          <a:solidFill>
+            <a:schemeClr val="bg1"/>
+          </a:solidFill>
+        </p:spPr>
+        <p:style>
+          <a:lnRef idx="2">
+            <a:schemeClr val="accent1">
+              <a:shade val="50000"/>
+            </a:schemeClr>
+          </a:lnRef>
+          <a:fillRef idx="1">
+            <a:schemeClr val="accent1"/>
+          </a:fillRef>
+          <a:effectRef idx="0">
+            <a:schemeClr val="accent1"/>
+          </a:effectRef>
+          <a:fontRef idx="minor">
+            <a:schemeClr val="lt1"/>
+          </a:fontRef>
+        </p:style>
+        <p:txBody>
+          <a:bodyPr rtlCol="0" anchor="ctr"/>
+          <a:lstStyle/>
+          <a:p>
+            <a:pPr algn="ctr"/>
+            <a:r>
+              <a:rPr lang="de-DE">
+                <a:solidFill>
+                  <a:schemeClr val="tx1"/>
+                </a:solidFill>
+              </a:rPr>
+              <a:t>2</a:t>
             </a:r>
           </a:p>
         </p:txBody>
@@ -4555,4 +5519,299 @@
     </a:ext>
   </a:extLst>
 </a:theme>
+</file>
+
+<file path=ppt/theme/theme2.xml><?xml version="1.0" encoding="utf-8"?>
+<a:theme xmlns:a="http://schemas.openxmlformats.org/drawingml/2006/main" name="Office">
+  <a:themeElements>
+    <a:clrScheme name="Office">
+      <a:dk1>
+        <a:sysClr val="windowText" lastClr="000000"/>
+      </a:dk1>
+      <a:lt1>
+        <a:sysClr val="window" lastClr="FFFFFF"/>
+      </a:lt1>
+      <a:dk2>
+        <a:srgbClr val="44546A"/>
+      </a:dk2>
+      <a:lt2>
+        <a:srgbClr val="E7E6E6"/>
+      </a:lt2>
+      <a:accent1>
+        <a:srgbClr val="4472C4"/>
+      </a:accent1>
+      <a:accent2>
+        <a:srgbClr val="ED7D31"/>
+      </a:accent2>
+      <a:accent3>
+        <a:srgbClr val="A5A5A5"/>
+      </a:accent3>
+      <a:accent4>
+        <a:srgbClr val="FFC000"/>
+      </a:accent4>
+      <a:accent5>
+        <a:srgbClr val="5B9BD5"/>
+      </a:accent5>
+      <a:accent6>
+        <a:srgbClr val="70AD47"/>
+      </a:accent6>
+      <a:hlink>
+        <a:srgbClr val="0563C1"/>
+      </a:hlink>
+      <a:folHlink>
+        <a:srgbClr val="954F72"/>
+      </a:folHlink>
+    </a:clrScheme>
+    <a:fontScheme name="Office">
+      <a:majorFont>
+        <a:latin typeface="Calibri Light" panose="020F0302020204030204"/>
+        <a:ea typeface=""/>
+        <a:cs typeface=""/>
+        <a:font script="Jpan" typeface="游ゴシック Light"/>
+        <a:font script="Hang" typeface="맑은 고딕"/>
+        <a:font script="Hans" typeface="等线 Light"/>
+        <a:font script="Hant" typeface="新細明體"/>
+        <a:font script="Arab" typeface="Times New Roman"/>
+        <a:font script="Hebr" typeface="Times New Roman"/>
+        <a:font script="Thai" typeface="Angsana New"/>
+        <a:font script="Ethi" typeface="Nyala"/>
+        <a:font script="Beng" typeface="Vrinda"/>
+        <a:font script="Gujr" typeface="Shruti"/>
+        <a:font script="Khmr" typeface="MoolBoran"/>
+        <a:font script="Knda" typeface="Tunga"/>
+        <a:font script="Guru" typeface="Raavi"/>
+        <a:font script="Cans" typeface="Euphemia"/>
+        <a:font script="Cher" typeface="Plantagenet Cherokee"/>
+        <a:font script="Yiii" typeface="Microsoft Yi Baiti"/>
+        <a:font script="Tibt" typeface="Microsoft Himalaya"/>
+        <a:font script="Thaa" typeface="MV Boli"/>
+        <a:font script="Deva" typeface="Mangal"/>
+        <a:font script="Telu" typeface="Gautami"/>
+        <a:font script="Taml" typeface="Latha"/>
+        <a:font script="Syrc" typeface="Estrangelo Edessa"/>
+        <a:font script="Orya" typeface="Kalinga"/>
+        <a:font script="Mlym" typeface="Kartika"/>
+        <a:font script="Laoo" typeface="DokChampa"/>
+        <a:font script="Sinh" typeface="Iskoola Pota"/>
+        <a:font script="Mong" typeface="Mongolian Baiti"/>
+        <a:font script="Viet" typeface="Times New Roman"/>
+        <a:font script="Uigh" typeface="Microsoft Uighur"/>
+        <a:font script="Geor" typeface="Sylfaen"/>
+        <a:font script="Armn" typeface="Arial"/>
+        <a:font script="Bugi" typeface="Leelawadee UI"/>
+        <a:font script="Bopo" typeface="Microsoft JhengHei"/>
+        <a:font script="Java" typeface="Javanese Text"/>
+        <a:font script="Lisu" typeface="Segoe UI"/>
+        <a:font script="Mymr" typeface="Myanmar Text"/>
+        <a:font script="Nkoo" typeface="Ebrima"/>
+        <a:font script="Olck" typeface="Nirmala UI"/>
+        <a:font script="Osma" typeface="Ebrima"/>
+        <a:font script="Phag" typeface="Phagspa"/>
+        <a:font script="Syrn" typeface="Estrangelo Edessa"/>
+        <a:font script="Syrj" typeface="Estrangelo Edessa"/>
+        <a:font script="Syre" typeface="Estrangelo Edessa"/>
+        <a:font script="Sora" typeface="Nirmala UI"/>
+        <a:font script="Tale" typeface="Microsoft Tai Le"/>
+        <a:font script="Talu" typeface="Microsoft New Tai Lue"/>
+        <a:font script="Tfng" typeface="Ebrima"/>
+      </a:majorFont>
+      <a:minorFont>
+        <a:latin typeface="Calibri" panose="020F0502020204030204"/>
+        <a:ea typeface=""/>
+        <a:cs typeface=""/>
+        <a:font script="Jpan" typeface="游ゴシック"/>
+        <a:font script="Hang" typeface="맑은 고딕"/>
+        <a:font script="Hans" typeface="等线"/>
+        <a:font script="Hant" typeface="新細明體"/>
+        <a:font script="Arab" typeface="Arial"/>
+        <a:font script="Hebr" typeface="Arial"/>
+        <a:font script="Thai" typeface="Cordia New"/>
+        <a:font script="Ethi" typeface="Nyala"/>
+        <a:font script="Beng" typeface="Vrinda"/>
+        <a:font script="Gujr" typeface="Shruti"/>
+        <a:font script="Khmr" typeface="DaunPenh"/>
+        <a:font script="Knda" typeface="Tunga"/>
+        <a:font script="Guru" typeface="Raavi"/>
+        <a:font script="Cans" typeface="Euphemia"/>
+        <a:font script="Cher" typeface="Plantagenet Cherokee"/>
+        <a:font script="Yiii" typeface="Microsoft Yi Baiti"/>
+        <a:font script="Tibt" typeface="Microsoft Himalaya"/>
+        <a:font script="Thaa" typeface="MV Boli"/>
+        <a:font script="Deva" typeface="Mangal"/>
+        <a:font script="Telu" typeface="Gautami"/>
+        <a:font script="Taml" typeface="Latha"/>
+        <a:font script="Syrc" typeface="Estrangelo Edessa"/>
+        <a:font script="Orya" typeface="Kalinga"/>
+        <a:font script="Mlym" typeface="Kartika"/>
+        <a:font script="Laoo" typeface="DokChampa"/>
+        <a:font script="Sinh" typeface="Iskoola Pota"/>
+        <a:font script="Mong" typeface="Mongolian Baiti"/>
+        <a:font script="Viet" typeface="Arial"/>
+        <a:font script="Uigh" typeface="Microsoft Uighur"/>
+        <a:font script="Geor" typeface="Sylfaen"/>
+        <a:font script="Armn" typeface="Arial"/>
+        <a:font script="Bugi" typeface="Leelawadee UI"/>
+        <a:font script="Bopo" typeface="Microsoft JhengHei"/>
+        <a:font script="Java" typeface="Javanese Text"/>
+        <a:font script="Lisu" typeface="Segoe UI"/>
+        <a:font script="Mymr" typeface="Myanmar Text"/>
+        <a:font script="Nkoo" typeface="Ebrima"/>
+        <a:font script="Olck" typeface="Nirmala UI"/>
+        <a:font script="Osma" typeface="Ebrima"/>
+        <a:font script="Phag" typeface="Phagspa"/>
+        <a:font script="Syrn" typeface="Estrangelo Edessa"/>
+        <a:font script="Syrj" typeface="Estrangelo Edessa"/>
+        <a:font script="Syre" typeface="Estrangelo Edessa"/>
+        <a:font script="Sora" typeface="Nirmala UI"/>
+        <a:font script="Tale" typeface="Microsoft Tai Le"/>
+        <a:font script="Talu" typeface="Microsoft New Tai Lue"/>
+        <a:font script="Tfng" typeface="Ebrima"/>
+      </a:minorFont>
+    </a:fontScheme>
+    <a:fmtScheme name="Office">
+      <a:fillStyleLst>
+        <a:solidFill>
+          <a:schemeClr val="phClr"/>
+        </a:solidFill>
+        <a:gradFill rotWithShape="1">
+          <a:gsLst>
+            <a:gs pos="0">
+              <a:schemeClr val="phClr">
+                <a:lumMod val="110000"/>
+                <a:satMod val="105000"/>
+                <a:tint val="67000"/>
+              </a:schemeClr>
+            </a:gs>
+            <a:gs pos="50000">
+              <a:schemeClr val="phClr">
+                <a:lumMod val="105000"/>
+                <a:satMod val="103000"/>
+                <a:tint val="73000"/>
+              </a:schemeClr>
+            </a:gs>
+            <a:gs pos="100000">
+              <a:schemeClr val="phClr">
+                <a:lumMod val="105000"/>
+                <a:satMod val="109000"/>
+                <a:tint val="81000"/>
+              </a:schemeClr>
+            </a:gs>
+          </a:gsLst>
+          <a:lin ang="5400000" scaled="0"/>
+        </a:gradFill>
+        <a:gradFill rotWithShape="1">
+          <a:gsLst>
+            <a:gs pos="0">
+              <a:schemeClr val="phClr">
+                <a:satMod val="103000"/>
+                <a:lumMod val="102000"/>
+                <a:tint val="94000"/>
+              </a:schemeClr>
+            </a:gs>
+            <a:gs pos="50000">
+              <a:schemeClr val="phClr">
+                <a:satMod val="110000"/>
+                <a:lumMod val="100000"/>
+                <a:shade val="100000"/>
+              </a:schemeClr>
+            </a:gs>
+            <a:gs pos="100000">
+              <a:schemeClr val="phClr">
+                <a:lumMod val="99000"/>
+                <a:satMod val="120000"/>
+                <a:shade val="78000"/>
+              </a:schemeClr>
+            </a:gs>
+          </a:gsLst>
+          <a:lin ang="5400000" scaled="0"/>
+        </a:gradFill>
+      </a:fillStyleLst>
+      <a:lnStyleLst>
+        <a:ln w="6350" cap="flat" cmpd="sng" algn="ctr">
+          <a:solidFill>
+            <a:schemeClr val="phClr"/>
+          </a:solidFill>
+          <a:prstDash val="solid"/>
+          <a:miter lim="800000"/>
+        </a:ln>
+        <a:ln w="12700" cap="flat" cmpd="sng" algn="ctr">
+          <a:solidFill>
+            <a:schemeClr val="phClr"/>
+          </a:solidFill>
+          <a:prstDash val="solid"/>
+          <a:miter lim="800000"/>
+        </a:ln>
+        <a:ln w="19050" cap="flat" cmpd="sng" algn="ctr">
+          <a:solidFill>
+            <a:schemeClr val="phClr"/>
+          </a:solidFill>
+          <a:prstDash val="solid"/>
+          <a:miter lim="800000"/>
+        </a:ln>
+      </a:lnStyleLst>
+      <a:effectStyleLst>
+        <a:effectStyle>
+          <a:effectLst/>
+        </a:effectStyle>
+        <a:effectStyle>
+          <a:effectLst/>
+        </a:effectStyle>
+        <a:effectStyle>
+          <a:effectLst>
+            <a:outerShdw blurRad="57150" dist="19050" dir="5400000" algn="ctr" rotWithShape="0">
+              <a:srgbClr val="000000">
+                <a:alpha val="63000"/>
+              </a:srgbClr>
+            </a:outerShdw>
+          </a:effectLst>
+        </a:effectStyle>
+      </a:effectStyleLst>
+      <a:bgFillStyleLst>
+        <a:solidFill>
+          <a:schemeClr val="phClr"/>
+        </a:solidFill>
+        <a:solidFill>
+          <a:schemeClr val="phClr">
+            <a:tint val="95000"/>
+            <a:satMod val="170000"/>
+          </a:schemeClr>
+        </a:solidFill>
+        <a:gradFill rotWithShape="1">
+          <a:gsLst>
+            <a:gs pos="0">
+              <a:schemeClr val="phClr">
+                <a:tint val="93000"/>
+                <a:satMod val="150000"/>
+                <a:shade val="98000"/>
+                <a:lumMod val="102000"/>
+              </a:schemeClr>
+            </a:gs>
+            <a:gs pos="50000">
+              <a:schemeClr val="phClr">
+                <a:tint val="98000"/>
+                <a:satMod val="130000"/>
+                <a:shade val="90000"/>
+                <a:lumMod val="103000"/>
+              </a:schemeClr>
+            </a:gs>
+            <a:gs pos="100000">
+              <a:schemeClr val="phClr">
+                <a:shade val="63000"/>
+                <a:satMod val="120000"/>
+              </a:schemeClr>
+            </a:gs>
+          </a:gsLst>
+          <a:lin ang="5400000" scaled="0"/>
+        </a:gradFill>
+      </a:bgFillStyleLst>
+    </a:fmtScheme>
+  </a:themeElements>
+  <a:objectDefaults/>
+  <a:extraClrSchemeLst/>
+  <a:extLst>
+    <a:ext uri="{05A4C25C-085E-4340-85A3-A5531E510DB2}">
+      <thm15:themeFamily xmlns:thm15="http://schemas.microsoft.com/office/thememl/2012/main" name="Office Theme" id="{62F939B6-93AF-4DB8-9C6B-D6C7DFDC589F}" vid="{4A3C46E8-61CC-4603-A589-7422A47A8E4A}"/>
+    </a:ext>
+  </a:extLst>
+</a:theme>
 </file>
--- a/Evolution_Architecture.pptx
+++ b/Evolution_Architecture.pptx
@@ -197,7 +197,7 @@
           <a:p>
             <a:fld id="{B44CFCBC-DDDD-4E13-8051-469835F94031}" type="datetimeFigureOut">
               <a:rPr lang="de-DE" smtClean="0"/>
-              <a:t>24.07.2018</a:t>
+              <a:t>26.07.2018</a:t>
             </a:fld>
             <a:endParaRPr lang="de-DE"/>
           </a:p>
@@ -679,7 +679,7 @@
           <a:p>
             <a:fld id="{E9C158C0-7942-4C90-83FA-4FE017085481}" type="datetimeFigureOut">
               <a:rPr lang="de-DE" smtClean="0"/>
-              <a:t>24.07.2018</a:t>
+              <a:t>26.07.2018</a:t>
             </a:fld>
             <a:endParaRPr lang="de-DE"/>
           </a:p>
@@ -849,7 +849,7 @@
           <a:p>
             <a:fld id="{E9C158C0-7942-4C90-83FA-4FE017085481}" type="datetimeFigureOut">
               <a:rPr lang="de-DE" smtClean="0"/>
-              <a:t>24.07.2018</a:t>
+              <a:t>26.07.2018</a:t>
             </a:fld>
             <a:endParaRPr lang="de-DE"/>
           </a:p>
@@ -1029,7 +1029,7 @@
           <a:p>
             <a:fld id="{E9C158C0-7942-4C90-83FA-4FE017085481}" type="datetimeFigureOut">
               <a:rPr lang="de-DE" smtClean="0"/>
-              <a:t>24.07.2018</a:t>
+              <a:t>26.07.2018</a:t>
             </a:fld>
             <a:endParaRPr lang="de-DE"/>
           </a:p>
@@ -1199,7 +1199,7 @@
           <a:p>
             <a:fld id="{E9C158C0-7942-4C90-83FA-4FE017085481}" type="datetimeFigureOut">
               <a:rPr lang="de-DE" smtClean="0"/>
-              <a:t>24.07.2018</a:t>
+              <a:t>26.07.2018</a:t>
             </a:fld>
             <a:endParaRPr lang="de-DE"/>
           </a:p>
@@ -1443,7 +1443,7 @@
           <a:p>
             <a:fld id="{E9C158C0-7942-4C90-83FA-4FE017085481}" type="datetimeFigureOut">
               <a:rPr lang="de-DE" smtClean="0"/>
-              <a:t>24.07.2018</a:t>
+              <a:t>26.07.2018</a:t>
             </a:fld>
             <a:endParaRPr lang="de-DE"/>
           </a:p>
@@ -1675,7 +1675,7 @@
           <a:p>
             <a:fld id="{E9C158C0-7942-4C90-83FA-4FE017085481}" type="datetimeFigureOut">
               <a:rPr lang="de-DE" smtClean="0"/>
-              <a:t>24.07.2018</a:t>
+              <a:t>26.07.2018</a:t>
             </a:fld>
             <a:endParaRPr lang="de-DE"/>
           </a:p>
@@ -2042,7 +2042,7 @@
           <a:p>
             <a:fld id="{E9C158C0-7942-4C90-83FA-4FE017085481}" type="datetimeFigureOut">
               <a:rPr lang="de-DE" smtClean="0"/>
-              <a:t>24.07.2018</a:t>
+              <a:t>26.07.2018</a:t>
             </a:fld>
             <a:endParaRPr lang="de-DE"/>
           </a:p>
@@ -2160,7 +2160,7 @@
           <a:p>
             <a:fld id="{E9C158C0-7942-4C90-83FA-4FE017085481}" type="datetimeFigureOut">
               <a:rPr lang="de-DE" smtClean="0"/>
-              <a:t>24.07.2018</a:t>
+              <a:t>26.07.2018</a:t>
             </a:fld>
             <a:endParaRPr lang="de-DE"/>
           </a:p>
@@ -2255,7 +2255,7 @@
           <a:p>
             <a:fld id="{E9C158C0-7942-4C90-83FA-4FE017085481}" type="datetimeFigureOut">
               <a:rPr lang="de-DE" smtClean="0"/>
-              <a:t>24.07.2018</a:t>
+              <a:t>26.07.2018</a:t>
             </a:fld>
             <a:endParaRPr lang="de-DE"/>
           </a:p>
@@ -2532,7 +2532,7 @@
           <a:p>
             <a:fld id="{E9C158C0-7942-4C90-83FA-4FE017085481}" type="datetimeFigureOut">
               <a:rPr lang="de-DE" smtClean="0"/>
-              <a:t>24.07.2018</a:t>
+              <a:t>26.07.2018</a:t>
             </a:fld>
             <a:endParaRPr lang="de-DE"/>
           </a:p>
@@ -2789,7 +2789,7 @@
           <a:p>
             <a:fld id="{E9C158C0-7942-4C90-83FA-4FE017085481}" type="datetimeFigureOut">
               <a:rPr lang="de-DE" smtClean="0"/>
-              <a:t>24.07.2018</a:t>
+              <a:t>26.07.2018</a:t>
             </a:fld>
             <a:endParaRPr lang="de-DE"/>
           </a:p>
@@ -3002,7 +3002,7 @@
           <a:p>
             <a:fld id="{E9C158C0-7942-4C90-83FA-4FE017085481}" type="datetimeFigureOut">
               <a:rPr lang="de-DE" smtClean="0"/>
-              <a:t>24.07.2018</a:t>
+              <a:t>26.07.2018</a:t>
             </a:fld>
             <a:endParaRPr lang="de-DE"/>
           </a:p>
@@ -3809,7 +3809,7 @@
                   <a:schemeClr val="tx1"/>
                 </a:solidFill>
               </a:rPr>
-              <a:t>HistorySystem (Interface)</a:t>
+              <a:t>HistorySystem (abstract class)</a:t>
             </a:r>
           </a:p>
           <a:p>
@@ -3841,7 +3841,7 @@
                   <a:schemeClr val="tx1"/>
                 </a:solidFill>
               </a:rPr>
-              <a:t>      ModelData (Interface)</a:t>
+              <a:t>      ModelData (abstract class)</a:t>
             </a:r>
           </a:p>
         </p:txBody>
@@ -4775,7 +4775,7 @@
                   <a:schemeClr val="tx1"/>
                 </a:solidFill>
               </a:rPr>
-              <a:t>EvolutionModelData (Interface)</a:t>
+              <a:t>EvolutionModelData (abstract class)</a:t>
             </a:r>
           </a:p>
         </p:txBody>
@@ -4891,7 +4891,7 @@
                   <a:schemeClr val="tx1"/>
                 </a:solidFill>
               </a:rPr>
-              <a:t>EvolutionCore (Interface)</a:t>
+              <a:t>EvolutionCore (abstract class)</a:t>
             </a:r>
           </a:p>
         </p:txBody>

--- a/Evolution_Architecture.pptx
+++ b/Evolution_Architecture.pptx
@@ -197,7 +197,7 @@
           <a:p>
             <a:fld id="{B44CFCBC-DDDD-4E13-8051-469835F94031}" type="datetimeFigureOut">
               <a:rPr lang="de-DE" smtClean="0"/>
-              <a:t>26.07.2018</a:t>
+              <a:t>13.08.2018</a:t>
             </a:fld>
             <a:endParaRPr lang="de-DE"/>
           </a:p>
@@ -679,7 +679,7 @@
           <a:p>
             <a:fld id="{E9C158C0-7942-4C90-83FA-4FE017085481}" type="datetimeFigureOut">
               <a:rPr lang="de-DE" smtClean="0"/>
-              <a:t>26.07.2018</a:t>
+              <a:t>13.08.2018</a:t>
             </a:fld>
             <a:endParaRPr lang="de-DE"/>
           </a:p>
@@ -849,7 +849,7 @@
           <a:p>
             <a:fld id="{E9C158C0-7942-4C90-83FA-4FE017085481}" type="datetimeFigureOut">
               <a:rPr lang="de-DE" smtClean="0"/>
-              <a:t>26.07.2018</a:t>
+              <a:t>13.08.2018</a:t>
             </a:fld>
             <a:endParaRPr lang="de-DE"/>
           </a:p>
@@ -1029,7 +1029,7 @@
           <a:p>
             <a:fld id="{E9C158C0-7942-4C90-83FA-4FE017085481}" type="datetimeFigureOut">
               <a:rPr lang="de-DE" smtClean="0"/>
-              <a:t>26.07.2018</a:t>
+              <a:t>13.08.2018</a:t>
             </a:fld>
             <a:endParaRPr lang="de-DE"/>
           </a:p>
@@ -1199,7 +1199,7 @@
           <a:p>
             <a:fld id="{E9C158C0-7942-4C90-83FA-4FE017085481}" type="datetimeFigureOut">
               <a:rPr lang="de-DE" smtClean="0"/>
-              <a:t>26.07.2018</a:t>
+              <a:t>13.08.2018</a:t>
             </a:fld>
             <a:endParaRPr lang="de-DE"/>
           </a:p>
@@ -1443,7 +1443,7 @@
           <a:p>
             <a:fld id="{E9C158C0-7942-4C90-83FA-4FE017085481}" type="datetimeFigureOut">
               <a:rPr lang="de-DE" smtClean="0"/>
-              <a:t>26.07.2018</a:t>
+              <a:t>13.08.2018</a:t>
             </a:fld>
             <a:endParaRPr lang="de-DE"/>
           </a:p>
@@ -1675,7 +1675,7 @@
           <a:p>
             <a:fld id="{E9C158C0-7942-4C90-83FA-4FE017085481}" type="datetimeFigureOut">
               <a:rPr lang="de-DE" smtClean="0"/>
-              <a:t>26.07.2018</a:t>
+              <a:t>13.08.2018</a:t>
             </a:fld>
             <a:endParaRPr lang="de-DE"/>
           </a:p>
@@ -2042,7 +2042,7 @@
           <a:p>
             <a:fld id="{E9C158C0-7942-4C90-83FA-4FE017085481}" type="datetimeFigureOut">
               <a:rPr lang="de-DE" smtClean="0"/>
-              <a:t>26.07.2018</a:t>
+              <a:t>13.08.2018</a:t>
             </a:fld>
             <a:endParaRPr lang="de-DE"/>
           </a:p>
@@ -2160,7 +2160,7 @@
           <a:p>
             <a:fld id="{E9C158C0-7942-4C90-83FA-4FE017085481}" type="datetimeFigureOut">
               <a:rPr lang="de-DE" smtClean="0"/>
-              <a:t>26.07.2018</a:t>
+              <a:t>13.08.2018</a:t>
             </a:fld>
             <a:endParaRPr lang="de-DE"/>
           </a:p>
@@ -2255,7 +2255,7 @@
           <a:p>
             <a:fld id="{E9C158C0-7942-4C90-83FA-4FE017085481}" type="datetimeFigureOut">
               <a:rPr lang="de-DE" smtClean="0"/>
-              <a:t>26.07.2018</a:t>
+              <a:t>13.08.2018</a:t>
             </a:fld>
             <a:endParaRPr lang="de-DE"/>
           </a:p>
@@ -2532,7 +2532,7 @@
           <a:p>
             <a:fld id="{E9C158C0-7942-4C90-83FA-4FE017085481}" type="datetimeFigureOut">
               <a:rPr lang="de-DE" smtClean="0"/>
-              <a:t>26.07.2018</a:t>
+              <a:t>13.08.2018</a:t>
             </a:fld>
             <a:endParaRPr lang="de-DE"/>
           </a:p>
@@ -2789,7 +2789,7 @@
           <a:p>
             <a:fld id="{E9C158C0-7942-4C90-83FA-4FE017085481}" type="datetimeFigureOut">
               <a:rPr lang="de-DE" smtClean="0"/>
-              <a:t>26.07.2018</a:t>
+              <a:t>13.08.2018</a:t>
             </a:fld>
             <a:endParaRPr lang="de-DE"/>
           </a:p>
@@ -3002,7 +3002,7 @@
           <a:p>
             <a:fld id="{E9C158C0-7942-4C90-83FA-4FE017085481}" type="datetimeFigureOut">
               <a:rPr lang="de-DE" smtClean="0"/>
-              <a:t>26.07.2018</a:t>
+              <a:t>13.08.2018</a:t>
             </a:fld>
             <a:endParaRPr lang="de-DE"/>
           </a:p>

--- a/Evolution_Architecture.pptx
+++ b/Evolution_Architecture.pptx
@@ -197,7 +197,7 @@
           <a:p>
             <a:fld id="{B44CFCBC-DDDD-4E13-8051-469835F94031}" type="datetimeFigureOut">
               <a:rPr lang="de-DE" smtClean="0"/>
-              <a:t>13.08.2018</a:t>
+              <a:t>25.08.2018</a:t>
             </a:fld>
             <a:endParaRPr lang="de-DE"/>
           </a:p>
@@ -679,7 +679,7 @@
           <a:p>
             <a:fld id="{E9C158C0-7942-4C90-83FA-4FE017085481}" type="datetimeFigureOut">
               <a:rPr lang="de-DE" smtClean="0"/>
-              <a:t>13.08.2018</a:t>
+              <a:t>25.08.2018</a:t>
             </a:fld>
             <a:endParaRPr lang="de-DE"/>
           </a:p>
@@ -849,7 +849,7 @@
           <a:p>
             <a:fld id="{E9C158C0-7942-4C90-83FA-4FE017085481}" type="datetimeFigureOut">
               <a:rPr lang="de-DE" smtClean="0"/>
-              <a:t>13.08.2018</a:t>
+              <a:t>25.08.2018</a:t>
             </a:fld>
             <a:endParaRPr lang="de-DE"/>
           </a:p>
@@ -1029,7 +1029,7 @@
           <a:p>
             <a:fld id="{E9C158C0-7942-4C90-83FA-4FE017085481}" type="datetimeFigureOut">
               <a:rPr lang="de-DE" smtClean="0"/>
-              <a:t>13.08.2018</a:t>
+              <a:t>25.08.2018</a:t>
             </a:fld>
             <a:endParaRPr lang="de-DE"/>
           </a:p>
@@ -1199,7 +1199,7 @@
           <a:p>
             <a:fld id="{E9C158C0-7942-4C90-83FA-4FE017085481}" type="datetimeFigureOut">
               <a:rPr lang="de-DE" smtClean="0"/>
-              <a:t>13.08.2018</a:t>
+              <a:t>25.08.2018</a:t>
             </a:fld>
             <a:endParaRPr lang="de-DE"/>
           </a:p>
@@ -1443,7 +1443,7 @@
           <a:p>
             <a:fld id="{E9C158C0-7942-4C90-83FA-4FE017085481}" type="datetimeFigureOut">
               <a:rPr lang="de-DE" smtClean="0"/>
-              <a:t>13.08.2018</a:t>
+              <a:t>25.08.2018</a:t>
             </a:fld>
             <a:endParaRPr lang="de-DE"/>
           </a:p>
@@ -1675,7 +1675,7 @@
           <a:p>
             <a:fld id="{E9C158C0-7942-4C90-83FA-4FE017085481}" type="datetimeFigureOut">
               <a:rPr lang="de-DE" smtClean="0"/>
-              <a:t>13.08.2018</a:t>
+              <a:t>25.08.2018</a:t>
             </a:fld>
             <a:endParaRPr lang="de-DE"/>
           </a:p>
@@ -2042,7 +2042,7 @@
           <a:p>
             <a:fld id="{E9C158C0-7942-4C90-83FA-4FE017085481}" type="datetimeFigureOut">
               <a:rPr lang="de-DE" smtClean="0"/>
-              <a:t>13.08.2018</a:t>
+              <a:t>25.08.2018</a:t>
             </a:fld>
             <a:endParaRPr lang="de-DE"/>
           </a:p>
@@ -2160,7 +2160,7 @@
           <a:p>
             <a:fld id="{E9C158C0-7942-4C90-83FA-4FE017085481}" type="datetimeFigureOut">
               <a:rPr lang="de-DE" smtClean="0"/>
-              <a:t>13.08.2018</a:t>
+              <a:t>25.08.2018</a:t>
             </a:fld>
             <a:endParaRPr lang="de-DE"/>
           </a:p>
@@ -2255,7 +2255,7 @@
           <a:p>
             <a:fld id="{E9C158C0-7942-4C90-83FA-4FE017085481}" type="datetimeFigureOut">
               <a:rPr lang="de-DE" smtClean="0"/>
-              <a:t>13.08.2018</a:t>
+              <a:t>25.08.2018</a:t>
             </a:fld>
             <a:endParaRPr lang="de-DE"/>
           </a:p>
@@ -2532,7 +2532,7 @@
           <a:p>
             <a:fld id="{E9C158C0-7942-4C90-83FA-4FE017085481}" type="datetimeFigureOut">
               <a:rPr lang="de-DE" smtClean="0"/>
-              <a:t>13.08.2018</a:t>
+              <a:t>25.08.2018</a:t>
             </a:fld>
             <a:endParaRPr lang="de-DE"/>
           </a:p>
@@ -2789,7 +2789,7 @@
           <a:p>
             <a:fld id="{E9C158C0-7942-4C90-83FA-4FE017085481}" type="datetimeFigureOut">
               <a:rPr lang="de-DE" smtClean="0"/>
-              <a:t>13.08.2018</a:t>
+              <a:t>25.08.2018</a:t>
             </a:fld>
             <a:endParaRPr lang="de-DE"/>
           </a:p>
@@ -3002,7 +3002,7 @@
           <a:p>
             <a:fld id="{E9C158C0-7942-4C90-83FA-4FE017085481}" type="datetimeFigureOut">
               <a:rPr lang="de-DE" smtClean="0"/>
-              <a:t>13.08.2018</a:t>
+              <a:t>25.08.2018</a:t>
             </a:fld>
             <a:endParaRPr lang="de-DE"/>
           </a:p>
@@ -3715,7 +3715,7 @@
                   <a:schemeClr val="tx1"/>
                 </a:solidFill>
               </a:rPr>
-              <a:t>                    </a:t>
+              <a:t>                   </a:t>
             </a:r>
             <a:r>
               <a:rPr lang="de-DE" sz="1600">
@@ -3723,7 +3723,7 @@
                   <a:schemeClr val="tx1"/>
                 </a:solidFill>
               </a:rPr>
-              <a:t>EvoHistorySys</a:t>
+              <a:t>EvoHistorySysGlue</a:t>
             </a:r>
             <a:endParaRPr lang="de-DE" sz="1200">
               <a:solidFill>
@@ -4705,7 +4705,7 @@
                   <a:schemeClr val="tx1"/>
                 </a:solidFill>
               </a:rPr>
-              <a:t>                       </a:t>
+              <a:t>                 </a:t>
             </a:r>
             <a:r>
               <a:rPr lang="de-DE" sz="1600">
@@ -4713,7 +4713,7 @@
                   <a:schemeClr val="tx1"/>
                 </a:solidFill>
               </a:rPr>
-              <a:t>EvoModelData</a:t>
+              <a:t>EvoModelDataGlue</a:t>
             </a:r>
             <a:endParaRPr lang="de-DE" sz="1200">
               <a:solidFill>

--- a/Evolution_Architecture.pptx
+++ b/Evolution_Architecture.pptx
@@ -197,7 +197,7 @@
           <a:p>
             <a:fld id="{B44CFCBC-DDDD-4E13-8051-469835F94031}" type="datetimeFigureOut">
               <a:rPr lang="de-DE" smtClean="0"/>
-              <a:t>25.08.2018</a:t>
+              <a:t>04.09.2018</a:t>
             </a:fld>
             <a:endParaRPr lang="de-DE"/>
           </a:p>
@@ -679,7 +679,7 @@
           <a:p>
             <a:fld id="{E9C158C0-7942-4C90-83FA-4FE017085481}" type="datetimeFigureOut">
               <a:rPr lang="de-DE" smtClean="0"/>
-              <a:t>25.08.2018</a:t>
+              <a:t>04.09.2018</a:t>
             </a:fld>
             <a:endParaRPr lang="de-DE"/>
           </a:p>
@@ -849,7 +849,7 @@
           <a:p>
             <a:fld id="{E9C158C0-7942-4C90-83FA-4FE017085481}" type="datetimeFigureOut">
               <a:rPr lang="de-DE" smtClean="0"/>
-              <a:t>25.08.2018</a:t>
+              <a:t>04.09.2018</a:t>
             </a:fld>
             <a:endParaRPr lang="de-DE"/>
           </a:p>
@@ -1029,7 +1029,7 @@
           <a:p>
             <a:fld id="{E9C158C0-7942-4C90-83FA-4FE017085481}" type="datetimeFigureOut">
               <a:rPr lang="de-DE" smtClean="0"/>
-              <a:t>25.08.2018</a:t>
+              <a:t>04.09.2018</a:t>
             </a:fld>
             <a:endParaRPr lang="de-DE"/>
           </a:p>
@@ -1199,7 +1199,7 @@
           <a:p>
             <a:fld id="{E9C158C0-7942-4C90-83FA-4FE017085481}" type="datetimeFigureOut">
               <a:rPr lang="de-DE" smtClean="0"/>
-              <a:t>25.08.2018</a:t>
+              <a:t>04.09.2018</a:t>
             </a:fld>
             <a:endParaRPr lang="de-DE"/>
           </a:p>
@@ -1443,7 +1443,7 @@
           <a:p>
             <a:fld id="{E9C158C0-7942-4C90-83FA-4FE017085481}" type="datetimeFigureOut">
               <a:rPr lang="de-DE" smtClean="0"/>
-              <a:t>25.08.2018</a:t>
+              <a:t>04.09.2018</a:t>
             </a:fld>
             <a:endParaRPr lang="de-DE"/>
           </a:p>
@@ -1675,7 +1675,7 @@
           <a:p>
             <a:fld id="{E9C158C0-7942-4C90-83FA-4FE017085481}" type="datetimeFigureOut">
               <a:rPr lang="de-DE" smtClean="0"/>
-              <a:t>25.08.2018</a:t>
+              <a:t>04.09.2018</a:t>
             </a:fld>
             <a:endParaRPr lang="de-DE"/>
           </a:p>
@@ -2042,7 +2042,7 @@
           <a:p>
             <a:fld id="{E9C158C0-7942-4C90-83FA-4FE017085481}" type="datetimeFigureOut">
               <a:rPr lang="de-DE" smtClean="0"/>
-              <a:t>25.08.2018</a:t>
+              <a:t>04.09.2018</a:t>
             </a:fld>
             <a:endParaRPr lang="de-DE"/>
           </a:p>
@@ -2160,7 +2160,7 @@
           <a:p>
             <a:fld id="{E9C158C0-7942-4C90-83FA-4FE017085481}" type="datetimeFigureOut">
               <a:rPr lang="de-DE" smtClean="0"/>
-              <a:t>25.08.2018</a:t>
+              <a:t>04.09.2018</a:t>
             </a:fld>
             <a:endParaRPr lang="de-DE"/>
           </a:p>
@@ -2255,7 +2255,7 @@
           <a:p>
             <a:fld id="{E9C158C0-7942-4C90-83FA-4FE017085481}" type="datetimeFigureOut">
               <a:rPr lang="de-DE" smtClean="0"/>
-              <a:t>25.08.2018</a:t>
+              <a:t>04.09.2018</a:t>
             </a:fld>
             <a:endParaRPr lang="de-DE"/>
           </a:p>
@@ -2532,7 +2532,7 @@
           <a:p>
             <a:fld id="{E9C158C0-7942-4C90-83FA-4FE017085481}" type="datetimeFigureOut">
               <a:rPr lang="de-DE" smtClean="0"/>
-              <a:t>25.08.2018</a:t>
+              <a:t>04.09.2018</a:t>
             </a:fld>
             <a:endParaRPr lang="de-DE"/>
           </a:p>
@@ -2789,7 +2789,7 @@
           <a:p>
             <a:fld id="{E9C158C0-7942-4C90-83FA-4FE017085481}" type="datetimeFigureOut">
               <a:rPr lang="de-DE" smtClean="0"/>
-              <a:t>25.08.2018</a:t>
+              <a:t>04.09.2018</a:t>
             </a:fld>
             <a:endParaRPr lang="de-DE"/>
           </a:p>
@@ -3002,7 +3002,7 @@
           <a:p>
             <a:fld id="{E9C158C0-7942-4C90-83FA-4FE017085481}" type="datetimeFigureOut">
               <a:rPr lang="de-DE" smtClean="0"/>
-              <a:t>25.08.2018</a:t>
+              <a:t>04.09.2018</a:t>
             </a:fld>
             <a:endParaRPr lang="de-DE"/>
           </a:p>
@@ -5186,7 +5186,7 @@
                   <a:schemeClr val="tx1"/>
                 </a:solidFill>
               </a:rPr>
-              <a:t>EditorState</a:t>
+              <a:t>GridBrush</a:t>
             </a:r>
           </a:p>
         </p:txBody>

--- a/Evolution_Architecture.pptx
+++ b/Evolution_Architecture.pptx
@@ -197,7 +197,7 @@
           <a:p>
             <a:fld id="{B44CFCBC-DDDD-4E13-8051-469835F94031}" type="datetimeFigureOut">
               <a:rPr lang="de-DE" smtClean="0"/>
-              <a:t>04.09.2018</a:t>
+              <a:t>09.09.2018</a:t>
             </a:fld>
             <a:endParaRPr lang="de-DE"/>
           </a:p>
@@ -679,7 +679,7 @@
           <a:p>
             <a:fld id="{E9C158C0-7942-4C90-83FA-4FE017085481}" type="datetimeFigureOut">
               <a:rPr lang="de-DE" smtClean="0"/>
-              <a:t>04.09.2018</a:t>
+              <a:t>09.09.2018</a:t>
             </a:fld>
             <a:endParaRPr lang="de-DE"/>
           </a:p>
@@ -849,7 +849,7 @@
           <a:p>
             <a:fld id="{E9C158C0-7942-4C90-83FA-4FE017085481}" type="datetimeFigureOut">
               <a:rPr lang="de-DE" smtClean="0"/>
-              <a:t>04.09.2018</a:t>
+              <a:t>09.09.2018</a:t>
             </a:fld>
             <a:endParaRPr lang="de-DE"/>
           </a:p>
@@ -1029,7 +1029,7 @@
           <a:p>
             <a:fld id="{E9C158C0-7942-4C90-83FA-4FE017085481}" type="datetimeFigureOut">
               <a:rPr lang="de-DE" smtClean="0"/>
-              <a:t>04.09.2018</a:t>
+              <a:t>09.09.2018</a:t>
             </a:fld>
             <a:endParaRPr lang="de-DE"/>
           </a:p>
@@ -1199,7 +1199,7 @@
           <a:p>
             <a:fld id="{E9C158C0-7942-4C90-83FA-4FE017085481}" type="datetimeFigureOut">
               <a:rPr lang="de-DE" smtClean="0"/>
-              <a:t>04.09.2018</a:t>
+              <a:t>09.09.2018</a:t>
             </a:fld>
             <a:endParaRPr lang="de-DE"/>
           </a:p>
@@ -1443,7 +1443,7 @@
           <a:p>
             <a:fld id="{E9C158C0-7942-4C90-83FA-4FE017085481}" type="datetimeFigureOut">
               <a:rPr lang="de-DE" smtClean="0"/>
-              <a:t>04.09.2018</a:t>
+              <a:t>09.09.2018</a:t>
             </a:fld>
             <a:endParaRPr lang="de-DE"/>
           </a:p>
@@ -1675,7 +1675,7 @@
           <a:p>
             <a:fld id="{E9C158C0-7942-4C90-83FA-4FE017085481}" type="datetimeFigureOut">
               <a:rPr lang="de-DE" smtClean="0"/>
-              <a:t>04.09.2018</a:t>
+              <a:t>09.09.2018</a:t>
             </a:fld>
             <a:endParaRPr lang="de-DE"/>
           </a:p>
@@ -2042,7 +2042,7 @@
           <a:p>
             <a:fld id="{E9C158C0-7942-4C90-83FA-4FE017085481}" type="datetimeFigureOut">
               <a:rPr lang="de-DE" smtClean="0"/>
-              <a:t>04.09.2018</a:t>
+              <a:t>09.09.2018</a:t>
             </a:fld>
             <a:endParaRPr lang="de-DE"/>
           </a:p>
@@ -2160,7 +2160,7 @@
           <a:p>
             <a:fld id="{E9C158C0-7942-4C90-83FA-4FE017085481}" type="datetimeFigureOut">
               <a:rPr lang="de-DE" smtClean="0"/>
-              <a:t>04.09.2018</a:t>
+              <a:t>09.09.2018</a:t>
             </a:fld>
             <a:endParaRPr lang="de-DE"/>
           </a:p>
@@ -2255,7 +2255,7 @@
           <a:p>
             <a:fld id="{E9C158C0-7942-4C90-83FA-4FE017085481}" type="datetimeFigureOut">
               <a:rPr lang="de-DE" smtClean="0"/>
-              <a:t>04.09.2018</a:t>
+              <a:t>09.09.2018</a:t>
             </a:fld>
             <a:endParaRPr lang="de-DE"/>
           </a:p>
@@ -2532,7 +2532,7 @@
           <a:p>
             <a:fld id="{E9C158C0-7942-4C90-83FA-4FE017085481}" type="datetimeFigureOut">
               <a:rPr lang="de-DE" smtClean="0"/>
-              <a:t>04.09.2018</a:t>
+              <a:t>09.09.2018</a:t>
             </a:fld>
             <a:endParaRPr lang="de-DE"/>
           </a:p>
@@ -2789,7 +2789,7 @@
           <a:p>
             <a:fld id="{E9C158C0-7942-4C90-83FA-4FE017085481}" type="datetimeFigureOut">
               <a:rPr lang="de-DE" smtClean="0"/>
-              <a:t>04.09.2018</a:t>
+              <a:t>09.09.2018</a:t>
             </a:fld>
             <a:endParaRPr lang="de-DE"/>
           </a:p>
@@ -3002,7 +3002,7 @@
           <a:p>
             <a:fld id="{E9C158C0-7942-4C90-83FA-4FE017085481}" type="datetimeFigureOut">
               <a:rPr lang="de-DE" smtClean="0"/>
-              <a:t>04.09.2018</a:t>
+              <a:t>09.09.2018</a:t>
             </a:fld>
             <a:endParaRPr lang="de-DE"/>
           </a:p>
@@ -3409,122 +3409,6 @@
       </p:grpSpPr>
       <p:sp>
         <p:nvSpPr>
-          <p:cNvPr id="33" name="Rechteck 32">
-            <a:extLst>
-              <a:ext uri="{FF2B5EF4-FFF2-40B4-BE49-F238E27FC236}">
-                <a16:creationId xmlns:a16="http://schemas.microsoft.com/office/drawing/2014/main" id="{F411C08D-9C17-4E2E-8754-FFD3EF9DAACC}"/>
-              </a:ext>
-            </a:extLst>
-          </p:cNvPr>
-          <p:cNvSpPr/>
-          <p:nvPr/>
-        </p:nvSpPr>
-        <p:spPr>
-          <a:xfrm>
-            <a:off x="3785621" y="7284896"/>
-            <a:ext cx="2196330" cy="625805"/>
-          </a:xfrm>
-          <a:prstGeom prst="rect">
-            <a:avLst/>
-          </a:prstGeom>
-          <a:solidFill>
-            <a:schemeClr val="accent1">
-              <a:lumMod val="40000"/>
-              <a:lumOff val="60000"/>
-            </a:schemeClr>
-          </a:solidFill>
-        </p:spPr>
-        <p:style>
-          <a:lnRef idx="2">
-            <a:schemeClr val="accent1">
-              <a:shade val="50000"/>
-            </a:schemeClr>
-          </a:lnRef>
-          <a:fillRef idx="1">
-            <a:schemeClr val="accent1"/>
-          </a:fillRef>
-          <a:effectRef idx="0">
-            <a:schemeClr val="accent1"/>
-          </a:effectRef>
-          <a:fontRef idx="minor">
-            <a:schemeClr val="lt1"/>
-          </a:fontRef>
-        </p:style>
-        <p:txBody>
-          <a:bodyPr rtlCol="0" anchor="t"/>
-          <a:lstStyle/>
-          <a:p>
-            <a:r>
-              <a:rPr lang="de-DE" sz="1400">
-                <a:solidFill>
-                  <a:schemeClr val="tx1"/>
-                </a:solidFill>
-              </a:rPr>
-              <a:t>                                              </a:t>
-            </a:r>
-          </a:p>
-        </p:txBody>
-      </p:sp>
-      <p:sp>
-        <p:nvSpPr>
-          <p:cNvPr id="34" name="Rechteck 33">
-            <a:extLst>
-              <a:ext uri="{FF2B5EF4-FFF2-40B4-BE49-F238E27FC236}">
-                <a16:creationId xmlns:a16="http://schemas.microsoft.com/office/drawing/2014/main" id="{017ECC45-3543-45C9-9912-B149FF9E4757}"/>
-              </a:ext>
-            </a:extLst>
-          </p:cNvPr>
-          <p:cNvSpPr/>
-          <p:nvPr/>
-        </p:nvSpPr>
-        <p:spPr>
-          <a:xfrm>
-            <a:off x="3785620" y="8018074"/>
-            <a:ext cx="2196330" cy="1037892"/>
-          </a:xfrm>
-          <a:prstGeom prst="rect">
-            <a:avLst/>
-          </a:prstGeom>
-          <a:solidFill>
-            <a:schemeClr val="accent1">
-              <a:lumMod val="60000"/>
-              <a:lumOff val="40000"/>
-            </a:schemeClr>
-          </a:solidFill>
-        </p:spPr>
-        <p:style>
-          <a:lnRef idx="2">
-            <a:schemeClr val="accent1">
-              <a:shade val="50000"/>
-            </a:schemeClr>
-          </a:lnRef>
-          <a:fillRef idx="1">
-            <a:schemeClr val="accent1"/>
-          </a:fillRef>
-          <a:effectRef idx="0">
-            <a:schemeClr val="accent1"/>
-          </a:effectRef>
-          <a:fontRef idx="minor">
-            <a:schemeClr val="lt1"/>
-          </a:fontRef>
-        </p:style>
-        <p:txBody>
-          <a:bodyPr rtlCol="0" anchor="t"/>
-          <a:lstStyle/>
-          <a:p>
-            <a:r>
-              <a:rPr lang="de-DE" sz="1400">
-                <a:solidFill>
-                  <a:schemeClr val="tx1"/>
-                </a:solidFill>
-              </a:rPr>
-              <a:t>                                              </a:t>
-            </a:r>
-          </a:p>
-        </p:txBody>
-      </p:sp>
-      <p:sp>
-        <p:nvSpPr>
           <p:cNvPr id="28" name="Rechteck 27">
             <a:extLst>
               <a:ext uri="{FF2B5EF4-FFF2-40B4-BE49-F238E27FC236}">
@@ -3538,7 +3422,7 @@
         <p:spPr>
           <a:xfrm>
             <a:off x="715805" y="7276928"/>
-            <a:ext cx="2775534" cy="625805"/>
+            <a:ext cx="5202172" cy="625805"/>
           </a:xfrm>
           <a:prstGeom prst="rect">
             <a:avLst/>
@@ -3861,7 +3745,7 @@
         <p:spPr>
           <a:xfrm>
             <a:off x="715805" y="8028373"/>
-            <a:ext cx="2783191" cy="1037892"/>
+            <a:ext cx="5216523" cy="1037892"/>
           </a:xfrm>
           <a:prstGeom prst="rect">
             <a:avLst/>
@@ -4725,63 +4609,6 @@
       </p:sp>
       <p:sp>
         <p:nvSpPr>
-          <p:cNvPr id="6" name="Rechteck 5">
-            <a:extLst>
-              <a:ext uri="{FF2B5EF4-FFF2-40B4-BE49-F238E27FC236}">
-                <a16:creationId xmlns:a16="http://schemas.microsoft.com/office/drawing/2014/main" id="{25292D47-FD85-4468-8501-AF083A2F46AA}"/>
-              </a:ext>
-            </a:extLst>
-          </p:cNvPr>
-          <p:cNvSpPr/>
-          <p:nvPr/>
-        </p:nvSpPr>
-        <p:spPr>
-          <a:xfrm>
-            <a:off x="3718614" y="7351875"/>
-            <a:ext cx="2068892" cy="469053"/>
-          </a:xfrm>
-          <a:prstGeom prst="rect">
-            <a:avLst/>
-          </a:prstGeom>
-          <a:noFill/>
-          <a:ln>
-            <a:noFill/>
-          </a:ln>
-        </p:spPr>
-        <p:style>
-          <a:lnRef idx="2">
-            <a:schemeClr val="accent1">
-              <a:shade val="50000"/>
-            </a:schemeClr>
-          </a:lnRef>
-          <a:fillRef idx="1">
-            <a:schemeClr val="accent1"/>
-          </a:fillRef>
-          <a:effectRef idx="0">
-            <a:schemeClr val="accent1"/>
-          </a:effectRef>
-          <a:fontRef idx="minor">
-            <a:schemeClr val="lt1"/>
-          </a:fontRef>
-        </p:style>
-        <p:txBody>
-          <a:bodyPr rtlCol="0" anchor="ctr"/>
-          <a:lstStyle/>
-          <a:p>
-            <a:pPr algn="ctr"/>
-            <a:r>
-              <a:rPr lang="de-DE" sz="1600">
-                <a:solidFill>
-                  <a:schemeClr val="tx1"/>
-                </a:solidFill>
-              </a:rPr>
-              <a:t>EvolutionModelData (abstract class)</a:t>
-            </a:r>
-          </a:p>
-        </p:txBody>
-      </p:sp>
-      <p:sp>
-        <p:nvSpPr>
           <p:cNvPr id="23" name="Pfeil: nach unten 22">
             <a:extLst>
               <a:ext uri="{FF2B5EF4-FFF2-40B4-BE49-F238E27FC236}">
@@ -4977,8 +4804,8 @@
         </p:nvSpPr>
         <p:spPr>
           <a:xfrm>
-            <a:off x="1192665" y="8067967"/>
-            <a:ext cx="2068892" cy="469053"/>
+            <a:off x="1192664" y="8067967"/>
+            <a:ext cx="2200759" cy="469053"/>
           </a:xfrm>
           <a:prstGeom prst="rect">
             <a:avLst/>
@@ -5073,63 +4900,6 @@
                 </a:solidFill>
               </a:rPr>
               <a:t>Grid</a:t>
-            </a:r>
-          </a:p>
-        </p:txBody>
-      </p:sp>
-      <p:sp>
-        <p:nvSpPr>
-          <p:cNvPr id="30" name="Rechteck 29">
-            <a:extLst>
-              <a:ext uri="{FF2B5EF4-FFF2-40B4-BE49-F238E27FC236}">
-                <a16:creationId xmlns:a16="http://schemas.microsoft.com/office/drawing/2014/main" id="{12D9B80B-D0D2-4ACC-AC94-B169FEBE66C1}"/>
-              </a:ext>
-            </a:extLst>
-          </p:cNvPr>
-          <p:cNvSpPr/>
-          <p:nvPr/>
-        </p:nvSpPr>
-        <p:spPr>
-          <a:xfrm>
-            <a:off x="3763183" y="8043834"/>
-            <a:ext cx="2274186" cy="469053"/>
-          </a:xfrm>
-          <a:prstGeom prst="rect">
-            <a:avLst/>
-          </a:prstGeom>
-          <a:noFill/>
-          <a:ln>
-            <a:noFill/>
-          </a:ln>
-        </p:spPr>
-        <p:style>
-          <a:lnRef idx="2">
-            <a:schemeClr val="accent1">
-              <a:shade val="50000"/>
-            </a:schemeClr>
-          </a:lnRef>
-          <a:fillRef idx="1">
-            <a:schemeClr val="accent1"/>
-          </a:fillRef>
-          <a:effectRef idx="0">
-            <a:schemeClr val="accent1"/>
-          </a:effectRef>
-          <a:fontRef idx="minor">
-            <a:schemeClr val="lt1"/>
-          </a:fontRef>
-        </p:style>
-        <p:txBody>
-          <a:bodyPr rtlCol="0" anchor="ctr"/>
-          <a:lstStyle/>
-          <a:p>
-            <a:pPr algn="ctr"/>
-            <a:r>
-              <a:rPr lang="de-DE" sz="1600">
-                <a:solidFill>
-                  <a:schemeClr val="tx1"/>
-                </a:solidFill>
-              </a:rPr>
-              <a:t>EvolutionModelDataImpl</a:t>
             </a:r>
           </a:p>
         </p:txBody>

--- a/Evolution_Architecture.pptx
+++ b/Evolution_Architecture.pptx
@@ -5,10 +5,11 @@
     <p:sldMasterId id="2147483672" r:id="rId1"/>
   </p:sldMasterIdLst>
   <p:notesMasterIdLst>
-    <p:notesMasterId r:id="rId3"/>
+    <p:notesMasterId r:id="rId4"/>
   </p:notesMasterIdLst>
   <p:sldIdLst>
     <p:sldId id="257" r:id="rId2"/>
+    <p:sldId id="258" r:id="rId3"/>
   </p:sldIdLst>
   <p:sldSz cx="6858000" cy="9906000" type="A4"/>
   <p:notesSz cx="6858000" cy="9144000"/>
@@ -197,7 +198,7 @@
           <a:p>
             <a:fld id="{B44CFCBC-DDDD-4E13-8051-469835F94031}" type="datetimeFigureOut">
               <a:rPr lang="de-DE" smtClean="0"/>
-              <a:t>09.09.2018</a:t>
+              <a:t>26.03.2019</a:t>
             </a:fld>
             <a:endParaRPr lang="de-DE"/>
           </a:p>
@@ -679,7 +680,7 @@
           <a:p>
             <a:fld id="{E9C158C0-7942-4C90-83FA-4FE017085481}" type="datetimeFigureOut">
               <a:rPr lang="de-DE" smtClean="0"/>
-              <a:t>09.09.2018</a:t>
+              <a:t>26.03.2019</a:t>
             </a:fld>
             <a:endParaRPr lang="de-DE"/>
           </a:p>
@@ -849,7 +850,7 @@
           <a:p>
             <a:fld id="{E9C158C0-7942-4C90-83FA-4FE017085481}" type="datetimeFigureOut">
               <a:rPr lang="de-DE" smtClean="0"/>
-              <a:t>09.09.2018</a:t>
+              <a:t>26.03.2019</a:t>
             </a:fld>
             <a:endParaRPr lang="de-DE"/>
           </a:p>
@@ -1029,7 +1030,7 @@
           <a:p>
             <a:fld id="{E9C158C0-7942-4C90-83FA-4FE017085481}" type="datetimeFigureOut">
               <a:rPr lang="de-DE" smtClean="0"/>
-              <a:t>09.09.2018</a:t>
+              <a:t>26.03.2019</a:t>
             </a:fld>
             <a:endParaRPr lang="de-DE"/>
           </a:p>
@@ -1199,7 +1200,7 @@
           <a:p>
             <a:fld id="{E9C158C0-7942-4C90-83FA-4FE017085481}" type="datetimeFigureOut">
               <a:rPr lang="de-DE" smtClean="0"/>
-              <a:t>09.09.2018</a:t>
+              <a:t>26.03.2019</a:t>
             </a:fld>
             <a:endParaRPr lang="de-DE"/>
           </a:p>
@@ -1443,7 +1444,7 @@
           <a:p>
             <a:fld id="{E9C158C0-7942-4C90-83FA-4FE017085481}" type="datetimeFigureOut">
               <a:rPr lang="de-DE" smtClean="0"/>
-              <a:t>09.09.2018</a:t>
+              <a:t>26.03.2019</a:t>
             </a:fld>
             <a:endParaRPr lang="de-DE"/>
           </a:p>
@@ -1675,7 +1676,7 @@
           <a:p>
             <a:fld id="{E9C158C0-7942-4C90-83FA-4FE017085481}" type="datetimeFigureOut">
               <a:rPr lang="de-DE" smtClean="0"/>
-              <a:t>09.09.2018</a:t>
+              <a:t>26.03.2019</a:t>
             </a:fld>
             <a:endParaRPr lang="de-DE"/>
           </a:p>
@@ -2042,7 +2043,7 @@
           <a:p>
             <a:fld id="{E9C158C0-7942-4C90-83FA-4FE017085481}" type="datetimeFigureOut">
               <a:rPr lang="de-DE" smtClean="0"/>
-              <a:t>09.09.2018</a:t>
+              <a:t>26.03.2019</a:t>
             </a:fld>
             <a:endParaRPr lang="de-DE"/>
           </a:p>
@@ -2160,7 +2161,7 @@
           <a:p>
             <a:fld id="{E9C158C0-7942-4C90-83FA-4FE017085481}" type="datetimeFigureOut">
               <a:rPr lang="de-DE" smtClean="0"/>
-              <a:t>09.09.2018</a:t>
+              <a:t>26.03.2019</a:t>
             </a:fld>
             <a:endParaRPr lang="de-DE"/>
           </a:p>
@@ -2255,7 +2256,7 @@
           <a:p>
             <a:fld id="{E9C158C0-7942-4C90-83FA-4FE017085481}" type="datetimeFigureOut">
               <a:rPr lang="de-DE" smtClean="0"/>
-              <a:t>09.09.2018</a:t>
+              <a:t>26.03.2019</a:t>
             </a:fld>
             <a:endParaRPr lang="de-DE"/>
           </a:p>
@@ -2532,7 +2533,7 @@
           <a:p>
             <a:fld id="{E9C158C0-7942-4C90-83FA-4FE017085481}" type="datetimeFigureOut">
               <a:rPr lang="de-DE" smtClean="0"/>
-              <a:t>09.09.2018</a:t>
+              <a:t>26.03.2019</a:t>
             </a:fld>
             <a:endParaRPr lang="de-DE"/>
           </a:p>
@@ -2789,7 +2790,7 @@
           <a:p>
             <a:fld id="{E9C158C0-7942-4C90-83FA-4FE017085481}" type="datetimeFigureOut">
               <a:rPr lang="de-DE" smtClean="0"/>
-              <a:t>09.09.2018</a:t>
+              <a:t>26.03.2019</a:t>
             </a:fld>
             <a:endParaRPr lang="de-DE"/>
           </a:p>
@@ -3002,7 +3003,7 @@
           <a:p>
             <a:fld id="{E9C158C0-7942-4C90-83FA-4FE017085481}" type="datetimeFigureOut">
               <a:rPr lang="de-DE" smtClean="0"/>
-              <a:t>09.09.2018</a:t>
+              <a:t>26.03.2019</a:t>
             </a:fld>
             <a:endParaRPr lang="de-DE"/>
           </a:p>
@@ -5021,6 +5022,919 @@
     <p:extLst>
       <p:ext uri="{BB962C8B-B14F-4D97-AF65-F5344CB8AC3E}">
         <p14:creationId xmlns:p14="http://schemas.microsoft.com/office/powerpoint/2010/main" val="1558153655"/>
+      </p:ext>
+    </p:extLst>
+  </p:cSld>
+  <p:clrMapOvr>
+    <a:masterClrMapping/>
+  </p:clrMapOvr>
+</p:sld>
+</file>
+
+<file path=ppt/slides/slide2.xml><?xml version="1.0" encoding="utf-8"?>
+<p:sld xmlns:a="http://schemas.openxmlformats.org/drawingml/2006/main" xmlns:r="http://schemas.openxmlformats.org/officeDocument/2006/relationships" xmlns:p="http://schemas.openxmlformats.org/presentationml/2006/main">
+  <p:cSld>
+    <p:spTree>
+      <p:nvGrpSpPr>
+        <p:cNvPr id="1" name=""/>
+        <p:cNvGrpSpPr/>
+        <p:nvPr/>
+      </p:nvGrpSpPr>
+      <p:grpSpPr>
+        <a:xfrm>
+          <a:off x="0" y="0"/>
+          <a:ext cx="0" cy="0"/>
+          <a:chOff x="0" y="0"/>
+          <a:chExt cx="0" cy="0"/>
+        </a:xfrm>
+      </p:grpSpPr>
+      <p:sp>
+        <p:nvSpPr>
+          <p:cNvPr id="2" name="Rechteck 1">
+            <a:extLst>
+              <a:ext uri="{FF2B5EF4-FFF2-40B4-BE49-F238E27FC236}">
+                <a16:creationId xmlns:a16="http://schemas.microsoft.com/office/drawing/2014/main" id="{123B2172-21DD-4666-9719-BB41C71C2C6C}"/>
+              </a:ext>
+            </a:extLst>
+          </p:cNvPr>
+          <p:cNvSpPr>
+            <a:spLocks/>
+          </p:cNvSpPr>
+          <p:nvPr/>
+        </p:nvSpPr>
+        <p:spPr>
+          <a:xfrm>
+            <a:off x="569498" y="3006436"/>
+            <a:ext cx="5760000" cy="5267862"/>
+          </a:xfrm>
+          <a:prstGeom prst="rect">
+            <a:avLst/>
+          </a:prstGeom>
+          <a:noFill/>
+          <a:ln w="57150">
+            <a:solidFill>
+              <a:srgbClr val="0070C0"/>
+            </a:solidFill>
+          </a:ln>
+        </p:spPr>
+        <p:style>
+          <a:lnRef idx="2">
+            <a:schemeClr val="accent1">
+              <a:shade val="50000"/>
+            </a:schemeClr>
+          </a:lnRef>
+          <a:fillRef idx="1">
+            <a:schemeClr val="accent1"/>
+          </a:fillRef>
+          <a:effectRef idx="0">
+            <a:schemeClr val="accent1"/>
+          </a:effectRef>
+          <a:fontRef idx="minor">
+            <a:schemeClr val="lt1"/>
+          </a:fontRef>
+        </p:style>
+        <p:txBody>
+          <a:bodyPr rtlCol="0" anchor="t"/>
+          <a:lstStyle/>
+          <a:p>
+            <a:r>
+              <a:rPr lang="de-DE">
+                <a:solidFill>
+                  <a:schemeClr val="tx1"/>
+                </a:solidFill>
+              </a:rPr>
+              <a:t>IndividualShape</a:t>
+            </a:r>
+          </a:p>
+        </p:txBody>
+      </p:sp>
+      <p:sp>
+        <p:nvSpPr>
+          <p:cNvPr id="4" name="Rechteck 3">
+            <a:extLst>
+              <a:ext uri="{FF2B5EF4-FFF2-40B4-BE49-F238E27FC236}">
+                <a16:creationId xmlns:a16="http://schemas.microsoft.com/office/drawing/2014/main" id="{BB922609-F20B-4654-9F49-F11C1D018EB7}"/>
+              </a:ext>
+            </a:extLst>
+          </p:cNvPr>
+          <p:cNvSpPr/>
+          <p:nvPr/>
+        </p:nvSpPr>
+        <p:spPr>
+          <a:xfrm>
+            <a:off x="3538504" y="3374244"/>
+            <a:ext cx="2640496" cy="4722835"/>
+          </a:xfrm>
+          <a:prstGeom prst="rect">
+            <a:avLst/>
+          </a:prstGeom>
+          <a:noFill/>
+          <a:ln w="57150">
+            <a:solidFill>
+              <a:schemeClr val="accent6">
+                <a:lumMod val="75000"/>
+              </a:schemeClr>
+            </a:solidFill>
+          </a:ln>
+        </p:spPr>
+        <p:style>
+          <a:lnRef idx="2">
+            <a:schemeClr val="accent1">
+              <a:shade val="50000"/>
+            </a:schemeClr>
+          </a:lnRef>
+          <a:fillRef idx="1">
+            <a:schemeClr val="accent1"/>
+          </a:fillRef>
+          <a:effectRef idx="0">
+            <a:schemeClr val="accent1"/>
+          </a:effectRef>
+          <a:fontRef idx="minor">
+            <a:schemeClr val="lt1"/>
+          </a:fontRef>
+        </p:style>
+        <p:txBody>
+          <a:bodyPr rtlCol="0" anchor="t"/>
+          <a:lstStyle/>
+          <a:p>
+            <a:r>
+              <a:rPr lang="de-DE">
+                <a:solidFill>
+                  <a:schemeClr val="tx1"/>
+                </a:solidFill>
+              </a:rPr>
+              <a:t>RightColumn</a:t>
+            </a:r>
+          </a:p>
+        </p:txBody>
+      </p:sp>
+      <p:sp>
+        <p:nvSpPr>
+          <p:cNvPr id="5" name="Rechteck 4">
+            <a:extLst>
+              <a:ext uri="{FF2B5EF4-FFF2-40B4-BE49-F238E27FC236}">
+                <a16:creationId xmlns:a16="http://schemas.microsoft.com/office/drawing/2014/main" id="{24C707CB-9A38-409D-BC80-FD17119E7295}"/>
+              </a:ext>
+            </a:extLst>
+          </p:cNvPr>
+          <p:cNvSpPr/>
+          <p:nvPr/>
+        </p:nvSpPr>
+        <p:spPr>
+          <a:xfrm>
+            <a:off x="733753" y="3374244"/>
+            <a:ext cx="2640496" cy="4736088"/>
+          </a:xfrm>
+          <a:prstGeom prst="rect">
+            <a:avLst/>
+          </a:prstGeom>
+          <a:noFill/>
+          <a:ln w="57150">
+            <a:solidFill>
+              <a:schemeClr val="accent6">
+                <a:lumMod val="75000"/>
+              </a:schemeClr>
+            </a:solidFill>
+          </a:ln>
+        </p:spPr>
+        <p:style>
+          <a:lnRef idx="2">
+            <a:schemeClr val="accent1">
+              <a:shade val="50000"/>
+            </a:schemeClr>
+          </a:lnRef>
+          <a:fillRef idx="1">
+            <a:schemeClr val="accent1"/>
+          </a:fillRef>
+          <a:effectRef idx="0">
+            <a:schemeClr val="accent1"/>
+          </a:effectRef>
+          <a:fontRef idx="minor">
+            <a:schemeClr val="lt1"/>
+          </a:fontRef>
+        </p:style>
+        <p:txBody>
+          <a:bodyPr rtlCol="0" anchor="t"/>
+          <a:lstStyle/>
+          <a:p>
+            <a:r>
+              <a:rPr lang="de-DE">
+                <a:solidFill>
+                  <a:schemeClr val="tx1"/>
+                </a:solidFill>
+              </a:rPr>
+              <a:t>LeftColumn</a:t>
+            </a:r>
+          </a:p>
+        </p:txBody>
+      </p:sp>
+      <p:sp>
+        <p:nvSpPr>
+          <p:cNvPr id="6" name="Rechteck 5">
+            <a:extLst>
+              <a:ext uri="{FF2B5EF4-FFF2-40B4-BE49-F238E27FC236}">
+                <a16:creationId xmlns:a16="http://schemas.microsoft.com/office/drawing/2014/main" id="{CA06FCAA-F666-4101-B665-05978C73D804}"/>
+              </a:ext>
+            </a:extLst>
+          </p:cNvPr>
+          <p:cNvSpPr>
+            <a:spLocks/>
+          </p:cNvSpPr>
+          <p:nvPr/>
+        </p:nvSpPr>
+        <p:spPr>
+          <a:xfrm>
+            <a:off x="397565" y="2345635"/>
+            <a:ext cx="6084333" cy="6081064"/>
+          </a:xfrm>
+          <a:prstGeom prst="rect">
+            <a:avLst/>
+          </a:prstGeom>
+          <a:noFill/>
+          <a:ln w="57150">
+            <a:solidFill>
+              <a:srgbClr val="C00000"/>
+            </a:solidFill>
+          </a:ln>
+        </p:spPr>
+        <p:style>
+          <a:lnRef idx="2">
+            <a:schemeClr val="accent1">
+              <a:shade val="50000"/>
+            </a:schemeClr>
+          </a:lnRef>
+          <a:fillRef idx="1">
+            <a:schemeClr val="accent1"/>
+          </a:fillRef>
+          <a:effectRef idx="0">
+            <a:schemeClr val="accent1"/>
+          </a:effectRef>
+          <a:fontRef idx="minor">
+            <a:schemeClr val="lt1"/>
+          </a:fontRef>
+        </p:style>
+        <p:txBody>
+          <a:bodyPr rtlCol="0" anchor="t"/>
+          <a:lstStyle/>
+          <a:p>
+            <a:pPr>
+              <a:tabLst>
+                <a:tab pos="5916613" algn="r"/>
+              </a:tabLst>
+            </a:pPr>
+            <a:r>
+              <a:rPr lang="de-DE">
+                <a:solidFill>
+                  <a:schemeClr val="tx1"/>
+                </a:solidFill>
+              </a:rPr>
+              <a:t>	GridPointShape</a:t>
+            </a:r>
+          </a:p>
+        </p:txBody>
+      </p:sp>
+      <p:sp>
+        <p:nvSpPr>
+          <p:cNvPr id="7" name="Rechteck 6">
+            <a:extLst>
+              <a:ext uri="{FF2B5EF4-FFF2-40B4-BE49-F238E27FC236}">
+                <a16:creationId xmlns:a16="http://schemas.microsoft.com/office/drawing/2014/main" id="{344FC875-DC52-44D3-A82C-D0F271E4F004}"/>
+              </a:ext>
+            </a:extLst>
+          </p:cNvPr>
+          <p:cNvSpPr/>
+          <p:nvPr/>
+        </p:nvSpPr>
+        <p:spPr>
+          <a:xfrm>
+            <a:off x="569498" y="2485627"/>
+            <a:ext cx="2254763" cy="387447"/>
+          </a:xfrm>
+          <a:prstGeom prst="rect">
+            <a:avLst/>
+          </a:prstGeom>
+          <a:noFill/>
+          <a:ln w="57150">
+            <a:solidFill>
+              <a:srgbClr val="0070C0"/>
+            </a:solidFill>
+          </a:ln>
+        </p:spPr>
+        <p:style>
+          <a:lnRef idx="2">
+            <a:schemeClr val="accent1">
+              <a:shade val="50000"/>
+            </a:schemeClr>
+          </a:lnRef>
+          <a:fillRef idx="1">
+            <a:schemeClr val="accent1"/>
+          </a:fillRef>
+          <a:effectRef idx="0">
+            <a:schemeClr val="accent1"/>
+          </a:effectRef>
+          <a:fontRef idx="minor">
+            <a:schemeClr val="lt1"/>
+          </a:fontRef>
+        </p:style>
+        <p:txBody>
+          <a:bodyPr rtlCol="0" anchor="t"/>
+          <a:lstStyle/>
+          <a:p>
+            <a:r>
+              <a:rPr lang="de-DE">
+                <a:solidFill>
+                  <a:schemeClr val="tx1"/>
+                </a:solidFill>
+              </a:rPr>
+              <a:t>CoordShape</a:t>
+            </a:r>
+          </a:p>
+        </p:txBody>
+      </p:sp>
+      <p:sp>
+        <p:nvSpPr>
+          <p:cNvPr id="8" name="Rechteck 7">
+            <a:extLst>
+              <a:ext uri="{FF2B5EF4-FFF2-40B4-BE49-F238E27FC236}">
+                <a16:creationId xmlns:a16="http://schemas.microsoft.com/office/drawing/2014/main" id="{A7EE368A-C94B-4C8F-810D-49BD4E91EFAD}"/>
+              </a:ext>
+            </a:extLst>
+          </p:cNvPr>
+          <p:cNvSpPr/>
+          <p:nvPr/>
+        </p:nvSpPr>
+        <p:spPr>
+          <a:xfrm>
+            <a:off x="888158" y="3774101"/>
+            <a:ext cx="2254763" cy="387447"/>
+          </a:xfrm>
+          <a:prstGeom prst="rect">
+            <a:avLst/>
+          </a:prstGeom>
+          <a:noFill/>
+          <a:ln w="57150">
+            <a:solidFill>
+              <a:srgbClr val="7030A0"/>
+            </a:solidFill>
+          </a:ln>
+        </p:spPr>
+        <p:style>
+          <a:lnRef idx="2">
+            <a:schemeClr val="accent1">
+              <a:shade val="50000"/>
+            </a:schemeClr>
+          </a:lnRef>
+          <a:fillRef idx="1">
+            <a:schemeClr val="accent1"/>
+          </a:fillRef>
+          <a:effectRef idx="0">
+            <a:schemeClr val="accent1"/>
+          </a:effectRef>
+          <a:fontRef idx="minor">
+            <a:schemeClr val="lt1"/>
+          </a:fontRef>
+        </p:style>
+        <p:txBody>
+          <a:bodyPr rtlCol="0" anchor="t"/>
+          <a:lstStyle/>
+          <a:p>
+            <a:r>
+              <a:rPr lang="de-DE">
+                <a:solidFill>
+                  <a:schemeClr val="tx1"/>
+                </a:solidFill>
+              </a:rPr>
+              <a:t>IdentifierShape</a:t>
+            </a:r>
+          </a:p>
+        </p:txBody>
+      </p:sp>
+      <p:sp>
+        <p:nvSpPr>
+          <p:cNvPr id="9" name="Rechteck 8">
+            <a:extLst>
+              <a:ext uri="{FF2B5EF4-FFF2-40B4-BE49-F238E27FC236}">
+                <a16:creationId xmlns:a16="http://schemas.microsoft.com/office/drawing/2014/main" id="{DCFCBCD9-49C3-42C5-A94B-EB324F4560E0}"/>
+              </a:ext>
+            </a:extLst>
+          </p:cNvPr>
+          <p:cNvSpPr/>
+          <p:nvPr/>
+        </p:nvSpPr>
+        <p:spPr>
+          <a:xfrm>
+            <a:off x="888158" y="4312511"/>
+            <a:ext cx="2254763" cy="3626144"/>
+          </a:xfrm>
+          <a:prstGeom prst="rect">
+            <a:avLst/>
+          </a:prstGeom>
+          <a:noFill/>
+          <a:ln w="57150">
+            <a:solidFill>
+              <a:srgbClr val="7030A0"/>
+            </a:solidFill>
+          </a:ln>
+        </p:spPr>
+        <p:style>
+          <a:lnRef idx="2">
+            <a:schemeClr val="accent1">
+              <a:shade val="50000"/>
+            </a:schemeClr>
+          </a:lnRef>
+          <a:fillRef idx="1">
+            <a:schemeClr val="accent1"/>
+          </a:fillRef>
+          <a:effectRef idx="0">
+            <a:schemeClr val="accent1"/>
+          </a:effectRef>
+          <a:fontRef idx="minor">
+            <a:schemeClr val="lt1"/>
+          </a:fontRef>
+        </p:style>
+        <p:txBody>
+          <a:bodyPr rtlCol="0" anchor="t"/>
+          <a:lstStyle/>
+          <a:p>
+            <a:r>
+              <a:rPr lang="de-DE">
+                <a:solidFill>
+                  <a:schemeClr val="tx1"/>
+                </a:solidFill>
+              </a:rPr>
+              <a:t>InfoShape</a:t>
+            </a:r>
+          </a:p>
+        </p:txBody>
+      </p:sp>
+      <p:sp>
+        <p:nvSpPr>
+          <p:cNvPr id="10" name="Rechteck 9">
+            <a:extLst>
+              <a:ext uri="{FF2B5EF4-FFF2-40B4-BE49-F238E27FC236}">
+                <a16:creationId xmlns:a16="http://schemas.microsoft.com/office/drawing/2014/main" id="{1FF38B72-B6A7-47C4-8962-424C6FB49FAF}"/>
+              </a:ext>
+            </a:extLst>
+          </p:cNvPr>
+          <p:cNvSpPr/>
+          <p:nvPr/>
+        </p:nvSpPr>
+        <p:spPr>
+          <a:xfrm>
+            <a:off x="3728330" y="3774096"/>
+            <a:ext cx="2254763" cy="387447"/>
+          </a:xfrm>
+          <a:prstGeom prst="rect">
+            <a:avLst/>
+          </a:prstGeom>
+          <a:noFill/>
+          <a:ln w="57150">
+            <a:solidFill>
+              <a:srgbClr val="7030A0"/>
+            </a:solidFill>
+          </a:ln>
+        </p:spPr>
+        <p:style>
+          <a:lnRef idx="2">
+            <a:schemeClr val="accent1">
+              <a:shade val="50000"/>
+            </a:schemeClr>
+          </a:lnRef>
+          <a:fillRef idx="1">
+            <a:schemeClr val="accent1"/>
+          </a:fillRef>
+          <a:effectRef idx="0">
+            <a:schemeClr val="accent1"/>
+          </a:effectRef>
+          <a:fontRef idx="minor">
+            <a:schemeClr val="lt1"/>
+          </a:fontRef>
+        </p:style>
+        <p:txBody>
+          <a:bodyPr rtlCol="0" anchor="t"/>
+          <a:lstStyle/>
+          <a:p>
+            <a:r>
+              <a:rPr lang="de-DE">
+                <a:solidFill>
+                  <a:schemeClr val="tx1"/>
+                </a:solidFill>
+              </a:rPr>
+              <a:t>MemorySlot</a:t>
+            </a:r>
+          </a:p>
+        </p:txBody>
+      </p:sp>
+      <p:sp>
+        <p:nvSpPr>
+          <p:cNvPr id="11" name="Rechteck 10">
+            <a:extLst>
+              <a:ext uri="{FF2B5EF4-FFF2-40B4-BE49-F238E27FC236}">
+                <a16:creationId xmlns:a16="http://schemas.microsoft.com/office/drawing/2014/main" id="{129470DD-1CAE-4D8E-96D3-674C03AD7B40}"/>
+              </a:ext>
+            </a:extLst>
+          </p:cNvPr>
+          <p:cNvSpPr/>
+          <p:nvPr/>
+        </p:nvSpPr>
+        <p:spPr>
+          <a:xfrm>
+            <a:off x="3728330" y="4312511"/>
+            <a:ext cx="2254763" cy="387447"/>
+          </a:xfrm>
+          <a:prstGeom prst="rect">
+            <a:avLst/>
+          </a:prstGeom>
+          <a:noFill/>
+          <a:ln w="57150">
+            <a:solidFill>
+              <a:srgbClr val="7030A0"/>
+            </a:solidFill>
+          </a:ln>
+        </p:spPr>
+        <p:style>
+          <a:lnRef idx="2">
+            <a:schemeClr val="accent1">
+              <a:shade val="50000"/>
+            </a:schemeClr>
+          </a:lnRef>
+          <a:fillRef idx="1">
+            <a:schemeClr val="accent1"/>
+          </a:fillRef>
+          <a:effectRef idx="0">
+            <a:schemeClr val="accent1"/>
+          </a:effectRef>
+          <a:fontRef idx="minor">
+            <a:schemeClr val="lt1"/>
+          </a:fontRef>
+        </p:style>
+        <p:txBody>
+          <a:bodyPr rtlCol="0" anchor="t"/>
+          <a:lstStyle/>
+          <a:p>
+            <a:r>
+              <a:rPr lang="de-DE">
+                <a:solidFill>
+                  <a:schemeClr val="tx1"/>
+                </a:solidFill>
+              </a:rPr>
+              <a:t>MemorySlot</a:t>
+            </a:r>
+          </a:p>
+        </p:txBody>
+      </p:sp>
+      <p:sp>
+        <p:nvSpPr>
+          <p:cNvPr id="12" name="Rechteck 11">
+            <a:extLst>
+              <a:ext uri="{FF2B5EF4-FFF2-40B4-BE49-F238E27FC236}">
+                <a16:creationId xmlns:a16="http://schemas.microsoft.com/office/drawing/2014/main" id="{FFD24471-0FFE-43BC-AEC8-7C990A6DF9BE}"/>
+              </a:ext>
+            </a:extLst>
+          </p:cNvPr>
+          <p:cNvSpPr/>
+          <p:nvPr/>
+        </p:nvSpPr>
+        <p:spPr>
+          <a:xfrm>
+            <a:off x="3728330" y="5389341"/>
+            <a:ext cx="2254763" cy="387447"/>
+          </a:xfrm>
+          <a:prstGeom prst="rect">
+            <a:avLst/>
+          </a:prstGeom>
+          <a:noFill/>
+          <a:ln w="57150">
+            <a:solidFill>
+              <a:srgbClr val="7030A0"/>
+            </a:solidFill>
+          </a:ln>
+        </p:spPr>
+        <p:style>
+          <a:lnRef idx="2">
+            <a:schemeClr val="accent1">
+              <a:shade val="50000"/>
+            </a:schemeClr>
+          </a:lnRef>
+          <a:fillRef idx="1">
+            <a:schemeClr val="accent1"/>
+          </a:fillRef>
+          <a:effectRef idx="0">
+            <a:schemeClr val="accent1"/>
+          </a:effectRef>
+          <a:fontRef idx="minor">
+            <a:schemeClr val="lt1"/>
+          </a:fontRef>
+        </p:style>
+        <p:txBody>
+          <a:bodyPr rtlCol="0" anchor="t"/>
+          <a:lstStyle/>
+          <a:p>
+            <a:r>
+              <a:rPr lang="de-DE">
+                <a:solidFill>
+                  <a:schemeClr val="tx1"/>
+                </a:solidFill>
+              </a:rPr>
+              <a:t>MemorySlot</a:t>
+            </a:r>
+          </a:p>
+        </p:txBody>
+      </p:sp>
+      <p:sp>
+        <p:nvSpPr>
+          <p:cNvPr id="13" name="Rechteck 12">
+            <a:extLst>
+              <a:ext uri="{FF2B5EF4-FFF2-40B4-BE49-F238E27FC236}">
+                <a16:creationId xmlns:a16="http://schemas.microsoft.com/office/drawing/2014/main" id="{FF9F5C09-CE7C-466A-868B-AC3512E74F46}"/>
+              </a:ext>
+            </a:extLst>
+          </p:cNvPr>
+          <p:cNvSpPr/>
+          <p:nvPr/>
+        </p:nvSpPr>
+        <p:spPr>
+          <a:xfrm>
+            <a:off x="3728330" y="5927756"/>
+            <a:ext cx="2254763" cy="387447"/>
+          </a:xfrm>
+          <a:prstGeom prst="rect">
+            <a:avLst/>
+          </a:prstGeom>
+          <a:noFill/>
+          <a:ln w="57150">
+            <a:solidFill>
+              <a:srgbClr val="7030A0"/>
+            </a:solidFill>
+          </a:ln>
+        </p:spPr>
+        <p:style>
+          <a:lnRef idx="2">
+            <a:schemeClr val="accent1">
+              <a:shade val="50000"/>
+            </a:schemeClr>
+          </a:lnRef>
+          <a:fillRef idx="1">
+            <a:schemeClr val="accent1"/>
+          </a:fillRef>
+          <a:effectRef idx="0">
+            <a:schemeClr val="accent1"/>
+          </a:effectRef>
+          <a:fontRef idx="minor">
+            <a:schemeClr val="lt1"/>
+          </a:fontRef>
+        </p:style>
+        <p:txBody>
+          <a:bodyPr rtlCol="0" anchor="t"/>
+          <a:lstStyle/>
+          <a:p>
+            <a:r>
+              <a:rPr lang="de-DE">
+                <a:solidFill>
+                  <a:schemeClr val="tx1"/>
+                </a:solidFill>
+              </a:rPr>
+              <a:t>MemorySlot</a:t>
+            </a:r>
+          </a:p>
+        </p:txBody>
+      </p:sp>
+      <p:sp>
+        <p:nvSpPr>
+          <p:cNvPr id="14" name="Rechteck 13">
+            <a:extLst>
+              <a:ext uri="{FF2B5EF4-FFF2-40B4-BE49-F238E27FC236}">
+                <a16:creationId xmlns:a16="http://schemas.microsoft.com/office/drawing/2014/main" id="{C1EA75A6-4BEA-40EE-A337-BE1F81F78497}"/>
+              </a:ext>
+            </a:extLst>
+          </p:cNvPr>
+          <p:cNvSpPr/>
+          <p:nvPr/>
+        </p:nvSpPr>
+        <p:spPr>
+          <a:xfrm>
+            <a:off x="3728330" y="6466171"/>
+            <a:ext cx="2254763" cy="387447"/>
+          </a:xfrm>
+          <a:prstGeom prst="rect">
+            <a:avLst/>
+          </a:prstGeom>
+          <a:noFill/>
+          <a:ln w="57150">
+            <a:solidFill>
+              <a:srgbClr val="7030A0"/>
+            </a:solidFill>
+          </a:ln>
+        </p:spPr>
+        <p:style>
+          <a:lnRef idx="2">
+            <a:schemeClr val="accent1">
+              <a:shade val="50000"/>
+            </a:schemeClr>
+          </a:lnRef>
+          <a:fillRef idx="1">
+            <a:schemeClr val="accent1"/>
+          </a:fillRef>
+          <a:effectRef idx="0">
+            <a:schemeClr val="accent1"/>
+          </a:effectRef>
+          <a:fontRef idx="minor">
+            <a:schemeClr val="lt1"/>
+          </a:fontRef>
+        </p:style>
+        <p:txBody>
+          <a:bodyPr rtlCol="0" anchor="t"/>
+          <a:lstStyle/>
+          <a:p>
+            <a:r>
+              <a:rPr lang="de-DE">
+                <a:solidFill>
+                  <a:schemeClr val="tx1"/>
+                </a:solidFill>
+              </a:rPr>
+              <a:t>MemorySlot</a:t>
+            </a:r>
+          </a:p>
+        </p:txBody>
+      </p:sp>
+      <p:sp>
+        <p:nvSpPr>
+          <p:cNvPr id="15" name="Rechteck 14">
+            <a:extLst>
+              <a:ext uri="{FF2B5EF4-FFF2-40B4-BE49-F238E27FC236}">
+                <a16:creationId xmlns:a16="http://schemas.microsoft.com/office/drawing/2014/main" id="{DE4547D2-5B47-4330-86AA-79A8B0FE29FC}"/>
+              </a:ext>
+            </a:extLst>
+          </p:cNvPr>
+          <p:cNvSpPr/>
+          <p:nvPr/>
+        </p:nvSpPr>
+        <p:spPr>
+          <a:xfrm>
+            <a:off x="3728330" y="7004586"/>
+            <a:ext cx="2254763" cy="387447"/>
+          </a:xfrm>
+          <a:prstGeom prst="rect">
+            <a:avLst/>
+          </a:prstGeom>
+          <a:noFill/>
+          <a:ln w="57150">
+            <a:solidFill>
+              <a:srgbClr val="7030A0"/>
+            </a:solidFill>
+          </a:ln>
+        </p:spPr>
+        <p:style>
+          <a:lnRef idx="2">
+            <a:schemeClr val="accent1">
+              <a:shade val="50000"/>
+            </a:schemeClr>
+          </a:lnRef>
+          <a:fillRef idx="1">
+            <a:schemeClr val="accent1"/>
+          </a:fillRef>
+          <a:effectRef idx="0">
+            <a:schemeClr val="accent1"/>
+          </a:effectRef>
+          <a:fontRef idx="minor">
+            <a:schemeClr val="lt1"/>
+          </a:fontRef>
+        </p:style>
+        <p:txBody>
+          <a:bodyPr rtlCol="0" anchor="t"/>
+          <a:lstStyle/>
+          <a:p>
+            <a:r>
+              <a:rPr lang="de-DE">
+                <a:solidFill>
+                  <a:schemeClr val="tx1"/>
+                </a:solidFill>
+              </a:rPr>
+              <a:t>MemorySlot</a:t>
+            </a:r>
+          </a:p>
+        </p:txBody>
+      </p:sp>
+      <p:sp>
+        <p:nvSpPr>
+          <p:cNvPr id="16" name="Rechteck 15">
+            <a:extLst>
+              <a:ext uri="{FF2B5EF4-FFF2-40B4-BE49-F238E27FC236}">
+                <a16:creationId xmlns:a16="http://schemas.microsoft.com/office/drawing/2014/main" id="{2FD32D83-E305-4B14-A263-ADE4A3F8F5C1}"/>
+              </a:ext>
+            </a:extLst>
+          </p:cNvPr>
+          <p:cNvSpPr/>
+          <p:nvPr/>
+        </p:nvSpPr>
+        <p:spPr>
+          <a:xfrm>
+            <a:off x="3728330" y="7543004"/>
+            <a:ext cx="2254763" cy="387447"/>
+          </a:xfrm>
+          <a:prstGeom prst="rect">
+            <a:avLst/>
+          </a:prstGeom>
+          <a:noFill/>
+          <a:ln w="57150">
+            <a:solidFill>
+              <a:srgbClr val="7030A0"/>
+            </a:solidFill>
+          </a:ln>
+        </p:spPr>
+        <p:style>
+          <a:lnRef idx="2">
+            <a:schemeClr val="accent1">
+              <a:shade val="50000"/>
+            </a:schemeClr>
+          </a:lnRef>
+          <a:fillRef idx="1">
+            <a:schemeClr val="accent1"/>
+          </a:fillRef>
+          <a:effectRef idx="0">
+            <a:schemeClr val="accent1"/>
+          </a:effectRef>
+          <a:fontRef idx="minor">
+            <a:schemeClr val="lt1"/>
+          </a:fontRef>
+        </p:style>
+        <p:txBody>
+          <a:bodyPr rtlCol="0" anchor="t"/>
+          <a:lstStyle/>
+          <a:p>
+            <a:r>
+              <a:rPr lang="de-DE">
+                <a:solidFill>
+                  <a:schemeClr val="tx1"/>
+                </a:solidFill>
+              </a:rPr>
+              <a:t>MemorySlot</a:t>
+            </a:r>
+          </a:p>
+        </p:txBody>
+      </p:sp>
+      <p:sp>
+        <p:nvSpPr>
+          <p:cNvPr id="17" name="Rechteck 16">
+            <a:extLst>
+              <a:ext uri="{FF2B5EF4-FFF2-40B4-BE49-F238E27FC236}">
+                <a16:creationId xmlns:a16="http://schemas.microsoft.com/office/drawing/2014/main" id="{6429B14E-E70D-404D-9CF9-062BE568B457}"/>
+              </a:ext>
+            </a:extLst>
+          </p:cNvPr>
+          <p:cNvSpPr/>
+          <p:nvPr/>
+        </p:nvSpPr>
+        <p:spPr>
+          <a:xfrm>
+            <a:off x="3728330" y="4850926"/>
+            <a:ext cx="2254763" cy="387447"/>
+          </a:xfrm>
+          <a:prstGeom prst="rect">
+            <a:avLst/>
+          </a:prstGeom>
+          <a:noFill/>
+          <a:ln w="57150">
+            <a:solidFill>
+              <a:srgbClr val="7030A0"/>
+            </a:solidFill>
+          </a:ln>
+        </p:spPr>
+        <p:style>
+          <a:lnRef idx="2">
+            <a:schemeClr val="accent1">
+              <a:shade val="50000"/>
+            </a:schemeClr>
+          </a:lnRef>
+          <a:fillRef idx="1">
+            <a:schemeClr val="accent1"/>
+          </a:fillRef>
+          <a:effectRef idx="0">
+            <a:schemeClr val="accent1"/>
+          </a:effectRef>
+          <a:fontRef idx="minor">
+            <a:schemeClr val="lt1"/>
+          </a:fontRef>
+        </p:style>
+        <p:txBody>
+          <a:bodyPr rtlCol="0" anchor="t"/>
+          <a:lstStyle/>
+          <a:p>
+            <a:r>
+              <a:rPr lang="de-DE">
+                <a:solidFill>
+                  <a:schemeClr val="tx1"/>
+                </a:solidFill>
+              </a:rPr>
+              <a:t>MemorySlot</a:t>
+            </a:r>
+          </a:p>
+        </p:txBody>
+      </p:sp>
+    </p:spTree>
+    <p:extLst>
+      <p:ext uri="{BB962C8B-B14F-4D97-AF65-F5344CB8AC3E}">
+        <p14:creationId xmlns:p14="http://schemas.microsoft.com/office/powerpoint/2010/main" val="1366590792"/>
       </p:ext>
     </p:extLst>
   </p:cSld>
